--- a/Activity Diagram/AD_group.pptx
+++ b/Activity Diagram/AD_group.pptx
@@ -269,7 +269,7 @@
           <a:p>
             <a:fld id="{AA431702-9E4C-4E97-8392-A5D8F2F0B9DA}" type="datetimeFigureOut">
               <a:rPr lang="en-US" smtClean="0"/>
-              <a:t>4/13/2025</a:t>
+              <a:t>4/18/2025</a:t>
             </a:fld>
             <a:endParaRPr lang="en-US"/>
           </a:p>
@@ -467,7 +467,7 @@
           <a:p>
             <a:fld id="{AA431702-9E4C-4E97-8392-A5D8F2F0B9DA}" type="datetimeFigureOut">
               <a:rPr lang="en-US" smtClean="0"/>
-              <a:t>4/13/2025</a:t>
+              <a:t>4/18/2025</a:t>
             </a:fld>
             <a:endParaRPr lang="en-US"/>
           </a:p>
@@ -675,7 +675,7 @@
           <a:p>
             <a:fld id="{AA431702-9E4C-4E97-8392-A5D8F2F0B9DA}" type="datetimeFigureOut">
               <a:rPr lang="en-US" smtClean="0"/>
-              <a:t>4/13/2025</a:t>
+              <a:t>4/18/2025</a:t>
             </a:fld>
             <a:endParaRPr lang="en-US"/>
           </a:p>
@@ -873,7 +873,7 @@
           <a:p>
             <a:fld id="{AA431702-9E4C-4E97-8392-A5D8F2F0B9DA}" type="datetimeFigureOut">
               <a:rPr lang="en-US" smtClean="0"/>
-              <a:t>4/13/2025</a:t>
+              <a:t>4/18/2025</a:t>
             </a:fld>
             <a:endParaRPr lang="en-US"/>
           </a:p>
@@ -1148,7 +1148,7 @@
           <a:p>
             <a:fld id="{AA431702-9E4C-4E97-8392-A5D8F2F0B9DA}" type="datetimeFigureOut">
               <a:rPr lang="en-US" smtClean="0"/>
-              <a:t>4/13/2025</a:t>
+              <a:t>4/18/2025</a:t>
             </a:fld>
             <a:endParaRPr lang="en-US"/>
           </a:p>
@@ -1413,7 +1413,7 @@
           <a:p>
             <a:fld id="{AA431702-9E4C-4E97-8392-A5D8F2F0B9DA}" type="datetimeFigureOut">
               <a:rPr lang="en-US" smtClean="0"/>
-              <a:t>4/13/2025</a:t>
+              <a:t>4/18/2025</a:t>
             </a:fld>
             <a:endParaRPr lang="en-US"/>
           </a:p>
@@ -1825,7 +1825,7 @@
           <a:p>
             <a:fld id="{AA431702-9E4C-4E97-8392-A5D8F2F0B9DA}" type="datetimeFigureOut">
               <a:rPr lang="en-US" smtClean="0"/>
-              <a:t>4/13/2025</a:t>
+              <a:t>4/18/2025</a:t>
             </a:fld>
             <a:endParaRPr lang="en-US"/>
           </a:p>
@@ -1966,7 +1966,7 @@
           <a:p>
             <a:fld id="{AA431702-9E4C-4E97-8392-A5D8F2F0B9DA}" type="datetimeFigureOut">
               <a:rPr lang="en-US" smtClean="0"/>
-              <a:t>4/13/2025</a:t>
+              <a:t>4/18/2025</a:t>
             </a:fld>
             <a:endParaRPr lang="en-US"/>
           </a:p>
@@ -2079,7 +2079,7 @@
           <a:p>
             <a:fld id="{AA431702-9E4C-4E97-8392-A5D8F2F0B9DA}" type="datetimeFigureOut">
               <a:rPr lang="en-US" smtClean="0"/>
-              <a:t>4/13/2025</a:t>
+              <a:t>4/18/2025</a:t>
             </a:fld>
             <a:endParaRPr lang="en-US"/>
           </a:p>
@@ -2390,7 +2390,7 @@
           <a:p>
             <a:fld id="{AA431702-9E4C-4E97-8392-A5D8F2F0B9DA}" type="datetimeFigureOut">
               <a:rPr lang="en-US" smtClean="0"/>
-              <a:t>4/13/2025</a:t>
+              <a:t>4/18/2025</a:t>
             </a:fld>
             <a:endParaRPr lang="en-US"/>
           </a:p>
@@ -2678,7 +2678,7 @@
           <a:p>
             <a:fld id="{AA431702-9E4C-4E97-8392-A5D8F2F0B9DA}" type="datetimeFigureOut">
               <a:rPr lang="en-US" smtClean="0"/>
-              <a:t>4/13/2025</a:t>
+              <a:t>4/18/2025</a:t>
             </a:fld>
             <a:endParaRPr lang="en-US"/>
           </a:p>
@@ -2919,7 +2919,7 @@
           <a:p>
             <a:fld id="{AA431702-9E4C-4E97-8392-A5D8F2F0B9DA}" type="datetimeFigureOut">
               <a:rPr lang="en-US" smtClean="0"/>
-              <a:t>4/13/2025</a:t>
+              <a:t>4/18/2025</a:t>
             </a:fld>
             <a:endParaRPr lang="en-US"/>
           </a:p>
@@ -8136,6 +8136,7 @@
             <a:avLst/>
           </a:prstGeom>
           <a:ln>
+            <a:prstDash val="sysDot"/>
             <a:tailEnd type="triangle"/>
           </a:ln>
         </p:spPr>
@@ -8425,6 +8426,7 @@
             <a:avLst/>
           </a:prstGeom>
           <a:ln>
+            <a:prstDash val="sysDot"/>
             <a:tailEnd type="triangle"/>
           </a:ln>
         </p:spPr>
@@ -8466,6 +8468,7 @@
             <a:avLst/>
           </a:prstGeom>
           <a:ln>
+            <a:prstDash val="sysDot"/>
             <a:tailEnd type="triangle"/>
           </a:ln>
         </p:spPr>
@@ -8875,6 +8878,7 @@
             <a:avLst/>
           </a:prstGeom>
           <a:ln>
+            <a:prstDash val="sysDot"/>
             <a:tailEnd type="triangle"/>
           </a:ln>
         </p:spPr>
@@ -9322,6 +9326,7 @@
             <a:avLst/>
           </a:prstGeom>
           <a:ln>
+            <a:prstDash val="sysDot"/>
             <a:tailEnd type="triangle"/>
           </a:ln>
         </p:spPr>
@@ -10020,23 +10025,6 @@
 </file>
 
 <file path=customXml/item1.xml><?xml version="1.0" encoding="utf-8"?>
-<?mso-contentType ?>
-<FormTemplates xmlns="http://schemas.microsoft.com/sharepoint/v3/contenttype/forms">
-  <Display>DocumentLibraryForm</Display>
-  <Edit>DocumentLibraryForm</Edit>
-  <New>DocumentLibraryForm</New>
-</FormTemplates>
-</file>
-
-<file path=customXml/item2.xml><?xml version="1.0" encoding="utf-8"?>
-<p:properties xmlns:p="http://schemas.microsoft.com/office/2006/metadata/properties" xmlns:xsi="http://www.w3.org/2001/XMLSchema-instance" xmlns:pc="http://schemas.microsoft.com/office/infopath/2007/PartnerControls">
-  <documentManagement>
-    <_activity xmlns="c80d803b-ee30-4cf1-8997-d5dbef288d47" xsi:nil="true"/>
-  </documentManagement>
-</p:properties>
-</file>
-
-<file path=customXml/item3.xml><?xml version="1.0" encoding="utf-8"?>
 <ct:contentTypeSchema xmlns:ct="http://schemas.microsoft.com/office/2006/metadata/contentType" xmlns:ma="http://schemas.microsoft.com/office/2006/metadata/properties/metaAttributes" ct:_="" ma:_="" ma:contentTypeName="Document" ma:contentTypeID="0x01010091885E8D135CD643938305DEC3E1B53E" ma:contentTypeVersion="15" ma:contentTypeDescription="Create a new document." ma:contentTypeScope="" ma:versionID="a6814ea74d3fb77b5ad977a3843b2846">
   <xsd:schema xmlns:xsd="http://www.w3.org/2001/XMLSchema" xmlns:xs="http://www.w3.org/2001/XMLSchema" xmlns:p="http://schemas.microsoft.com/office/2006/metadata/properties" xmlns:ns3="c80d803b-ee30-4cf1-8997-d5dbef288d47" xmlns:ns4="1c1e4822-5b82-4cb4-a39e-28e929ec74cb" targetNamespace="http://schemas.microsoft.com/office/2006/metadata/properties" ma:root="true" ma:fieldsID="20e89a6ac46c5aeb3e918dc78faa7076" ns3:_="" ns4:_="">
     <xsd:import namespace="c80d803b-ee30-4cf1-8997-d5dbef288d47"/>
@@ -10269,10 +10257,38 @@
 </ct:contentTypeSchema>
 </file>
 
+<file path=customXml/item2.xml><?xml version="1.0" encoding="utf-8"?>
+<p:properties xmlns:p="http://schemas.microsoft.com/office/2006/metadata/properties" xmlns:xsi="http://www.w3.org/2001/XMLSchema-instance" xmlns:pc="http://schemas.microsoft.com/office/infopath/2007/PartnerControls">
+  <documentManagement>
+    <_activity xmlns="c80d803b-ee30-4cf1-8997-d5dbef288d47" xsi:nil="true"/>
+  </documentManagement>
+</p:properties>
+</file>
+
+<file path=customXml/item3.xml><?xml version="1.0" encoding="utf-8"?>
+<?mso-contentType ?>
+<FormTemplates xmlns="http://schemas.microsoft.com/sharepoint/v3/contenttype/forms">
+  <Display>DocumentLibraryForm</Display>
+  <Edit>DocumentLibraryForm</Edit>
+  <New>DocumentLibraryForm</New>
+</FormTemplates>
+</file>
+
 <file path=customXml/itemProps1.xml><?xml version="1.0" encoding="utf-8"?>
-<ds:datastoreItem xmlns:ds="http://schemas.openxmlformats.org/officeDocument/2006/customXml" ds:itemID="{368385C8-0F30-4715-A3AB-3C95C147C3E9}">
+<ds:datastoreItem xmlns:ds="http://schemas.openxmlformats.org/officeDocument/2006/customXml" ds:itemID="{BEEA7200-2846-4DF0-8F54-4E012AB88C86}">
   <ds:schemaRefs>
-    <ds:schemaRef ds:uri="http://schemas.microsoft.com/sharepoint/v3/contenttype/forms"/>
+    <ds:schemaRef ds:uri="http://schemas.microsoft.com/office/2006/metadata/contentType"/>
+    <ds:schemaRef ds:uri="http://schemas.microsoft.com/office/2006/metadata/properties/metaAttributes"/>
+    <ds:schemaRef ds:uri="http://www.w3.org/2001/XMLSchema"/>
+    <ds:schemaRef ds:uri="http://schemas.microsoft.com/office/2006/metadata/properties"/>
+    <ds:schemaRef ds:uri="c80d803b-ee30-4cf1-8997-d5dbef288d47"/>
+    <ds:schemaRef ds:uri="1c1e4822-5b82-4cb4-a39e-28e929ec74cb"/>
+    <ds:schemaRef ds:uri="http://schemas.microsoft.com/office/2006/documentManagement/types"/>
+    <ds:schemaRef ds:uri="http://schemas.microsoft.com/office/infopath/2007/PartnerControls"/>
+    <ds:schemaRef ds:uri="http://schemas.openxmlformats.org/package/2006/metadata/core-properties"/>
+    <ds:schemaRef ds:uri="http://purl.org/dc/elements/1.1/"/>
+    <ds:schemaRef ds:uri="http://purl.org/dc/terms/"/>
+    <ds:schemaRef ds:uri="http://schemas.microsoft.com/internal/obd"/>
   </ds:schemaRefs>
 </ds:datastoreItem>
 </file>
@@ -10295,20 +10311,9 @@
 </file>
 
 <file path=customXml/itemProps3.xml><?xml version="1.0" encoding="utf-8"?>
-<ds:datastoreItem xmlns:ds="http://schemas.openxmlformats.org/officeDocument/2006/customXml" ds:itemID="{BEEA7200-2846-4DF0-8F54-4E012AB88C86}">
+<ds:datastoreItem xmlns:ds="http://schemas.openxmlformats.org/officeDocument/2006/customXml" ds:itemID="{368385C8-0F30-4715-A3AB-3C95C147C3E9}">
   <ds:schemaRefs>
-    <ds:schemaRef ds:uri="http://schemas.microsoft.com/office/2006/metadata/contentType"/>
-    <ds:schemaRef ds:uri="http://schemas.microsoft.com/office/2006/metadata/properties/metaAttributes"/>
-    <ds:schemaRef ds:uri="http://www.w3.org/2001/XMLSchema"/>
-    <ds:schemaRef ds:uri="http://schemas.microsoft.com/office/2006/metadata/properties"/>
-    <ds:schemaRef ds:uri="c80d803b-ee30-4cf1-8997-d5dbef288d47"/>
-    <ds:schemaRef ds:uri="1c1e4822-5b82-4cb4-a39e-28e929ec74cb"/>
-    <ds:schemaRef ds:uri="http://schemas.microsoft.com/office/2006/documentManagement/types"/>
-    <ds:schemaRef ds:uri="http://schemas.microsoft.com/office/infopath/2007/PartnerControls"/>
-    <ds:schemaRef ds:uri="http://schemas.openxmlformats.org/package/2006/metadata/core-properties"/>
-    <ds:schemaRef ds:uri="http://purl.org/dc/elements/1.1/"/>
-    <ds:schemaRef ds:uri="http://purl.org/dc/terms/"/>
-    <ds:schemaRef ds:uri="http://schemas.microsoft.com/internal/obd"/>
+    <ds:schemaRef ds:uri="http://schemas.microsoft.com/sharepoint/v3/contenttype/forms"/>
   </ds:schemaRefs>
 </ds:datastoreItem>
 </file>
--- a/Activity Diagram/AD_group.pptx
+++ b/Activity Diagram/AD_group.pptx
@@ -5,9 +5,7 @@
     <p:sldMasterId id="2147483648" r:id="rId4"/>
   </p:sldMasterIdLst>
   <p:sldIdLst>
-    <p:sldId id="256" r:id="rId5"/>
-    <p:sldId id="257" r:id="rId6"/>
-    <p:sldId id="258" r:id="rId7"/>
+    <p:sldId id="257" r:id="rId5"/>
   </p:sldIdLst>
   <p:sldSz cx="12192000" cy="6858000"/>
   <p:notesSz cx="6858000" cy="9144000"/>
@@ -269,7 +267,7 @@
           <a:p>
             <a:fld id="{AA431702-9E4C-4E97-8392-A5D8F2F0B9DA}" type="datetimeFigureOut">
               <a:rPr lang="en-US" smtClean="0"/>
-              <a:t>4/18/2025</a:t>
+              <a:t>5/8/2025</a:t>
             </a:fld>
             <a:endParaRPr lang="en-US"/>
           </a:p>
@@ -467,7 +465,7 @@
           <a:p>
             <a:fld id="{AA431702-9E4C-4E97-8392-A5D8F2F0B9DA}" type="datetimeFigureOut">
               <a:rPr lang="en-US" smtClean="0"/>
-              <a:t>4/18/2025</a:t>
+              <a:t>5/8/2025</a:t>
             </a:fld>
             <a:endParaRPr lang="en-US"/>
           </a:p>
@@ -675,7 +673,7 @@
           <a:p>
             <a:fld id="{AA431702-9E4C-4E97-8392-A5D8F2F0B9DA}" type="datetimeFigureOut">
               <a:rPr lang="en-US" smtClean="0"/>
-              <a:t>4/18/2025</a:t>
+              <a:t>5/8/2025</a:t>
             </a:fld>
             <a:endParaRPr lang="en-US"/>
           </a:p>
@@ -873,7 +871,7 @@
           <a:p>
             <a:fld id="{AA431702-9E4C-4E97-8392-A5D8F2F0B9DA}" type="datetimeFigureOut">
               <a:rPr lang="en-US" smtClean="0"/>
-              <a:t>4/18/2025</a:t>
+              <a:t>5/8/2025</a:t>
             </a:fld>
             <a:endParaRPr lang="en-US"/>
           </a:p>
@@ -1148,7 +1146,7 @@
           <a:p>
             <a:fld id="{AA431702-9E4C-4E97-8392-A5D8F2F0B9DA}" type="datetimeFigureOut">
               <a:rPr lang="en-US" smtClean="0"/>
-              <a:t>4/18/2025</a:t>
+              <a:t>5/8/2025</a:t>
             </a:fld>
             <a:endParaRPr lang="en-US"/>
           </a:p>
@@ -1413,7 +1411,7 @@
           <a:p>
             <a:fld id="{AA431702-9E4C-4E97-8392-A5D8F2F0B9DA}" type="datetimeFigureOut">
               <a:rPr lang="en-US" smtClean="0"/>
-              <a:t>4/18/2025</a:t>
+              <a:t>5/8/2025</a:t>
             </a:fld>
             <a:endParaRPr lang="en-US"/>
           </a:p>
@@ -1825,7 +1823,7 @@
           <a:p>
             <a:fld id="{AA431702-9E4C-4E97-8392-A5D8F2F0B9DA}" type="datetimeFigureOut">
               <a:rPr lang="en-US" smtClean="0"/>
-              <a:t>4/18/2025</a:t>
+              <a:t>5/8/2025</a:t>
             </a:fld>
             <a:endParaRPr lang="en-US"/>
           </a:p>
@@ -1966,7 +1964,7 @@
           <a:p>
             <a:fld id="{AA431702-9E4C-4E97-8392-A5D8F2F0B9DA}" type="datetimeFigureOut">
               <a:rPr lang="en-US" smtClean="0"/>
-              <a:t>4/18/2025</a:t>
+              <a:t>5/8/2025</a:t>
             </a:fld>
             <a:endParaRPr lang="en-US"/>
           </a:p>
@@ -2079,7 +2077,7 @@
           <a:p>
             <a:fld id="{AA431702-9E4C-4E97-8392-A5D8F2F0B9DA}" type="datetimeFigureOut">
               <a:rPr lang="en-US" smtClean="0"/>
-              <a:t>4/18/2025</a:t>
+              <a:t>5/8/2025</a:t>
             </a:fld>
             <a:endParaRPr lang="en-US"/>
           </a:p>
@@ -2390,7 +2388,7 @@
           <a:p>
             <a:fld id="{AA431702-9E4C-4E97-8392-A5D8F2F0B9DA}" type="datetimeFigureOut">
               <a:rPr lang="en-US" smtClean="0"/>
-              <a:t>4/18/2025</a:t>
+              <a:t>5/8/2025</a:t>
             </a:fld>
             <a:endParaRPr lang="en-US"/>
           </a:p>
@@ -2678,7 +2676,7 @@
           <a:p>
             <a:fld id="{AA431702-9E4C-4E97-8392-A5D8F2F0B9DA}" type="datetimeFigureOut">
               <a:rPr lang="en-US" smtClean="0"/>
-              <a:t>4/18/2025</a:t>
+              <a:t>5/8/2025</a:t>
             </a:fld>
             <a:endParaRPr lang="en-US"/>
           </a:p>
@@ -2919,7 +2917,7 @@
           <a:p>
             <a:fld id="{AA431702-9E4C-4E97-8392-A5D8F2F0B9DA}" type="datetimeFigureOut">
               <a:rPr lang="en-US" smtClean="0"/>
-              <a:t>4/18/2025</a:t>
+              <a:t>5/8/2025</a:t>
             </a:fld>
             <a:endParaRPr lang="en-US"/>
           </a:p>
@@ -3322,964 +3320,6 @@
 <file path=ppt/slides/slide1.xml><?xml version="1.0" encoding="utf-8"?>
 <p:sld xmlns:a="http://schemas.openxmlformats.org/drawingml/2006/main" xmlns:r="http://schemas.openxmlformats.org/officeDocument/2006/relationships" xmlns:p="http://schemas.openxmlformats.org/presentationml/2006/main">
   <p:cSld>
-    <p:spTree>
-      <p:nvGrpSpPr>
-        <p:cNvPr id="1" name=""/>
-        <p:cNvGrpSpPr/>
-        <p:nvPr/>
-      </p:nvGrpSpPr>
-      <p:grpSpPr>
-        <a:xfrm>
-          <a:off x="0" y="0"/>
-          <a:ext cx="0" cy="0"/>
-          <a:chOff x="0" y="0"/>
-          <a:chExt cx="0" cy="0"/>
-        </a:xfrm>
-      </p:grpSpPr>
-      <p:sp>
-        <p:nvSpPr>
-          <p:cNvPr id="4" name="TextBox 3">
-            <a:extLst>
-              <a:ext uri="{FF2B5EF4-FFF2-40B4-BE49-F238E27FC236}">
-                <a16:creationId xmlns:a16="http://schemas.microsoft.com/office/drawing/2014/main" id="{5B5DADD0-D7F4-1165-8A01-B3D6BDEA56C2}"/>
-              </a:ext>
-            </a:extLst>
-          </p:cNvPr>
-          <p:cNvSpPr txBox="1"/>
-          <p:nvPr/>
-        </p:nvSpPr>
-        <p:spPr>
-          <a:xfrm>
-            <a:off x="5445832" y="11"/>
-            <a:ext cx="1309974" cy="307905"/>
-          </a:xfrm>
-          <a:prstGeom prst="rect">
-            <a:avLst/>
-          </a:prstGeom>
-          <a:noFill/>
-        </p:spPr>
-        <p:txBody>
-          <a:bodyPr wrap="none" rtlCol="0">
-            <a:spAutoFit/>
-          </a:bodyPr>
-          <a:lstStyle/>
-          <a:p>
-            <a:r>
-              <a:rPr lang="vi-VN" sz="1401" b="1" dirty="0">
-                <a:latin typeface="+mj-lt"/>
-                <a:cs typeface="Times New Roman" panose="02020603050405020304" pitchFamily="18" charset="0"/>
-              </a:rPr>
-              <a:t>Tạo nhóm mới</a:t>
-            </a:r>
-            <a:endParaRPr lang="en-US" sz="1401" b="1" dirty="0">
-              <a:latin typeface="+mj-lt"/>
-              <a:cs typeface="Times New Roman" panose="02020603050405020304" pitchFamily="18" charset="0"/>
-            </a:endParaRPr>
-          </a:p>
-        </p:txBody>
-      </p:sp>
-      <p:sp>
-        <p:nvSpPr>
-          <p:cNvPr id="5" name="Rectangle 4">
-            <a:extLst>
-              <a:ext uri="{FF2B5EF4-FFF2-40B4-BE49-F238E27FC236}">
-                <a16:creationId xmlns:a16="http://schemas.microsoft.com/office/drawing/2014/main" id="{47B7BF27-A611-ED04-1CCA-38E02693E286}"/>
-              </a:ext>
-            </a:extLst>
-          </p:cNvPr>
-          <p:cNvSpPr/>
-          <p:nvPr/>
-        </p:nvSpPr>
-        <p:spPr>
-          <a:xfrm>
-            <a:off x="23128" y="329541"/>
-            <a:ext cx="12192000" cy="3262739"/>
-          </a:xfrm>
-          <a:prstGeom prst="rect">
-            <a:avLst/>
-          </a:prstGeom>
-        </p:spPr>
-        <p:style>
-          <a:lnRef idx="2">
-            <a:schemeClr val="accent6"/>
-          </a:lnRef>
-          <a:fillRef idx="1">
-            <a:schemeClr val="lt1"/>
-          </a:fillRef>
-          <a:effectRef idx="0">
-            <a:schemeClr val="accent6"/>
-          </a:effectRef>
-          <a:fontRef idx="minor">
-            <a:schemeClr val="dk1"/>
-          </a:fontRef>
-        </p:style>
-        <p:txBody>
-          <a:bodyPr rtlCol="0" anchor="ctr"/>
-          <a:lstStyle/>
-          <a:p>
-            <a:pPr algn="ctr"/>
-            <a:endParaRPr lang="en-US" sz="1401">
-              <a:latin typeface="+mj-lt"/>
-            </a:endParaRPr>
-          </a:p>
-        </p:txBody>
-      </p:sp>
-      <p:sp>
-        <p:nvSpPr>
-          <p:cNvPr id="6" name="Rectangle 5">
-            <a:extLst>
-              <a:ext uri="{FF2B5EF4-FFF2-40B4-BE49-F238E27FC236}">
-                <a16:creationId xmlns:a16="http://schemas.microsoft.com/office/drawing/2014/main" id="{E366241E-6946-8961-7703-EBFDFFDE6A7B}"/>
-              </a:ext>
-            </a:extLst>
-          </p:cNvPr>
-          <p:cNvSpPr/>
-          <p:nvPr/>
-        </p:nvSpPr>
-        <p:spPr>
-          <a:xfrm>
-            <a:off x="19055" y="3578440"/>
-            <a:ext cx="12192000" cy="3262738"/>
-          </a:xfrm>
-          <a:prstGeom prst="rect">
-            <a:avLst/>
-          </a:prstGeom>
-        </p:spPr>
-        <p:style>
-          <a:lnRef idx="2">
-            <a:schemeClr val="accent6"/>
-          </a:lnRef>
-          <a:fillRef idx="1">
-            <a:schemeClr val="lt1"/>
-          </a:fillRef>
-          <a:effectRef idx="0">
-            <a:schemeClr val="accent6"/>
-          </a:effectRef>
-          <a:fontRef idx="minor">
-            <a:schemeClr val="dk1"/>
-          </a:fontRef>
-        </p:style>
-        <p:txBody>
-          <a:bodyPr rtlCol="0" anchor="ctr"/>
-          <a:lstStyle/>
-          <a:p>
-            <a:pPr algn="ctr"/>
-            <a:endParaRPr lang="en-US" sz="1401" dirty="0">
-              <a:latin typeface="+mj-lt"/>
-            </a:endParaRPr>
-          </a:p>
-        </p:txBody>
-      </p:sp>
-      <p:sp>
-        <p:nvSpPr>
-          <p:cNvPr id="8" name="Rectangle 7">
-            <a:extLst>
-              <a:ext uri="{FF2B5EF4-FFF2-40B4-BE49-F238E27FC236}">
-                <a16:creationId xmlns:a16="http://schemas.microsoft.com/office/drawing/2014/main" id="{0B79E66F-D60E-4AFC-1EFE-90DD15DB8FB2}"/>
-              </a:ext>
-            </a:extLst>
-          </p:cNvPr>
-          <p:cNvSpPr/>
-          <p:nvPr/>
-        </p:nvSpPr>
-        <p:spPr>
-          <a:xfrm rot="16200000">
-            <a:off x="-1206821" y="1514600"/>
-            <a:ext cx="3262737" cy="849089"/>
-          </a:xfrm>
-          <a:prstGeom prst="rect">
-            <a:avLst/>
-          </a:prstGeom>
-        </p:spPr>
-        <p:style>
-          <a:lnRef idx="2">
-            <a:schemeClr val="accent6"/>
-          </a:lnRef>
-          <a:fillRef idx="1">
-            <a:schemeClr val="lt1"/>
-          </a:fillRef>
-          <a:effectRef idx="0">
-            <a:schemeClr val="accent6"/>
-          </a:effectRef>
-          <a:fontRef idx="minor">
-            <a:schemeClr val="dk1"/>
-          </a:fontRef>
-        </p:style>
-        <p:txBody>
-          <a:bodyPr rtlCol="0" anchor="ctr"/>
-          <a:lstStyle/>
-          <a:p>
-            <a:pPr algn="ctr"/>
-            <a:r>
-              <a:rPr lang="vi-VN" sz="1401" dirty="0">
-                <a:latin typeface="+mj-lt"/>
-              </a:rPr>
-              <a:t>Người dùng</a:t>
-            </a:r>
-            <a:endParaRPr lang="en-US" sz="1401" dirty="0">
-              <a:latin typeface="+mj-lt"/>
-            </a:endParaRPr>
-          </a:p>
-        </p:txBody>
-      </p:sp>
-      <p:sp>
-        <p:nvSpPr>
-          <p:cNvPr id="9" name="Rectangle 8">
-            <a:extLst>
-              <a:ext uri="{FF2B5EF4-FFF2-40B4-BE49-F238E27FC236}">
-                <a16:creationId xmlns:a16="http://schemas.microsoft.com/office/drawing/2014/main" id="{2E2CB199-5277-3442-5FFE-8453782409C7}"/>
-              </a:ext>
-            </a:extLst>
-          </p:cNvPr>
-          <p:cNvSpPr/>
-          <p:nvPr/>
-        </p:nvSpPr>
-        <p:spPr>
-          <a:xfrm rot="16200000">
-            <a:off x="-1206822" y="4777334"/>
-            <a:ext cx="3262737" cy="849093"/>
-          </a:xfrm>
-          <a:prstGeom prst="rect">
-            <a:avLst/>
-          </a:prstGeom>
-        </p:spPr>
-        <p:style>
-          <a:lnRef idx="2">
-            <a:schemeClr val="accent6"/>
-          </a:lnRef>
-          <a:fillRef idx="1">
-            <a:schemeClr val="lt1"/>
-          </a:fillRef>
-          <a:effectRef idx="0">
-            <a:schemeClr val="accent6"/>
-          </a:effectRef>
-          <a:fontRef idx="minor">
-            <a:schemeClr val="dk1"/>
-          </a:fontRef>
-        </p:style>
-        <p:txBody>
-          <a:bodyPr rtlCol="0" anchor="ctr"/>
-          <a:lstStyle/>
-          <a:p>
-            <a:pPr algn="ctr"/>
-            <a:r>
-              <a:rPr lang="vi-VN" sz="1401" dirty="0">
-                <a:latin typeface="+mj-lt"/>
-              </a:rPr>
-              <a:t>Hệ thống</a:t>
-            </a:r>
-            <a:endParaRPr lang="en-US" sz="1401" dirty="0">
-              <a:latin typeface="+mj-lt"/>
-            </a:endParaRPr>
-          </a:p>
-        </p:txBody>
-      </p:sp>
-      <p:sp>
-        <p:nvSpPr>
-          <p:cNvPr id="10" name="Flowchart: Connector 9">
-            <a:extLst>
-              <a:ext uri="{FF2B5EF4-FFF2-40B4-BE49-F238E27FC236}">
-                <a16:creationId xmlns:a16="http://schemas.microsoft.com/office/drawing/2014/main" id="{1381F31B-1EAB-185F-17E8-ABE85582A3DB}"/>
-              </a:ext>
-            </a:extLst>
-          </p:cNvPr>
-          <p:cNvSpPr/>
-          <p:nvPr/>
-        </p:nvSpPr>
-        <p:spPr>
-          <a:xfrm>
-            <a:off x="1088578" y="1719945"/>
-            <a:ext cx="185059" cy="217715"/>
-          </a:xfrm>
-          <a:prstGeom prst="flowChartConnector">
-            <a:avLst/>
-          </a:prstGeom>
-        </p:spPr>
-        <p:style>
-          <a:lnRef idx="2">
-            <a:schemeClr val="dk1">
-              <a:shade val="15000"/>
-            </a:schemeClr>
-          </a:lnRef>
-          <a:fillRef idx="1">
-            <a:schemeClr val="dk1"/>
-          </a:fillRef>
-          <a:effectRef idx="0">
-            <a:schemeClr val="dk1"/>
-          </a:effectRef>
-          <a:fontRef idx="minor">
-            <a:schemeClr val="lt1"/>
-          </a:fontRef>
-        </p:style>
-        <p:txBody>
-          <a:bodyPr rtlCol="0" anchor="ctr"/>
-          <a:lstStyle/>
-          <a:p>
-            <a:pPr algn="ctr"/>
-            <a:endParaRPr lang="en-US" sz="1401">
-              <a:latin typeface="+mj-lt"/>
-            </a:endParaRPr>
-          </a:p>
-        </p:txBody>
-      </p:sp>
-      <p:sp>
-        <p:nvSpPr>
-          <p:cNvPr id="13" name="Rectangle: Rounded Corners 12">
-            <a:extLst>
-              <a:ext uri="{FF2B5EF4-FFF2-40B4-BE49-F238E27FC236}">
-                <a16:creationId xmlns:a16="http://schemas.microsoft.com/office/drawing/2014/main" id="{61B02474-1C31-08CD-CF11-C0DE5347322D}"/>
-              </a:ext>
-            </a:extLst>
-          </p:cNvPr>
-          <p:cNvSpPr/>
-          <p:nvPr/>
-        </p:nvSpPr>
-        <p:spPr>
-          <a:xfrm>
-            <a:off x="2103685" y="1556664"/>
-            <a:ext cx="1317172" cy="544287"/>
-          </a:xfrm>
-          <a:prstGeom prst="roundRect">
-            <a:avLst/>
-          </a:prstGeom>
-        </p:spPr>
-        <p:style>
-          <a:lnRef idx="2">
-            <a:schemeClr val="accent6"/>
-          </a:lnRef>
-          <a:fillRef idx="1">
-            <a:schemeClr val="lt1"/>
-          </a:fillRef>
-          <a:effectRef idx="0">
-            <a:schemeClr val="accent6"/>
-          </a:effectRef>
-          <a:fontRef idx="minor">
-            <a:schemeClr val="dk1"/>
-          </a:fontRef>
-        </p:style>
-        <p:txBody>
-          <a:bodyPr rtlCol="0" anchor="ctr"/>
-          <a:lstStyle/>
-          <a:p>
-            <a:pPr algn="ctr"/>
-            <a:r>
-              <a:rPr lang="vi-VN" sz="1401" dirty="0">
-                <a:latin typeface="+mj-lt"/>
-              </a:rPr>
-              <a:t>Người dùng chọn “tạo nhóm”</a:t>
-            </a:r>
-            <a:endParaRPr lang="en-US" sz="1401" dirty="0">
-              <a:latin typeface="+mj-lt"/>
-            </a:endParaRPr>
-          </a:p>
-        </p:txBody>
-      </p:sp>
-      <p:sp>
-        <p:nvSpPr>
-          <p:cNvPr id="17" name="Rectangle: Rounded Corners 16">
-            <a:extLst>
-              <a:ext uri="{FF2B5EF4-FFF2-40B4-BE49-F238E27FC236}">
-                <a16:creationId xmlns:a16="http://schemas.microsoft.com/office/drawing/2014/main" id="{C7AF4A38-CDFA-175E-9F55-629211289818}"/>
-              </a:ext>
-            </a:extLst>
-          </p:cNvPr>
-          <p:cNvSpPr/>
-          <p:nvPr/>
-        </p:nvSpPr>
-        <p:spPr>
-          <a:xfrm>
-            <a:off x="5067310" y="1556667"/>
-            <a:ext cx="1317172" cy="544287"/>
-          </a:xfrm>
-          <a:prstGeom prst="roundRect">
-            <a:avLst/>
-          </a:prstGeom>
-        </p:spPr>
-        <p:style>
-          <a:lnRef idx="2">
-            <a:schemeClr val="accent6"/>
-          </a:lnRef>
-          <a:fillRef idx="1">
-            <a:schemeClr val="lt1"/>
-          </a:fillRef>
-          <a:effectRef idx="0">
-            <a:schemeClr val="accent6"/>
-          </a:effectRef>
-          <a:fontRef idx="minor">
-            <a:schemeClr val="dk1"/>
-          </a:fontRef>
-        </p:style>
-        <p:txBody>
-          <a:bodyPr rtlCol="0" anchor="ctr"/>
-          <a:lstStyle/>
-          <a:p>
-            <a:pPr algn="ctr"/>
-            <a:r>
-              <a:rPr lang="vi-VN" sz="1401" dirty="0">
-                <a:latin typeface="+mj-lt"/>
-              </a:rPr>
-              <a:t>Nhập tên nhóm, mô tả, quyền riêng tư</a:t>
-            </a:r>
-            <a:endParaRPr lang="en-US" sz="1401" dirty="0">
-              <a:latin typeface="+mj-lt"/>
-            </a:endParaRPr>
-          </a:p>
-        </p:txBody>
-      </p:sp>
-      <p:sp>
-        <p:nvSpPr>
-          <p:cNvPr id="19" name="Rectangle: Rounded Corners 18">
-            <a:extLst>
-              <a:ext uri="{FF2B5EF4-FFF2-40B4-BE49-F238E27FC236}">
-                <a16:creationId xmlns:a16="http://schemas.microsoft.com/office/drawing/2014/main" id="{2A0B17B7-CC6C-5B78-3710-123445F82C90}"/>
-              </a:ext>
-            </a:extLst>
-          </p:cNvPr>
-          <p:cNvSpPr/>
-          <p:nvPr/>
-        </p:nvSpPr>
-        <p:spPr>
-          <a:xfrm>
-            <a:off x="7587347" y="1556667"/>
-            <a:ext cx="1317172" cy="544287"/>
-          </a:xfrm>
-          <a:prstGeom prst="roundRect">
-            <a:avLst/>
-          </a:prstGeom>
-        </p:spPr>
-        <p:style>
-          <a:lnRef idx="2">
-            <a:schemeClr val="accent6"/>
-          </a:lnRef>
-          <a:fillRef idx="1">
-            <a:schemeClr val="lt1"/>
-          </a:fillRef>
-          <a:effectRef idx="0">
-            <a:schemeClr val="accent6"/>
-          </a:effectRef>
-          <a:fontRef idx="minor">
-            <a:schemeClr val="dk1"/>
-          </a:fontRef>
-        </p:style>
-        <p:txBody>
-          <a:bodyPr rtlCol="0" anchor="ctr"/>
-          <a:lstStyle/>
-          <a:p>
-            <a:pPr algn="ctr"/>
-            <a:r>
-              <a:rPr lang="vi-VN" sz="1401" dirty="0">
-                <a:latin typeface="+mj-lt"/>
-              </a:rPr>
-              <a:t>Ấn "Tạo nhóm"</a:t>
-            </a:r>
-            <a:endParaRPr lang="en-US" sz="1401" dirty="0">
-              <a:latin typeface="+mj-lt"/>
-            </a:endParaRPr>
-          </a:p>
-        </p:txBody>
-      </p:sp>
-      <p:sp>
-        <p:nvSpPr>
-          <p:cNvPr id="21" name="Rectangle: Rounded Corners 20">
-            <a:extLst>
-              <a:ext uri="{FF2B5EF4-FFF2-40B4-BE49-F238E27FC236}">
-                <a16:creationId xmlns:a16="http://schemas.microsoft.com/office/drawing/2014/main" id="{56EC9BAF-1831-FC16-04DD-0C08EDB7907C}"/>
-              </a:ext>
-            </a:extLst>
-          </p:cNvPr>
-          <p:cNvSpPr/>
-          <p:nvPr/>
-        </p:nvSpPr>
-        <p:spPr>
-          <a:xfrm>
-            <a:off x="2492846" y="5029211"/>
-            <a:ext cx="1317172" cy="544287"/>
-          </a:xfrm>
-          <a:prstGeom prst="roundRect">
-            <a:avLst/>
-          </a:prstGeom>
-        </p:spPr>
-        <p:style>
-          <a:lnRef idx="2">
-            <a:schemeClr val="accent6"/>
-          </a:lnRef>
-          <a:fillRef idx="1">
-            <a:schemeClr val="lt1"/>
-          </a:fillRef>
-          <a:effectRef idx="0">
-            <a:schemeClr val="accent6"/>
-          </a:effectRef>
-          <a:fontRef idx="minor">
-            <a:schemeClr val="dk1"/>
-          </a:fontRef>
-        </p:style>
-        <p:txBody>
-          <a:bodyPr rtlCol="0" anchor="ctr"/>
-          <a:lstStyle/>
-          <a:p>
-            <a:pPr algn="ctr"/>
-            <a:r>
-              <a:rPr lang="vi-VN" sz="1401" dirty="0">
-                <a:latin typeface="+mj-lt"/>
-              </a:rPr>
-              <a:t>Hệ thống tạo bản ghi Group</a:t>
-            </a:r>
-            <a:endParaRPr lang="en-US" sz="1401" dirty="0">
-              <a:latin typeface="+mj-lt"/>
-            </a:endParaRPr>
-          </a:p>
-        </p:txBody>
-      </p:sp>
-      <p:sp>
-        <p:nvSpPr>
-          <p:cNvPr id="24" name="Rectangle: Rounded Corners 23">
-            <a:extLst>
-              <a:ext uri="{FF2B5EF4-FFF2-40B4-BE49-F238E27FC236}">
-                <a16:creationId xmlns:a16="http://schemas.microsoft.com/office/drawing/2014/main" id="{1EC1AAF0-D583-A3F4-84B8-C952A9A5AFCC}"/>
-              </a:ext>
-            </a:extLst>
-          </p:cNvPr>
-          <p:cNvSpPr/>
-          <p:nvPr/>
-        </p:nvSpPr>
-        <p:spPr>
-          <a:xfrm>
-            <a:off x="5067304" y="5029211"/>
-            <a:ext cx="2095503" cy="544287"/>
-          </a:xfrm>
-          <a:prstGeom prst="roundRect">
-            <a:avLst/>
-          </a:prstGeom>
-        </p:spPr>
-        <p:style>
-          <a:lnRef idx="2">
-            <a:schemeClr val="accent6"/>
-          </a:lnRef>
-          <a:fillRef idx="1">
-            <a:schemeClr val="lt1"/>
-          </a:fillRef>
-          <a:effectRef idx="0">
-            <a:schemeClr val="accent6"/>
-          </a:effectRef>
-          <a:fontRef idx="minor">
-            <a:schemeClr val="dk1"/>
-          </a:fontRef>
-        </p:style>
-        <p:txBody>
-          <a:bodyPr rtlCol="0" anchor="ctr"/>
-          <a:lstStyle/>
-          <a:p>
-            <a:pPr algn="ctr"/>
-            <a:r>
-              <a:rPr lang="vi-VN" sz="1401" dirty="0">
-                <a:latin typeface="+mj-lt"/>
-              </a:rPr>
-              <a:t>Hệ thống tạo bản ghi GroupMember với role = admin</a:t>
-            </a:r>
-            <a:endParaRPr lang="en-US" sz="1401" dirty="0">
-              <a:latin typeface="+mj-lt"/>
-            </a:endParaRPr>
-          </a:p>
-        </p:txBody>
-      </p:sp>
-      <p:sp>
-        <p:nvSpPr>
-          <p:cNvPr id="26" name="Rectangle: Rounded Corners 25">
-            <a:extLst>
-              <a:ext uri="{FF2B5EF4-FFF2-40B4-BE49-F238E27FC236}">
-                <a16:creationId xmlns:a16="http://schemas.microsoft.com/office/drawing/2014/main" id="{20AE3517-82B9-8EB7-3D19-5F0E054AEB0A}"/>
-              </a:ext>
-            </a:extLst>
-          </p:cNvPr>
-          <p:cNvSpPr/>
-          <p:nvPr/>
-        </p:nvSpPr>
-        <p:spPr>
-          <a:xfrm>
-            <a:off x="10134598" y="1545780"/>
-            <a:ext cx="1317172" cy="544287"/>
-          </a:xfrm>
-          <a:prstGeom prst="roundRect">
-            <a:avLst/>
-          </a:prstGeom>
-        </p:spPr>
-        <p:style>
-          <a:lnRef idx="2">
-            <a:schemeClr val="accent6"/>
-          </a:lnRef>
-          <a:fillRef idx="1">
-            <a:schemeClr val="lt1"/>
-          </a:fillRef>
-          <a:effectRef idx="0">
-            <a:schemeClr val="accent6"/>
-          </a:effectRef>
-          <a:fontRef idx="minor">
-            <a:schemeClr val="dk1"/>
-          </a:fontRef>
-        </p:style>
-        <p:txBody>
-          <a:bodyPr rtlCol="0" anchor="ctr"/>
-          <a:lstStyle/>
-          <a:p>
-            <a:pPr algn="ctr"/>
-            <a:r>
-              <a:rPr lang="vi-VN" sz="1401" dirty="0">
-                <a:latin typeface="+mj-lt"/>
-              </a:rPr>
-              <a:t>Hiển thị trang nhóm mới</a:t>
-            </a:r>
-            <a:endParaRPr lang="en-US" sz="1401" dirty="0">
-              <a:latin typeface="+mj-lt"/>
-            </a:endParaRPr>
-          </a:p>
-        </p:txBody>
-      </p:sp>
-      <p:sp>
-        <p:nvSpPr>
-          <p:cNvPr id="33" name="Flowchart: Connector 32">
-            <a:extLst>
-              <a:ext uri="{FF2B5EF4-FFF2-40B4-BE49-F238E27FC236}">
-                <a16:creationId xmlns:a16="http://schemas.microsoft.com/office/drawing/2014/main" id="{3E620EBC-601E-A71E-3BAF-1367866A22F4}"/>
-              </a:ext>
-            </a:extLst>
-          </p:cNvPr>
-          <p:cNvSpPr/>
-          <p:nvPr/>
-        </p:nvSpPr>
-        <p:spPr>
-          <a:xfrm>
-            <a:off x="11789223" y="1741714"/>
-            <a:ext cx="185059" cy="217715"/>
-          </a:xfrm>
-          <a:prstGeom prst="flowChartConnector">
-            <a:avLst/>
-          </a:prstGeom>
-        </p:spPr>
-        <p:style>
-          <a:lnRef idx="2">
-            <a:schemeClr val="dk1">
-              <a:shade val="15000"/>
-            </a:schemeClr>
-          </a:lnRef>
-          <a:fillRef idx="1">
-            <a:schemeClr val="dk1"/>
-          </a:fillRef>
-          <a:effectRef idx="0">
-            <a:schemeClr val="dk1"/>
-          </a:effectRef>
-          <a:fontRef idx="minor">
-            <a:schemeClr val="lt1"/>
-          </a:fontRef>
-        </p:style>
-        <p:txBody>
-          <a:bodyPr rtlCol="0" anchor="ctr"/>
-          <a:lstStyle/>
-          <a:p>
-            <a:pPr algn="ctr"/>
-            <a:endParaRPr lang="en-US" sz="1401">
-              <a:latin typeface="+mj-lt"/>
-            </a:endParaRPr>
-          </a:p>
-        </p:txBody>
-      </p:sp>
-      <p:cxnSp>
-        <p:nvCxnSpPr>
-          <p:cNvPr id="70" name="Straight Arrow Connector 69">
-            <a:extLst>
-              <a:ext uri="{FF2B5EF4-FFF2-40B4-BE49-F238E27FC236}">
-                <a16:creationId xmlns:a16="http://schemas.microsoft.com/office/drawing/2014/main" id="{734B5992-8D54-E7C3-FDC6-DA5E1A7BE749}"/>
-              </a:ext>
-            </a:extLst>
-          </p:cNvPr>
-          <p:cNvCxnSpPr>
-            <a:stCxn id="10" idx="6"/>
-          </p:cNvCxnSpPr>
-          <p:nvPr/>
-        </p:nvCxnSpPr>
-        <p:spPr>
-          <a:xfrm flipV="1">
-            <a:off x="1273637" y="1828802"/>
-            <a:ext cx="830048" cy="1"/>
-          </a:xfrm>
-          <a:prstGeom prst="straightConnector1">
-            <a:avLst/>
-          </a:prstGeom>
-          <a:ln>
-            <a:tailEnd type="triangle"/>
-          </a:ln>
-        </p:spPr>
-        <p:style>
-          <a:lnRef idx="2">
-            <a:schemeClr val="accent1"/>
-          </a:lnRef>
-          <a:fillRef idx="0">
-            <a:schemeClr val="accent1"/>
-          </a:fillRef>
-          <a:effectRef idx="1">
-            <a:schemeClr val="accent1"/>
-          </a:effectRef>
-          <a:fontRef idx="minor">
-            <a:schemeClr val="tx1"/>
-          </a:fontRef>
-        </p:style>
-      </p:cxnSp>
-      <p:cxnSp>
-        <p:nvCxnSpPr>
-          <p:cNvPr id="72" name="Straight Arrow Connector 71">
-            <a:extLst>
-              <a:ext uri="{FF2B5EF4-FFF2-40B4-BE49-F238E27FC236}">
-                <a16:creationId xmlns:a16="http://schemas.microsoft.com/office/drawing/2014/main" id="{DB27DAF9-C818-E438-ED1D-FFDFEA410537}"/>
-              </a:ext>
-            </a:extLst>
-          </p:cNvPr>
-          <p:cNvCxnSpPr>
-            <a:endCxn id="17" idx="1"/>
-          </p:cNvCxnSpPr>
-          <p:nvPr/>
-        </p:nvCxnSpPr>
-        <p:spPr>
-          <a:xfrm>
-            <a:off x="3439886" y="1828802"/>
-            <a:ext cx="1627424" cy="9"/>
-          </a:xfrm>
-          <a:prstGeom prst="straightConnector1">
-            <a:avLst/>
-          </a:prstGeom>
-          <a:ln>
-            <a:tailEnd type="triangle"/>
-          </a:ln>
-        </p:spPr>
-        <p:style>
-          <a:lnRef idx="2">
-            <a:schemeClr val="accent1"/>
-          </a:lnRef>
-          <a:fillRef idx="0">
-            <a:schemeClr val="accent1"/>
-          </a:fillRef>
-          <a:effectRef idx="1">
-            <a:schemeClr val="accent1"/>
-          </a:effectRef>
-          <a:fontRef idx="minor">
-            <a:schemeClr val="tx1"/>
-          </a:fontRef>
-        </p:style>
-      </p:cxnSp>
-      <p:cxnSp>
-        <p:nvCxnSpPr>
-          <p:cNvPr id="74" name="Straight Arrow Connector 73">
-            <a:extLst>
-              <a:ext uri="{FF2B5EF4-FFF2-40B4-BE49-F238E27FC236}">
-                <a16:creationId xmlns:a16="http://schemas.microsoft.com/office/drawing/2014/main" id="{6091417E-4A9A-A7A0-2579-E505D9F70B78}"/>
-              </a:ext>
-            </a:extLst>
-          </p:cNvPr>
-          <p:cNvCxnSpPr/>
-          <p:nvPr/>
-        </p:nvCxnSpPr>
-        <p:spPr>
-          <a:xfrm>
-            <a:off x="6384482" y="1817923"/>
-            <a:ext cx="1178351" cy="10879"/>
-          </a:xfrm>
-          <a:prstGeom prst="straightConnector1">
-            <a:avLst/>
-          </a:prstGeom>
-          <a:ln>
-            <a:tailEnd type="triangle"/>
-          </a:ln>
-        </p:spPr>
-        <p:style>
-          <a:lnRef idx="2">
-            <a:schemeClr val="accent1"/>
-          </a:lnRef>
-          <a:fillRef idx="0">
-            <a:schemeClr val="accent1"/>
-          </a:fillRef>
-          <a:effectRef idx="1">
-            <a:schemeClr val="accent1"/>
-          </a:effectRef>
-          <a:fontRef idx="minor">
-            <a:schemeClr val="tx1"/>
-          </a:fontRef>
-        </p:style>
-      </p:cxnSp>
-      <p:cxnSp>
-        <p:nvCxnSpPr>
-          <p:cNvPr id="76" name="Straight Arrow Connector 75">
-            <a:extLst>
-              <a:ext uri="{FF2B5EF4-FFF2-40B4-BE49-F238E27FC236}">
-                <a16:creationId xmlns:a16="http://schemas.microsoft.com/office/drawing/2014/main" id="{839F60BC-8931-C314-B35D-1E452D2C6C26}"/>
-              </a:ext>
-            </a:extLst>
-          </p:cNvPr>
-          <p:cNvCxnSpPr/>
-          <p:nvPr/>
-        </p:nvCxnSpPr>
-        <p:spPr>
-          <a:xfrm flipH="1">
-            <a:off x="3102433" y="2122579"/>
-            <a:ext cx="5143500" cy="2906632"/>
-          </a:xfrm>
-          <a:prstGeom prst="straightConnector1">
-            <a:avLst/>
-          </a:prstGeom>
-          <a:ln>
-            <a:tailEnd type="triangle"/>
-          </a:ln>
-        </p:spPr>
-        <p:style>
-          <a:lnRef idx="2">
-            <a:schemeClr val="accent1"/>
-          </a:lnRef>
-          <a:fillRef idx="0">
-            <a:schemeClr val="accent1"/>
-          </a:fillRef>
-          <a:effectRef idx="1">
-            <a:schemeClr val="accent1"/>
-          </a:effectRef>
-          <a:fontRef idx="minor">
-            <a:schemeClr val="tx1"/>
-          </a:fontRef>
-        </p:style>
-      </p:cxnSp>
-      <p:cxnSp>
-        <p:nvCxnSpPr>
-          <p:cNvPr id="78" name="Straight Arrow Connector 77">
-            <a:extLst>
-              <a:ext uri="{FF2B5EF4-FFF2-40B4-BE49-F238E27FC236}">
-                <a16:creationId xmlns:a16="http://schemas.microsoft.com/office/drawing/2014/main" id="{385BC605-921E-44E1-3634-8EF234FC47B6}"/>
-              </a:ext>
-            </a:extLst>
-          </p:cNvPr>
-          <p:cNvCxnSpPr/>
-          <p:nvPr/>
-        </p:nvCxnSpPr>
-        <p:spPr>
-          <a:xfrm>
-            <a:off x="3829073" y="5301333"/>
-            <a:ext cx="1238231" cy="48517"/>
-          </a:xfrm>
-          <a:prstGeom prst="straightConnector1">
-            <a:avLst/>
-          </a:prstGeom>
-          <a:ln>
-            <a:tailEnd type="triangle"/>
-          </a:ln>
-        </p:spPr>
-        <p:style>
-          <a:lnRef idx="2">
-            <a:schemeClr val="accent1"/>
-          </a:lnRef>
-          <a:fillRef idx="0">
-            <a:schemeClr val="accent1"/>
-          </a:fillRef>
-          <a:effectRef idx="1">
-            <a:schemeClr val="accent1"/>
-          </a:effectRef>
-          <a:fontRef idx="minor">
-            <a:schemeClr val="tx1"/>
-          </a:fontRef>
-        </p:style>
-      </p:cxnSp>
-      <p:cxnSp>
-        <p:nvCxnSpPr>
-          <p:cNvPr id="80" name="Straight Arrow Connector 79">
-            <a:extLst>
-              <a:ext uri="{FF2B5EF4-FFF2-40B4-BE49-F238E27FC236}">
-                <a16:creationId xmlns:a16="http://schemas.microsoft.com/office/drawing/2014/main" id="{BC16DCDC-C197-C61F-FF6C-BDEE517E7180}"/>
-              </a:ext>
-            </a:extLst>
-          </p:cNvPr>
-          <p:cNvCxnSpPr>
-            <a:endCxn id="26" idx="2"/>
-          </p:cNvCxnSpPr>
-          <p:nvPr/>
-        </p:nvCxnSpPr>
-        <p:spPr>
-          <a:xfrm flipV="1">
-            <a:off x="7162807" y="2090067"/>
-            <a:ext cx="3630377" cy="3187029"/>
-          </a:xfrm>
-          <a:prstGeom prst="straightConnector1">
-            <a:avLst/>
-          </a:prstGeom>
-          <a:ln>
-            <a:tailEnd type="triangle"/>
-          </a:ln>
-        </p:spPr>
-        <p:style>
-          <a:lnRef idx="2">
-            <a:schemeClr val="accent1"/>
-          </a:lnRef>
-          <a:fillRef idx="0">
-            <a:schemeClr val="accent1"/>
-          </a:fillRef>
-          <a:effectRef idx="1">
-            <a:schemeClr val="accent1"/>
-          </a:effectRef>
-          <a:fontRef idx="minor">
-            <a:schemeClr val="tx1"/>
-          </a:fontRef>
-        </p:style>
-      </p:cxnSp>
-      <p:cxnSp>
-        <p:nvCxnSpPr>
-          <p:cNvPr id="82" name="Straight Arrow Connector 81">
-            <a:extLst>
-              <a:ext uri="{FF2B5EF4-FFF2-40B4-BE49-F238E27FC236}">
-                <a16:creationId xmlns:a16="http://schemas.microsoft.com/office/drawing/2014/main" id="{1C990248-E47C-A743-A3C3-E70D3682FFA0}"/>
-              </a:ext>
-            </a:extLst>
-          </p:cNvPr>
-          <p:cNvCxnSpPr>
-            <a:stCxn id="26" idx="3"/>
-            <a:endCxn id="33" idx="2"/>
-          </p:cNvCxnSpPr>
-          <p:nvPr/>
-        </p:nvCxnSpPr>
-        <p:spPr>
-          <a:xfrm>
-            <a:off x="11451770" y="1817924"/>
-            <a:ext cx="337453" cy="32648"/>
-          </a:xfrm>
-          <a:prstGeom prst="straightConnector1">
-            <a:avLst/>
-          </a:prstGeom>
-          <a:ln>
-            <a:tailEnd type="triangle"/>
-          </a:ln>
-        </p:spPr>
-        <p:style>
-          <a:lnRef idx="2">
-            <a:schemeClr val="accent1"/>
-          </a:lnRef>
-          <a:fillRef idx="0">
-            <a:schemeClr val="accent1"/>
-          </a:fillRef>
-          <a:effectRef idx="1">
-            <a:schemeClr val="accent1"/>
-          </a:effectRef>
-          <a:fontRef idx="minor">
-            <a:schemeClr val="tx1"/>
-          </a:fontRef>
-        </p:style>
-      </p:cxnSp>
-    </p:spTree>
-    <p:extLst>
-      <p:ext uri="{BB962C8B-B14F-4D97-AF65-F5344CB8AC3E}">
-        <p14:creationId xmlns:p14="http://schemas.microsoft.com/office/powerpoint/2010/main" val="3943183032"/>
-      </p:ext>
-    </p:extLst>
-  </p:cSld>
-  <p:clrMapOvr>
-    <a:masterClrMapping/>
-  </p:clrMapOvr>
-</p:sld>
-</file>
-
-<file path=ppt/slides/slide2.xml><?xml version="1.0" encoding="utf-8"?>
-<p:sld xmlns:a="http://schemas.openxmlformats.org/drawingml/2006/main" xmlns:r="http://schemas.openxmlformats.org/officeDocument/2006/relationships" xmlns:p="http://schemas.openxmlformats.org/presentationml/2006/main">
-  <p:cSld>
     <p:bg>
       <p:bgPr>
         <a:solidFill>
@@ -4567,7 +3607,7 @@
         </p:nvSpPr>
         <p:spPr>
           <a:xfrm>
-            <a:off x="4007781" y="991825"/>
+            <a:off x="3978719" y="1001272"/>
             <a:ext cx="4201889" cy="5867400"/>
           </a:xfrm>
           <a:prstGeom prst="rect">
@@ -4957,7 +3997,7 @@
                 <a:latin typeface="Times New Roman" panose="02020603050405020304" pitchFamily="18" charset="0"/>
                 <a:cs typeface="Times New Roman" panose="02020603050405020304" pitchFamily="18" charset="0"/>
               </a:rPr>
-              <a:t>Kiểm tra loại nhóm</a:t>
+              <a:t>Nhóm là public?</a:t>
             </a:r>
             <a:endParaRPr lang="en-US" sz="1400" dirty="0">
               <a:latin typeface="Times New Roman" panose="02020603050405020304" pitchFamily="18" charset="0"/>
@@ -4980,7 +4020,7 @@
         </p:nvSpPr>
         <p:spPr>
           <a:xfrm>
-            <a:off x="5878199" y="3314700"/>
+            <a:off x="5894245" y="3028949"/>
             <a:ext cx="522515" cy="228600"/>
           </a:xfrm>
           <a:prstGeom prst="flowChartDecision">
@@ -5006,7 +4046,7 @@
           <a:lstStyle/>
           <a:p>
             <a:pPr algn="ctr"/>
-            <a:endParaRPr lang="en-US"/>
+            <a:endParaRPr lang="en-US" dirty="0"/>
           </a:p>
         </p:txBody>
       </p:sp>
@@ -5024,7 +4064,7 @@
         </p:nvSpPr>
         <p:spPr>
           <a:xfrm>
-            <a:off x="4114487" y="3924297"/>
+            <a:off x="4038040" y="3028949"/>
             <a:ext cx="1406279" cy="381000"/>
           </a:xfrm>
           <a:prstGeom prst="roundRect">
@@ -5078,7 +4118,7 @@
         </p:nvSpPr>
         <p:spPr>
           <a:xfrm>
-            <a:off x="6599666" y="3901478"/>
+            <a:off x="6700330" y="4950571"/>
             <a:ext cx="1406279" cy="381000"/>
           </a:xfrm>
           <a:prstGeom prst="roundRect">
@@ -5671,7 +4711,7 @@
         <p:spPr>
           <a:xfrm>
             <a:off x="6126638" y="2762249"/>
-            <a:ext cx="12818" cy="517772"/>
+            <a:ext cx="0" cy="272244"/>
           </a:xfrm>
           <a:prstGeom prst="straightConnector1">
             <a:avLst/>
@@ -5707,14 +4747,13 @@
           <p:cNvCxnSpPr>
             <a:cxnSpLocks/>
             <a:stCxn id="21" idx="2"/>
-            <a:endCxn id="23" idx="0"/>
           </p:cNvCxnSpPr>
           <p:nvPr/>
         </p:nvCxnSpPr>
         <p:spPr>
-          <a:xfrm flipH="1">
-            <a:off x="4817627" y="3543300"/>
-            <a:ext cx="1321830" cy="380997"/>
+          <a:xfrm flipH="1" flipV="1">
+            <a:off x="5419428" y="3241271"/>
+            <a:ext cx="736075" cy="16278"/>
           </a:xfrm>
           <a:prstGeom prst="straightConnector1">
             <a:avLst/>
@@ -5748,14 +4787,15 @@
             </a:extLst>
           </p:cNvPr>
           <p:cNvCxnSpPr>
-            <a:stCxn id="21" idx="2"/>
+            <a:cxnSpLocks/>
+            <a:endCxn id="71" idx="2"/>
           </p:cNvCxnSpPr>
           <p:nvPr/>
         </p:nvCxnSpPr>
         <p:spPr>
           <a:xfrm>
-            <a:off x="6139457" y="3543300"/>
-            <a:ext cx="1228802" cy="358178"/>
+            <a:off x="6196887" y="3257549"/>
+            <a:ext cx="474548" cy="3200"/>
           </a:xfrm>
           <a:prstGeom prst="straightConnector1">
             <a:avLst/>
@@ -5791,13 +4831,14 @@
           <p:cNvCxnSpPr>
             <a:cxnSpLocks/>
             <a:stCxn id="23" idx="2"/>
+            <a:endCxn id="84" idx="0"/>
           </p:cNvCxnSpPr>
           <p:nvPr/>
         </p:nvCxnSpPr>
         <p:spPr>
-          <a:xfrm flipH="1">
-            <a:off x="4810920" y="4305297"/>
-            <a:ext cx="6707" cy="1241368"/>
+          <a:xfrm>
+            <a:off x="4741180" y="3409949"/>
+            <a:ext cx="76446" cy="2136716"/>
           </a:xfrm>
           <a:prstGeom prst="straightConnector1">
             <a:avLst/>
@@ -5837,9 +4878,9 @@
           <p:nvPr/>
         </p:nvCxnSpPr>
         <p:spPr>
-          <a:xfrm>
-            <a:off x="8005945" y="4091978"/>
-            <a:ext cx="1183608" cy="0"/>
+          <a:xfrm flipV="1">
+            <a:off x="8106609" y="4091978"/>
+            <a:ext cx="1082944" cy="1049093"/>
           </a:xfrm>
           <a:prstGeom prst="straightConnector1">
             <a:avLst/>
@@ -5876,9 +4917,9 @@
           <p:nvPr/>
         </p:nvSpPr>
         <p:spPr>
-          <a:xfrm rot="20662454">
-            <a:off x="4960438" y="3314094"/>
-            <a:ext cx="1079237" cy="307777"/>
+          <a:xfrm>
+            <a:off x="5489433" y="2926604"/>
+            <a:ext cx="584615" cy="307777"/>
           </a:xfrm>
           <a:prstGeom prst="rect">
             <a:avLst/>
@@ -5892,11 +4933,11 @@
           <a:lstStyle/>
           <a:p>
             <a:r>
-              <a:rPr lang="en-US" sz="1400">
+              <a:rPr lang="vi-VN" sz="1400" dirty="0">
                 <a:latin typeface="Times New Roman" panose="02020603050405020304" pitchFamily="18" charset="0"/>
                 <a:cs typeface="Times New Roman" panose="02020603050405020304" pitchFamily="18" charset="0"/>
               </a:rPr>
-              <a:t>public</a:t>
+              <a:t>yes</a:t>
             </a:r>
             <a:endParaRPr lang="en-US" sz="1400" dirty="0">
               <a:latin typeface="Times New Roman" panose="02020603050405020304" pitchFamily="18" charset="0"/>
@@ -5918,9 +4959,9 @@
           <p:nvPr/>
         </p:nvSpPr>
         <p:spPr>
-          <a:xfrm rot="1020500">
-            <a:off x="6556771" y="3381205"/>
-            <a:ext cx="732358" cy="307777"/>
+          <a:xfrm>
+            <a:off x="6410177" y="2952972"/>
+            <a:ext cx="522515" cy="307777"/>
           </a:xfrm>
           <a:prstGeom prst="rect">
             <a:avLst/>
@@ -5934,12 +4975,16 @@
           <a:lstStyle/>
           <a:p>
             <a:r>
-              <a:rPr lang="en-US" sz="1400" dirty="0">
+              <a:rPr lang="vi-VN" sz="1400" dirty="0">
                 <a:latin typeface="Times New Roman" panose="02020603050405020304" pitchFamily="18" charset="0"/>
                 <a:cs typeface="Times New Roman" panose="02020603050405020304" pitchFamily="18" charset="0"/>
               </a:rPr>
-              <a:t>private</a:t>
-            </a:r>
+              <a:t>no</a:t>
+            </a:r>
+            <a:endParaRPr lang="en-US" sz="1400" dirty="0">
+              <a:latin typeface="Times New Roman" panose="02020603050405020304" pitchFamily="18" charset="0"/>
+              <a:cs typeface="Times New Roman" panose="02020603050405020304" pitchFamily="18" charset="0"/>
+            </a:endParaRPr>
           </a:p>
         </p:txBody>
       </p:sp>
@@ -6583,7 +5628,7 @@
         </p:nvCxnSpPr>
         <p:spPr>
           <a:xfrm>
-            <a:off x="1880712" y="2788141"/>
+            <a:off x="7456028" y="3429000"/>
             <a:ext cx="0" cy="278693"/>
           </a:xfrm>
           <a:prstGeom prst="straightConnector1">
@@ -6622,7 +5667,7 @@
         </p:nvSpPr>
         <p:spPr>
           <a:xfrm>
-            <a:off x="1253963" y="3503226"/>
+            <a:off x="2279037" y="3722802"/>
             <a:ext cx="1318477" cy="305511"/>
           </a:xfrm>
           <a:prstGeom prst="roundRect">
@@ -6676,7 +5721,7 @@
         </p:nvSpPr>
         <p:spPr>
           <a:xfrm>
-            <a:off x="1630305" y="3076521"/>
+            <a:off x="7166300" y="3722802"/>
             <a:ext cx="522515" cy="228600"/>
           </a:xfrm>
           <a:prstGeom prst="flowChartDecision">
@@ -6716,15 +5761,14 @@
             </a:extLst>
           </p:cNvPr>
           <p:cNvCxnSpPr>
-            <a:stCxn id="4" idx="2"/>
-            <a:endCxn id="3" idx="0"/>
+            <a:cxnSpLocks/>
           </p:cNvCxnSpPr>
           <p:nvPr/>
         </p:nvCxnSpPr>
         <p:spPr>
-          <a:xfrm>
-            <a:off x="1891563" y="3305121"/>
-            <a:ext cx="21639" cy="198105"/>
+          <a:xfrm flipH="1">
+            <a:off x="3581125" y="3853933"/>
+            <a:ext cx="3585169" cy="0"/>
           </a:xfrm>
           <a:prstGeom prst="straightConnector1">
             <a:avLst/>
@@ -6748,46 +5792,6 @@
           </a:fontRef>
         </p:style>
       </p:cxnSp>
-      <p:sp>
-        <p:nvSpPr>
-          <p:cNvPr id="7" name="TextBox 6">
-            <a:extLst>
-              <a:ext uri="{FF2B5EF4-FFF2-40B4-BE49-F238E27FC236}">
-                <a16:creationId xmlns:a16="http://schemas.microsoft.com/office/drawing/2014/main" id="{BD104AE4-656F-00C4-C4A3-637836C03C49}"/>
-              </a:ext>
-            </a:extLst>
-          </p:cNvPr>
-          <p:cNvSpPr txBox="1"/>
-          <p:nvPr/>
-        </p:nvSpPr>
-        <p:spPr>
-          <a:xfrm>
-            <a:off x="845351" y="3175338"/>
-            <a:ext cx="980756" cy="307777"/>
-          </a:xfrm>
-          <a:prstGeom prst="rect">
-            <a:avLst/>
-          </a:prstGeom>
-          <a:noFill/>
-        </p:spPr>
-        <p:txBody>
-          <a:bodyPr wrap="square" rtlCol="0">
-            <a:spAutoFit/>
-          </a:bodyPr>
-          <a:lstStyle/>
-          <a:p>
-            <a:r>
-              <a:rPr lang="vi-VN" sz="1400" dirty="0">
-                <a:latin typeface="+mj-lt"/>
-              </a:rPr>
-              <a:t>Có câu hỏi</a:t>
-            </a:r>
-            <a:endParaRPr lang="en-US" sz="1400" dirty="0">
-              <a:latin typeface="+mj-lt"/>
-            </a:endParaRPr>
-          </a:p>
-        </p:txBody>
-      </p:sp>
       <p:cxnSp>
         <p:nvCxnSpPr>
           <p:cNvPr id="24" name="Straight Arrow Connector 23">
@@ -6799,13 +5803,14 @@
           </p:cNvPr>
           <p:cNvCxnSpPr>
             <a:cxnSpLocks/>
+            <a:endCxn id="72" idx="0"/>
           </p:cNvCxnSpPr>
           <p:nvPr/>
         </p:nvCxnSpPr>
         <p:spPr>
-          <a:xfrm>
-            <a:off x="2129044" y="3167884"/>
-            <a:ext cx="1036557" cy="16174"/>
+          <a:xfrm flipH="1">
+            <a:off x="7395409" y="3974315"/>
+            <a:ext cx="8061" cy="529149"/>
           </a:xfrm>
           <a:prstGeom prst="straightConnector1">
             <a:avLst/>
@@ -6829,52 +5834,53 @@
           </a:fontRef>
         </p:style>
       </p:cxnSp>
-      <p:sp>
-        <p:nvSpPr>
-          <p:cNvPr id="26" name="TextBox 25">
-            <a:extLst>
-              <a:ext uri="{FF2B5EF4-FFF2-40B4-BE49-F238E27FC236}">
-                <a16:creationId xmlns:a16="http://schemas.microsoft.com/office/drawing/2014/main" id="{43AE7DA8-9011-416A-1451-425E34D78ED9}"/>
-              </a:ext>
-            </a:extLst>
-          </p:cNvPr>
-          <p:cNvSpPr txBox="1"/>
+      <p:cxnSp>
+        <p:nvCxnSpPr>
+          <p:cNvPr id="29" name="Straight Arrow Connector 28">
+            <a:extLst>
+              <a:ext uri="{FF2B5EF4-FFF2-40B4-BE49-F238E27FC236}">
+                <a16:creationId xmlns:a16="http://schemas.microsoft.com/office/drawing/2014/main" id="{4643E45C-EDE8-101C-9803-47409B9570E0}"/>
+              </a:ext>
+            </a:extLst>
+          </p:cNvPr>
+          <p:cNvCxnSpPr>
+            <a:endCxn id="20" idx="1"/>
+          </p:cNvCxnSpPr>
           <p:nvPr/>
-        </p:nvSpPr>
-        <p:spPr>
-          <a:xfrm rot="20810635">
-            <a:off x="2244679" y="2631655"/>
-            <a:ext cx="2008337" cy="307777"/>
-          </a:xfrm>
-          <a:prstGeom prst="rect">
+        </p:nvCxnSpPr>
+        <p:spPr>
+          <a:xfrm>
+            <a:off x="2862938" y="2597641"/>
+            <a:ext cx="2289429" cy="0"/>
+          </a:xfrm>
+          <a:prstGeom prst="straightConnector1">
             <a:avLst/>
           </a:prstGeom>
-          <a:noFill/>
-        </p:spPr>
-        <p:txBody>
-          <a:bodyPr wrap="square" rtlCol="0">
-            <a:spAutoFit/>
-          </a:bodyPr>
-          <a:lstStyle/>
-          <a:p>
-            <a:r>
-              <a:rPr lang="vi-VN" sz="1400" dirty="0">
-                <a:latin typeface="+mj-lt"/>
-              </a:rPr>
-              <a:t>Không có câu hỏi</a:t>
-            </a:r>
-            <a:endParaRPr lang="en-US" sz="1400" dirty="0">
-              <a:latin typeface="+mj-lt"/>
-            </a:endParaRPr>
-          </a:p>
-        </p:txBody>
-      </p:sp>
-      <p:sp>
-        <p:nvSpPr>
-          <p:cNvPr id="38" name="Flowchart: Decision 37">
-            <a:extLst>
-              <a:ext uri="{FF2B5EF4-FFF2-40B4-BE49-F238E27FC236}">
-                <a16:creationId xmlns:a16="http://schemas.microsoft.com/office/drawing/2014/main" id="{1C7DCAF9-531A-1522-5C19-A73ED9CCFF5F}"/>
+          <a:ln>
+            <a:tailEnd type="triangle"/>
+          </a:ln>
+        </p:spPr>
+        <p:style>
+          <a:lnRef idx="2">
+            <a:schemeClr val="accent1"/>
+          </a:lnRef>
+          <a:fillRef idx="0">
+            <a:schemeClr val="accent1"/>
+          </a:fillRef>
+          <a:effectRef idx="1">
+            <a:schemeClr val="accent1"/>
+          </a:effectRef>
+          <a:fontRef idx="minor">
+            <a:schemeClr val="tx1"/>
+          </a:fontRef>
+        </p:style>
+      </p:cxnSp>
+      <p:sp>
+        <p:nvSpPr>
+          <p:cNvPr id="46" name="Rectangle: Rounded Corners 45">
+            <a:extLst>
+              <a:ext uri="{FF2B5EF4-FFF2-40B4-BE49-F238E27FC236}">
+                <a16:creationId xmlns:a16="http://schemas.microsoft.com/office/drawing/2014/main" id="{0B9EAD6A-0E75-5D90-FF80-04910F24647F}"/>
               </a:ext>
             </a:extLst>
           </p:cNvPr>
@@ -6882,11 +5888,11 @@
           <p:nvPr/>
         </p:nvSpPr>
         <p:spPr>
-          <a:xfrm rot="5400000">
-            <a:off x="3039597" y="3078977"/>
-            <a:ext cx="522515" cy="270506"/>
-          </a:xfrm>
-          <a:prstGeom prst="flowChartDecision">
+          <a:xfrm>
+            <a:off x="6752889" y="3033619"/>
+            <a:ext cx="1406279" cy="381000"/>
+          </a:xfrm>
+          <a:prstGeom prst="roundRect">
             <a:avLst/>
           </a:prstGeom>
         </p:spPr>
@@ -6909,143 +5915,26 @@
           <a:lstStyle/>
           <a:p>
             <a:pPr algn="ctr"/>
-            <a:endParaRPr lang="en-US"/>
-          </a:p>
-        </p:txBody>
-      </p:sp>
-      <p:cxnSp>
-        <p:nvCxnSpPr>
-          <p:cNvPr id="42" name="Straight Arrow Connector 41">
-            <a:extLst>
-              <a:ext uri="{FF2B5EF4-FFF2-40B4-BE49-F238E27FC236}">
-                <a16:creationId xmlns:a16="http://schemas.microsoft.com/office/drawing/2014/main" id="{46626C8F-54BB-4888-C3FF-5D4345D3584E}"/>
-              </a:ext>
-            </a:extLst>
-          </p:cNvPr>
-          <p:cNvCxnSpPr>
-            <a:stCxn id="3" idx="3"/>
-          </p:cNvCxnSpPr>
-          <p:nvPr/>
-        </p:nvCxnSpPr>
-        <p:spPr>
-          <a:xfrm flipV="1">
-            <a:off x="2572440" y="3241772"/>
-            <a:ext cx="537360" cy="414210"/>
-          </a:xfrm>
-          <a:prstGeom prst="straightConnector1">
-            <a:avLst/>
-          </a:prstGeom>
-          <a:ln>
-            <a:tailEnd type="triangle"/>
-          </a:ln>
-        </p:spPr>
-        <p:style>
-          <a:lnRef idx="2">
-            <a:schemeClr val="accent1"/>
-          </a:lnRef>
-          <a:fillRef idx="0">
-            <a:schemeClr val="accent1"/>
-          </a:fillRef>
-          <a:effectRef idx="1">
-            <a:schemeClr val="accent1"/>
-          </a:effectRef>
-          <a:fontRef idx="minor">
-            <a:schemeClr val="tx1"/>
-          </a:fontRef>
-        </p:style>
-      </p:cxnSp>
-      <p:cxnSp>
-        <p:nvCxnSpPr>
-          <p:cNvPr id="45" name="Straight Arrow Connector 44">
-            <a:extLst>
-              <a:ext uri="{FF2B5EF4-FFF2-40B4-BE49-F238E27FC236}">
-                <a16:creationId xmlns:a16="http://schemas.microsoft.com/office/drawing/2014/main" id="{25E92BE4-5DD5-392D-6429-B162EDD02C07}"/>
-              </a:ext>
-            </a:extLst>
-          </p:cNvPr>
-          <p:cNvCxnSpPr>
-            <a:cxnSpLocks/>
-            <a:endCxn id="20" idx="1"/>
-          </p:cNvCxnSpPr>
-          <p:nvPr/>
-        </p:nvCxnSpPr>
-        <p:spPr>
-          <a:xfrm flipV="1">
-            <a:off x="3436108" y="2597641"/>
-            <a:ext cx="1716259" cy="627353"/>
-          </a:xfrm>
-          <a:prstGeom prst="straightConnector1">
-            <a:avLst/>
-          </a:prstGeom>
-          <a:ln>
-            <a:tailEnd type="triangle"/>
-          </a:ln>
-        </p:spPr>
-        <p:style>
-          <a:lnRef idx="2">
-            <a:schemeClr val="accent1"/>
-          </a:lnRef>
-          <a:fillRef idx="0">
-            <a:schemeClr val="accent1"/>
-          </a:fillRef>
-          <a:effectRef idx="1">
-            <a:schemeClr val="accent1"/>
-          </a:effectRef>
-          <a:fontRef idx="minor">
-            <a:schemeClr val="tx1"/>
-          </a:fontRef>
-        </p:style>
-      </p:cxnSp>
-    </p:spTree>
-    <p:extLst>
-      <p:ext uri="{BB962C8B-B14F-4D97-AF65-F5344CB8AC3E}">
-        <p14:creationId xmlns:p14="http://schemas.microsoft.com/office/powerpoint/2010/main" val="1985618883"/>
-      </p:ext>
-    </p:extLst>
-  </p:cSld>
-  <p:clrMapOvr>
-    <a:masterClrMapping/>
-  </p:clrMapOvr>
-</p:sld>
-</file>
-
-<file path=ppt/slides/slide3.xml><?xml version="1.0" encoding="utf-8"?>
-<p:sld xmlns:a="http://schemas.openxmlformats.org/drawingml/2006/main" xmlns:r="http://schemas.openxmlformats.org/officeDocument/2006/relationships" xmlns:p="http://schemas.openxmlformats.org/presentationml/2006/main">
-  <p:cSld>
-    <p:bg>
-      <p:bgPr>
-        <a:solidFill>
-          <a:schemeClr val="bg1"/>
-        </a:solidFill>
-        <a:effectLst/>
-      </p:bgPr>
-    </p:bg>
-    <p:spTree>
-      <p:nvGrpSpPr>
-        <p:cNvPr id="1" name="">
-          <a:extLst>
-            <a:ext uri="{FF2B5EF4-FFF2-40B4-BE49-F238E27FC236}">
-              <a16:creationId xmlns:a16="http://schemas.microsoft.com/office/drawing/2014/main" id="{9EA9F566-598F-A4C7-D3FF-04D587134896}"/>
-            </a:ext>
-          </a:extLst>
-        </p:cNvPr>
-        <p:cNvGrpSpPr/>
-        <p:nvPr/>
-      </p:nvGrpSpPr>
-      <p:grpSpPr>
-        <a:xfrm>
-          <a:off x="0" y="0"/>
-          <a:ext cx="0" cy="0"/>
-          <a:chOff x="0" y="0"/>
-          <a:chExt cx="0" cy="0"/>
-        </a:xfrm>
-      </p:grpSpPr>
-      <p:sp>
-        <p:nvSpPr>
-          <p:cNvPr id="8" name="TextBox 7">
-            <a:extLst>
-              <a:ext uri="{FF2B5EF4-FFF2-40B4-BE49-F238E27FC236}">
-                <a16:creationId xmlns:a16="http://schemas.microsoft.com/office/drawing/2014/main" id="{A5073CC3-FC4A-0322-4B4B-9CAF50EFB41A}"/>
+            <a:r>
+              <a:rPr lang="vi-VN" sz="1400" dirty="0">
+                <a:latin typeface="Times New Roman" panose="02020603050405020304" pitchFamily="18" charset="0"/>
+                <a:cs typeface="Times New Roman" panose="02020603050405020304" pitchFamily="18" charset="0"/>
+              </a:rPr>
+              <a:t>Nhóm có câu hỏi</a:t>
+            </a:r>
+            <a:endParaRPr lang="en-US" sz="1400" dirty="0">
+              <a:latin typeface="Times New Roman" panose="02020603050405020304" pitchFamily="18" charset="0"/>
+              <a:cs typeface="Times New Roman" panose="02020603050405020304" pitchFamily="18" charset="0"/>
+            </a:endParaRPr>
+          </a:p>
+        </p:txBody>
+      </p:sp>
+      <p:sp>
+        <p:nvSpPr>
+          <p:cNvPr id="60" name="TextBox 59">
+            <a:extLst>
+              <a:ext uri="{FF2B5EF4-FFF2-40B4-BE49-F238E27FC236}">
+                <a16:creationId xmlns:a16="http://schemas.microsoft.com/office/drawing/2014/main" id="{53513045-8D95-17F0-7D78-5DC250DB19DF}"/>
               </a:ext>
             </a:extLst>
           </p:cNvPr>
@@ -7054,8 +5943,8 @@
         </p:nvSpPr>
         <p:spPr>
           <a:xfrm>
-            <a:off x="5435402" y="0"/>
-            <a:ext cx="838691" cy="307777"/>
+            <a:off x="5933654" y="3500384"/>
+            <a:ext cx="584615" cy="307777"/>
           </a:xfrm>
           <a:prstGeom prst="rect">
             <a:avLst/>
@@ -7063,7 +5952,7 @@
           <a:noFill/>
         </p:spPr>
         <p:txBody>
-          <a:bodyPr wrap="none" rtlCol="0">
+          <a:bodyPr wrap="square" rtlCol="0">
             <a:spAutoFit/>
           </a:bodyPr>
           <a:lstStyle/>
@@ -7073,7 +5962,7 @@
                 <a:latin typeface="Times New Roman" panose="02020603050405020304" pitchFamily="18" charset="0"/>
                 <a:cs typeface="Times New Roman" panose="02020603050405020304" pitchFamily="18" charset="0"/>
               </a:rPr>
-              <a:t>Đăng bài</a:t>
+              <a:t>yes</a:t>
             </a:r>
             <a:endParaRPr lang="en-US" sz="1400" dirty="0">
               <a:latin typeface="Times New Roman" panose="02020603050405020304" pitchFamily="18" charset="0"/>
@@ -7084,10 +5973,52 @@
       </p:sp>
       <p:sp>
         <p:nvSpPr>
-          <p:cNvPr id="9" name="Rectangle 8">
-            <a:extLst>
-              <a:ext uri="{FF2B5EF4-FFF2-40B4-BE49-F238E27FC236}">
-                <a16:creationId xmlns:a16="http://schemas.microsoft.com/office/drawing/2014/main" id="{2388E14F-328F-C099-F61C-8F20FF18EC1E}"/>
+          <p:cNvPr id="63" name="TextBox 62">
+            <a:extLst>
+              <a:ext uri="{FF2B5EF4-FFF2-40B4-BE49-F238E27FC236}">
+                <a16:creationId xmlns:a16="http://schemas.microsoft.com/office/drawing/2014/main" id="{C295082A-7C8F-5B1C-F1D1-AEE78EEDC411}"/>
+              </a:ext>
+            </a:extLst>
+          </p:cNvPr>
+          <p:cNvSpPr txBox="1"/>
+          <p:nvPr/>
+        </p:nvSpPr>
+        <p:spPr>
+          <a:xfrm>
+            <a:off x="6868790" y="3874424"/>
+            <a:ext cx="395990" cy="307777"/>
+          </a:xfrm>
+          <a:prstGeom prst="rect">
+            <a:avLst/>
+          </a:prstGeom>
+          <a:noFill/>
+        </p:spPr>
+        <p:txBody>
+          <a:bodyPr wrap="square" rtlCol="0">
+            <a:spAutoFit/>
+          </a:bodyPr>
+          <a:lstStyle/>
+          <a:p>
+            <a:r>
+              <a:rPr lang="vi-VN" sz="1400" dirty="0">
+                <a:latin typeface="Times New Roman" panose="02020603050405020304" pitchFamily="18" charset="0"/>
+                <a:cs typeface="Times New Roman" panose="02020603050405020304" pitchFamily="18" charset="0"/>
+              </a:rPr>
+              <a:t>no</a:t>
+            </a:r>
+            <a:endParaRPr lang="en-US" sz="1400" dirty="0">
+              <a:latin typeface="Times New Roman" panose="02020603050405020304" pitchFamily="18" charset="0"/>
+              <a:cs typeface="Times New Roman" panose="02020603050405020304" pitchFamily="18" charset="0"/>
+            </a:endParaRPr>
+          </a:p>
+        </p:txBody>
+      </p:sp>
+      <p:sp>
+        <p:nvSpPr>
+          <p:cNvPr id="72" name="Flowchart: Decision 71">
+            <a:extLst>
+              <a:ext uri="{FF2B5EF4-FFF2-40B4-BE49-F238E27FC236}">
+                <a16:creationId xmlns:a16="http://schemas.microsoft.com/office/drawing/2014/main" id="{591A14E2-F8E9-6041-057E-50B061DA8DC8}"/>
               </a:ext>
             </a:extLst>
           </p:cNvPr>
@@ -7096,10 +6027,10 @@
         </p:nvSpPr>
         <p:spPr>
           <a:xfrm>
-            <a:off x="-1" y="416635"/>
-            <a:ext cx="3995057" cy="573965"/>
-          </a:xfrm>
-          <a:prstGeom prst="rect">
+            <a:off x="7134151" y="4503464"/>
+            <a:ext cx="522515" cy="228600"/>
+          </a:xfrm>
+          <a:prstGeom prst="flowChartDecision">
             <a:avLst/>
           </a:prstGeom>
         </p:spPr>
@@ -7122,507 +6053,28 @@
           <a:lstStyle/>
           <a:p>
             <a:pPr algn="ctr"/>
-            <a:r>
-              <a:rPr lang="vi-VN" sz="1400" dirty="0">
-                <a:latin typeface="Times New Roman" panose="02020603050405020304" pitchFamily="18" charset="0"/>
-                <a:cs typeface="Times New Roman" panose="02020603050405020304" pitchFamily="18" charset="0"/>
-              </a:rPr>
-              <a:t>Người dùng</a:t>
-            </a:r>
-            <a:endParaRPr lang="en-US" sz="1400" dirty="0">
-              <a:latin typeface="Times New Roman" panose="02020603050405020304" pitchFamily="18" charset="0"/>
-              <a:cs typeface="Times New Roman" panose="02020603050405020304" pitchFamily="18" charset="0"/>
-            </a:endParaRPr>
-          </a:p>
-        </p:txBody>
-      </p:sp>
-      <p:sp>
-        <p:nvSpPr>
-          <p:cNvPr id="10" name="Rectangle 9">
-            <a:extLst>
-              <a:ext uri="{FF2B5EF4-FFF2-40B4-BE49-F238E27FC236}">
-                <a16:creationId xmlns:a16="http://schemas.microsoft.com/office/drawing/2014/main" id="{EC7DB65E-62AC-DC97-CDCC-6ABADD7316DB}"/>
-              </a:ext>
-            </a:extLst>
-          </p:cNvPr>
-          <p:cNvSpPr/>
-          <p:nvPr/>
-        </p:nvSpPr>
-        <p:spPr>
-          <a:xfrm>
-            <a:off x="3995056" y="416635"/>
-            <a:ext cx="4201890" cy="573965"/>
-          </a:xfrm>
-          <a:prstGeom prst="rect">
-            <a:avLst/>
-          </a:prstGeom>
-        </p:spPr>
-        <p:style>
-          <a:lnRef idx="2">
-            <a:schemeClr val="accent6"/>
-          </a:lnRef>
-          <a:fillRef idx="1">
-            <a:schemeClr val="lt1"/>
-          </a:fillRef>
-          <a:effectRef idx="0">
-            <a:schemeClr val="accent6"/>
-          </a:effectRef>
-          <a:fontRef idx="minor">
-            <a:schemeClr val="dk1"/>
-          </a:fontRef>
-        </p:style>
-        <p:txBody>
-          <a:bodyPr rtlCol="0" anchor="ctr"/>
-          <a:lstStyle/>
-          <a:p>
-            <a:pPr algn="ctr"/>
-            <a:r>
-              <a:rPr lang="vi-VN" sz="1400" dirty="0">
-                <a:latin typeface="Times New Roman" panose="02020603050405020304" pitchFamily="18" charset="0"/>
-                <a:cs typeface="Times New Roman" panose="02020603050405020304" pitchFamily="18" charset="0"/>
-              </a:rPr>
-              <a:t>Hệ thống</a:t>
-            </a:r>
-            <a:endParaRPr lang="en-US" sz="1400" dirty="0">
-              <a:latin typeface="Times New Roman" panose="02020603050405020304" pitchFamily="18" charset="0"/>
-              <a:cs typeface="Times New Roman" panose="02020603050405020304" pitchFamily="18" charset="0"/>
-            </a:endParaRPr>
-          </a:p>
-        </p:txBody>
-      </p:sp>
-      <p:sp>
-        <p:nvSpPr>
-          <p:cNvPr id="11" name="Rectangle 10">
-            <a:extLst>
-              <a:ext uri="{FF2B5EF4-FFF2-40B4-BE49-F238E27FC236}">
-                <a16:creationId xmlns:a16="http://schemas.microsoft.com/office/drawing/2014/main" id="{4EB0DBE2-6B92-D167-1AB5-AFD467201F3C}"/>
-              </a:ext>
-            </a:extLst>
-          </p:cNvPr>
-          <p:cNvSpPr/>
-          <p:nvPr/>
-        </p:nvSpPr>
-        <p:spPr>
-          <a:xfrm>
-            <a:off x="8196946" y="416635"/>
-            <a:ext cx="3995054" cy="573965"/>
-          </a:xfrm>
-          <a:prstGeom prst="rect">
-            <a:avLst/>
-          </a:prstGeom>
-        </p:spPr>
-        <p:style>
-          <a:lnRef idx="2">
-            <a:schemeClr val="accent6"/>
-          </a:lnRef>
-          <a:fillRef idx="1">
-            <a:schemeClr val="lt1"/>
-          </a:fillRef>
-          <a:effectRef idx="0">
-            <a:schemeClr val="accent6"/>
-          </a:effectRef>
-          <a:fontRef idx="minor">
-            <a:schemeClr val="dk1"/>
-          </a:fontRef>
-        </p:style>
-        <p:txBody>
-          <a:bodyPr rtlCol="0" anchor="ctr"/>
-          <a:lstStyle/>
-          <a:p>
-            <a:pPr algn="ctr"/>
-            <a:r>
-              <a:rPr lang="vi-VN" sz="1400" dirty="0">
-                <a:latin typeface="Times New Roman" panose="02020603050405020304" pitchFamily="18" charset="0"/>
-                <a:cs typeface="Times New Roman" panose="02020603050405020304" pitchFamily="18" charset="0"/>
-              </a:rPr>
-              <a:t>Quản trị viên</a:t>
-            </a:r>
-            <a:endParaRPr lang="en-US" sz="1400" dirty="0">
-              <a:latin typeface="Times New Roman" panose="02020603050405020304" pitchFamily="18" charset="0"/>
-              <a:cs typeface="Times New Roman" panose="02020603050405020304" pitchFamily="18" charset="0"/>
-            </a:endParaRPr>
-          </a:p>
-        </p:txBody>
-      </p:sp>
-      <p:sp>
-        <p:nvSpPr>
-          <p:cNvPr id="12" name="Rectangle 11">
-            <a:extLst>
-              <a:ext uri="{FF2B5EF4-FFF2-40B4-BE49-F238E27FC236}">
-                <a16:creationId xmlns:a16="http://schemas.microsoft.com/office/drawing/2014/main" id="{C308B48D-44B3-A7B1-F5E4-371D070CE5FA}"/>
-              </a:ext>
-            </a:extLst>
-          </p:cNvPr>
-          <p:cNvSpPr/>
-          <p:nvPr/>
-        </p:nvSpPr>
-        <p:spPr>
-          <a:xfrm>
-            <a:off x="-12815" y="990597"/>
-            <a:ext cx="3995054" cy="5867400"/>
-          </a:xfrm>
-          <a:prstGeom prst="rect">
-            <a:avLst/>
-          </a:prstGeom>
-        </p:spPr>
-        <p:style>
-          <a:lnRef idx="2">
-            <a:schemeClr val="accent6"/>
-          </a:lnRef>
-          <a:fillRef idx="1">
-            <a:schemeClr val="lt1"/>
-          </a:fillRef>
-          <a:effectRef idx="0">
-            <a:schemeClr val="accent6"/>
-          </a:effectRef>
-          <a:fontRef idx="minor">
-            <a:schemeClr val="dk1"/>
-          </a:fontRef>
-        </p:style>
-        <p:txBody>
-          <a:bodyPr rtlCol="0" anchor="ctr"/>
-          <a:lstStyle/>
-          <a:p>
-            <a:pPr algn="ctr"/>
-            <a:endParaRPr lang="en-US" sz="1400">
-              <a:latin typeface="Times New Roman" panose="02020603050405020304" pitchFamily="18" charset="0"/>
-              <a:cs typeface="Times New Roman" panose="02020603050405020304" pitchFamily="18" charset="0"/>
-            </a:endParaRPr>
-          </a:p>
-        </p:txBody>
-      </p:sp>
-      <p:sp>
-        <p:nvSpPr>
-          <p:cNvPr id="14" name="Rectangle 13">
-            <a:extLst>
-              <a:ext uri="{FF2B5EF4-FFF2-40B4-BE49-F238E27FC236}">
-                <a16:creationId xmlns:a16="http://schemas.microsoft.com/office/drawing/2014/main" id="{7F3012ED-568F-4596-564D-0DE2E531FFAD}"/>
-              </a:ext>
-            </a:extLst>
-          </p:cNvPr>
-          <p:cNvSpPr/>
-          <p:nvPr/>
-        </p:nvSpPr>
-        <p:spPr>
-          <a:xfrm>
-            <a:off x="8196940" y="990597"/>
-            <a:ext cx="3995054" cy="5867401"/>
-          </a:xfrm>
-          <a:prstGeom prst="rect">
-            <a:avLst/>
-          </a:prstGeom>
-        </p:spPr>
-        <p:style>
-          <a:lnRef idx="2">
-            <a:schemeClr val="accent6"/>
-          </a:lnRef>
-          <a:fillRef idx="1">
-            <a:schemeClr val="lt1"/>
-          </a:fillRef>
-          <a:effectRef idx="0">
-            <a:schemeClr val="accent6"/>
-          </a:effectRef>
-          <a:fontRef idx="minor">
-            <a:schemeClr val="dk1"/>
-          </a:fontRef>
-        </p:style>
-        <p:txBody>
-          <a:bodyPr rtlCol="0" anchor="ctr"/>
-          <a:lstStyle/>
-          <a:p>
-            <a:pPr algn="ctr"/>
-            <a:endParaRPr lang="en-US" sz="1400" dirty="0">
-              <a:latin typeface="Times New Roman" panose="02020603050405020304" pitchFamily="18" charset="0"/>
-              <a:cs typeface="Times New Roman" panose="02020603050405020304" pitchFamily="18" charset="0"/>
-            </a:endParaRPr>
-          </a:p>
-        </p:txBody>
-      </p:sp>
-      <p:sp>
-        <p:nvSpPr>
-          <p:cNvPr id="15" name="Flowchart: Connector 14">
-            <a:extLst>
-              <a:ext uri="{FF2B5EF4-FFF2-40B4-BE49-F238E27FC236}">
-                <a16:creationId xmlns:a16="http://schemas.microsoft.com/office/drawing/2014/main" id="{AB535E61-EFE9-C303-79A0-D5D68E514C34}"/>
-              </a:ext>
-            </a:extLst>
-          </p:cNvPr>
-          <p:cNvSpPr/>
-          <p:nvPr/>
-        </p:nvSpPr>
-        <p:spPr>
-          <a:xfrm>
-            <a:off x="119740" y="1161794"/>
-            <a:ext cx="206828" cy="239485"/>
-          </a:xfrm>
-          <a:prstGeom prst="flowChartConnector">
-            <a:avLst/>
-          </a:prstGeom>
-        </p:spPr>
-        <p:style>
-          <a:lnRef idx="2">
-            <a:schemeClr val="dk1">
-              <a:shade val="15000"/>
-            </a:schemeClr>
-          </a:lnRef>
-          <a:fillRef idx="1">
-            <a:schemeClr val="dk1"/>
-          </a:fillRef>
-          <a:effectRef idx="0">
-            <a:schemeClr val="dk1"/>
-          </a:effectRef>
-          <a:fontRef idx="minor">
-            <a:schemeClr val="lt1"/>
-          </a:fontRef>
-        </p:style>
-        <p:txBody>
-          <a:bodyPr rtlCol="0" anchor="ctr"/>
-          <a:lstStyle/>
-          <a:p>
-            <a:pPr algn="ctr"/>
-            <a:endParaRPr lang="en-US" sz="1400">
-              <a:latin typeface="Times New Roman" panose="02020603050405020304" pitchFamily="18" charset="0"/>
-              <a:cs typeface="Times New Roman" panose="02020603050405020304" pitchFamily="18" charset="0"/>
-            </a:endParaRPr>
-          </a:p>
-        </p:txBody>
-      </p:sp>
-      <p:sp>
-        <p:nvSpPr>
-          <p:cNvPr id="16" name="Rectangle: Rounded Corners 15">
-            <a:extLst>
-              <a:ext uri="{FF2B5EF4-FFF2-40B4-BE49-F238E27FC236}">
-                <a16:creationId xmlns:a16="http://schemas.microsoft.com/office/drawing/2014/main" id="{BBBB383B-B35D-161B-D8DF-E69A7F10A16C}"/>
-              </a:ext>
-            </a:extLst>
-          </p:cNvPr>
-          <p:cNvSpPr/>
-          <p:nvPr/>
-        </p:nvSpPr>
-        <p:spPr>
-          <a:xfrm>
-            <a:off x="914396" y="1091037"/>
-            <a:ext cx="1948543" cy="381000"/>
-          </a:xfrm>
-          <a:prstGeom prst="roundRect">
-            <a:avLst/>
-          </a:prstGeom>
-        </p:spPr>
-        <p:style>
-          <a:lnRef idx="2">
-            <a:schemeClr val="accent6"/>
-          </a:lnRef>
-          <a:fillRef idx="1">
-            <a:schemeClr val="lt1"/>
-          </a:fillRef>
-          <a:effectRef idx="0">
-            <a:schemeClr val="accent6"/>
-          </a:effectRef>
-          <a:fontRef idx="minor">
-            <a:schemeClr val="dk1"/>
-          </a:fontRef>
-        </p:style>
-        <p:txBody>
-          <a:bodyPr rtlCol="0" anchor="ctr"/>
-          <a:lstStyle/>
-          <a:p>
-            <a:pPr algn="ctr"/>
-            <a:r>
-              <a:rPr lang="vi-VN" sz="1400" dirty="0">
-                <a:latin typeface="Times New Roman" panose="02020603050405020304" pitchFamily="18" charset="0"/>
-                <a:cs typeface="Times New Roman" panose="02020603050405020304" pitchFamily="18" charset="0"/>
-              </a:rPr>
-              <a:t>Người dùng nhấn vào ô ”Tạo bài viết ”</a:t>
-            </a:r>
-            <a:endParaRPr lang="en-US" sz="1400" dirty="0">
-              <a:latin typeface="Times New Roman" panose="02020603050405020304" pitchFamily="18" charset="0"/>
-              <a:cs typeface="Times New Roman" panose="02020603050405020304" pitchFamily="18" charset="0"/>
-            </a:endParaRPr>
-          </a:p>
-        </p:txBody>
-      </p:sp>
-      <p:sp>
-        <p:nvSpPr>
-          <p:cNvPr id="18" name="Rectangle: Rounded Corners 17">
-            <a:extLst>
-              <a:ext uri="{FF2B5EF4-FFF2-40B4-BE49-F238E27FC236}">
-                <a16:creationId xmlns:a16="http://schemas.microsoft.com/office/drawing/2014/main" id="{6614D78C-F6B0-A8B5-5836-97FF21D5C056}"/>
-              </a:ext>
-            </a:extLst>
-          </p:cNvPr>
-          <p:cNvSpPr/>
-          <p:nvPr/>
-        </p:nvSpPr>
-        <p:spPr>
-          <a:xfrm>
-            <a:off x="914395" y="1750729"/>
-            <a:ext cx="1948543" cy="381000"/>
-          </a:xfrm>
-          <a:prstGeom prst="roundRect">
-            <a:avLst/>
-          </a:prstGeom>
-        </p:spPr>
-        <p:style>
-          <a:lnRef idx="2">
-            <a:schemeClr val="accent6"/>
-          </a:lnRef>
-          <a:fillRef idx="1">
-            <a:schemeClr val="lt1"/>
-          </a:fillRef>
-          <a:effectRef idx="0">
-            <a:schemeClr val="accent6"/>
-          </a:effectRef>
-          <a:fontRef idx="minor">
-            <a:schemeClr val="dk1"/>
-          </a:fontRef>
-        </p:style>
-        <p:txBody>
-          <a:bodyPr rtlCol="0" anchor="ctr"/>
-          <a:lstStyle/>
-          <a:p>
-            <a:pPr algn="ctr"/>
-            <a:r>
-              <a:rPr lang="vi-VN" sz="1400" dirty="0">
-                <a:latin typeface="Times New Roman" panose="02020603050405020304" pitchFamily="18" charset="0"/>
-                <a:cs typeface="Times New Roman" panose="02020603050405020304" pitchFamily="18" charset="0"/>
-              </a:rPr>
-              <a:t>Nhập nội dung</a:t>
-            </a:r>
-            <a:endParaRPr lang="en-US" sz="1400" dirty="0">
-              <a:latin typeface="Times New Roman" panose="02020603050405020304" pitchFamily="18" charset="0"/>
-              <a:cs typeface="Times New Roman" panose="02020603050405020304" pitchFamily="18" charset="0"/>
-            </a:endParaRPr>
-          </a:p>
-        </p:txBody>
-      </p:sp>
-      <p:sp>
-        <p:nvSpPr>
-          <p:cNvPr id="33" name="Rectangle: Rounded Corners 32">
-            <a:extLst>
-              <a:ext uri="{FF2B5EF4-FFF2-40B4-BE49-F238E27FC236}">
-                <a16:creationId xmlns:a16="http://schemas.microsoft.com/office/drawing/2014/main" id="{06998310-18D1-83E0-2BB3-782946411841}"/>
-              </a:ext>
-            </a:extLst>
-          </p:cNvPr>
-          <p:cNvSpPr/>
-          <p:nvPr/>
-        </p:nvSpPr>
-        <p:spPr>
-          <a:xfrm>
-            <a:off x="9647460" y="5145883"/>
-            <a:ext cx="1094013" cy="381000"/>
-          </a:xfrm>
-          <a:prstGeom prst="roundRect">
-            <a:avLst/>
-          </a:prstGeom>
-        </p:spPr>
-        <p:style>
-          <a:lnRef idx="2">
-            <a:schemeClr val="accent6"/>
-          </a:lnRef>
-          <a:fillRef idx="1">
-            <a:schemeClr val="lt1"/>
-          </a:fillRef>
-          <a:effectRef idx="0">
-            <a:schemeClr val="accent6"/>
-          </a:effectRef>
-          <a:fontRef idx="minor">
-            <a:schemeClr val="dk1"/>
-          </a:fontRef>
-        </p:style>
-        <p:txBody>
-          <a:bodyPr rtlCol="0" anchor="ctr"/>
-          <a:lstStyle/>
-          <a:p>
-            <a:pPr algn="ctr"/>
-            <a:r>
-              <a:rPr lang="vi-VN" sz="1400" dirty="0">
-                <a:latin typeface="Times New Roman" panose="02020603050405020304" pitchFamily="18" charset="0"/>
-                <a:cs typeface="Times New Roman" panose="02020603050405020304" pitchFamily="18" charset="0"/>
-              </a:rPr>
-              <a:t>Từ chối</a:t>
-            </a:r>
-            <a:endParaRPr lang="en-US" sz="1400" dirty="0">
-              <a:latin typeface="Times New Roman" panose="02020603050405020304" pitchFamily="18" charset="0"/>
-              <a:cs typeface="Times New Roman" panose="02020603050405020304" pitchFamily="18" charset="0"/>
-            </a:endParaRPr>
-          </a:p>
-        </p:txBody>
-      </p:sp>
-      <p:sp>
-        <p:nvSpPr>
-          <p:cNvPr id="34" name="Rectangle: Rounded Corners 33">
-            <a:extLst>
-              <a:ext uri="{FF2B5EF4-FFF2-40B4-BE49-F238E27FC236}">
-                <a16:creationId xmlns:a16="http://schemas.microsoft.com/office/drawing/2014/main" id="{563A5C5B-FEC4-F6C7-5794-B32EFE82948B}"/>
-              </a:ext>
-            </a:extLst>
-          </p:cNvPr>
-          <p:cNvSpPr/>
-          <p:nvPr/>
-        </p:nvSpPr>
-        <p:spPr>
-          <a:xfrm>
-            <a:off x="11097987" y="5145883"/>
-            <a:ext cx="1094013" cy="381000"/>
-          </a:xfrm>
-          <a:prstGeom prst="roundRect">
-            <a:avLst/>
-          </a:prstGeom>
-        </p:spPr>
-        <p:style>
-          <a:lnRef idx="2">
-            <a:schemeClr val="accent6"/>
-          </a:lnRef>
-          <a:fillRef idx="1">
-            <a:schemeClr val="lt1"/>
-          </a:fillRef>
-          <a:effectRef idx="0">
-            <a:schemeClr val="accent6"/>
-          </a:effectRef>
-          <a:fontRef idx="minor">
-            <a:schemeClr val="dk1"/>
-          </a:fontRef>
-        </p:style>
-        <p:txBody>
-          <a:bodyPr rtlCol="0" anchor="ctr"/>
-          <a:lstStyle/>
-          <a:p>
-            <a:pPr algn="ctr"/>
-            <a:r>
-              <a:rPr lang="vi-VN" sz="1400" dirty="0">
-                <a:latin typeface="Times New Roman" panose="02020603050405020304" pitchFamily="18" charset="0"/>
-                <a:cs typeface="Times New Roman" panose="02020603050405020304" pitchFamily="18" charset="0"/>
-              </a:rPr>
-              <a:t>Không xử lý</a:t>
-            </a:r>
-            <a:endParaRPr lang="en-US" sz="1400" dirty="0">
-              <a:latin typeface="Times New Roman" panose="02020603050405020304" pitchFamily="18" charset="0"/>
-              <a:cs typeface="Times New Roman" panose="02020603050405020304" pitchFamily="18" charset="0"/>
-            </a:endParaRPr>
+            <a:endParaRPr lang="en-US"/>
           </a:p>
         </p:txBody>
       </p:sp>
       <p:cxnSp>
         <p:nvCxnSpPr>
-          <p:cNvPr id="39" name="Straight Arrow Connector 38">
-            <a:extLst>
-              <a:ext uri="{FF2B5EF4-FFF2-40B4-BE49-F238E27FC236}">
-                <a16:creationId xmlns:a16="http://schemas.microsoft.com/office/drawing/2014/main" id="{C7DE7C8A-AE03-9BAD-47E7-7F5B33E6D457}"/>
+          <p:cNvPr id="76" name="Straight Arrow Connector 75">
+            <a:extLst>
+              <a:ext uri="{FF2B5EF4-FFF2-40B4-BE49-F238E27FC236}">
+                <a16:creationId xmlns:a16="http://schemas.microsoft.com/office/drawing/2014/main" id="{C4517C2B-E8A9-B63F-ABA4-3C5ABB7FA9AC}"/>
               </a:ext>
             </a:extLst>
           </p:cNvPr>
           <p:cNvCxnSpPr>
-            <a:cxnSpLocks/>
-            <a:stCxn id="15" idx="6"/>
-            <a:endCxn id="16" idx="1"/>
+            <a:stCxn id="3" idx="2"/>
           </p:cNvCxnSpPr>
           <p:nvPr/>
         </p:nvCxnSpPr>
         <p:spPr>
           <a:xfrm>
-            <a:off x="326568" y="1281537"/>
-            <a:ext cx="587828" cy="0"/>
+            <a:off x="2938276" y="4028313"/>
+            <a:ext cx="4195875" cy="588080"/>
           </a:xfrm>
           <a:prstGeom prst="straightConnector1">
             <a:avLst/>
@@ -7648,2031 +6100,23 @@
       </p:cxnSp>
       <p:cxnSp>
         <p:nvCxnSpPr>
-          <p:cNvPr id="3" name="Straight Arrow Connector 2">
-            <a:extLst>
-              <a:ext uri="{FF2B5EF4-FFF2-40B4-BE49-F238E27FC236}">
-                <a16:creationId xmlns:a16="http://schemas.microsoft.com/office/drawing/2014/main" id="{3BAE4595-B6C1-1B19-0C12-05065AACDD7F}"/>
+          <p:cNvPr id="81" name="Straight Arrow Connector 80">
+            <a:extLst>
+              <a:ext uri="{FF2B5EF4-FFF2-40B4-BE49-F238E27FC236}">
+                <a16:creationId xmlns:a16="http://schemas.microsoft.com/office/drawing/2014/main" id="{F36D26AF-5EF2-AE6D-A06E-670904FBBAFC}"/>
               </a:ext>
             </a:extLst>
           </p:cNvPr>
           <p:cNvCxnSpPr>
-            <a:stCxn id="16" idx="2"/>
+            <a:stCxn id="72" idx="2"/>
+            <a:endCxn id="25" idx="0"/>
           </p:cNvCxnSpPr>
           <p:nvPr/>
         </p:nvCxnSpPr>
         <p:spPr>
-          <a:xfrm flipH="1">
-            <a:off x="1880712" y="1472037"/>
-            <a:ext cx="7956" cy="258792"/>
-          </a:xfrm>
-          <a:prstGeom prst="straightConnector1">
-            <a:avLst/>
-          </a:prstGeom>
-          <a:ln>
-            <a:tailEnd type="triangle"/>
-          </a:ln>
-        </p:spPr>
-        <p:style>
-          <a:lnRef idx="2">
-            <a:schemeClr val="accent1"/>
-          </a:lnRef>
-          <a:fillRef idx="0">
-            <a:schemeClr val="accent1"/>
-          </a:fillRef>
-          <a:effectRef idx="1">
-            <a:schemeClr val="accent1"/>
-          </a:effectRef>
-          <a:fontRef idx="minor">
-            <a:schemeClr val="tx1"/>
-          </a:fontRef>
-        </p:style>
-      </p:cxnSp>
-      <p:cxnSp>
-        <p:nvCxnSpPr>
-          <p:cNvPr id="22" name="Straight Arrow Connector 21">
-            <a:extLst>
-              <a:ext uri="{FF2B5EF4-FFF2-40B4-BE49-F238E27FC236}">
-                <a16:creationId xmlns:a16="http://schemas.microsoft.com/office/drawing/2014/main" id="{821A5146-FCB7-C723-5F77-97226B13D7A4}"/>
-              </a:ext>
-            </a:extLst>
-          </p:cNvPr>
-          <p:cNvCxnSpPr>
-            <a:cxnSpLocks/>
-            <a:stCxn id="18" idx="2"/>
-          </p:cNvCxnSpPr>
-          <p:nvPr/>
-        </p:nvCxnSpPr>
-        <p:spPr>
-          <a:xfrm>
-            <a:off x="1888667" y="2131729"/>
-            <a:ext cx="0" cy="278693"/>
-          </a:xfrm>
-          <a:prstGeom prst="straightConnector1">
-            <a:avLst/>
-          </a:prstGeom>
-          <a:ln>
-            <a:tailEnd type="triangle"/>
-          </a:ln>
-        </p:spPr>
-        <p:style>
-          <a:lnRef idx="2">
-            <a:schemeClr val="accent1"/>
-          </a:lnRef>
-          <a:fillRef idx="0">
-            <a:schemeClr val="accent1"/>
-          </a:fillRef>
-          <a:effectRef idx="1">
-            <a:schemeClr val="accent1"/>
-          </a:effectRef>
-          <a:fontRef idx="minor">
-            <a:schemeClr val="tx1"/>
-          </a:fontRef>
-        </p:style>
-      </p:cxnSp>
-      <p:sp>
-        <p:nvSpPr>
-          <p:cNvPr id="26" name="Flowchart: Decision 25">
-            <a:extLst>
-              <a:ext uri="{FF2B5EF4-FFF2-40B4-BE49-F238E27FC236}">
-                <a16:creationId xmlns:a16="http://schemas.microsoft.com/office/drawing/2014/main" id="{B71C5C83-8A74-9380-7A78-5991306C3D4B}"/>
-              </a:ext>
-            </a:extLst>
-          </p:cNvPr>
-          <p:cNvSpPr/>
-          <p:nvPr/>
-        </p:nvSpPr>
-        <p:spPr>
-          <a:xfrm>
-            <a:off x="1606599" y="2405426"/>
-            <a:ext cx="522515" cy="228600"/>
-          </a:xfrm>
-          <a:prstGeom prst="flowChartDecision">
-            <a:avLst/>
-          </a:prstGeom>
-        </p:spPr>
-        <p:style>
-          <a:lnRef idx="2">
-            <a:schemeClr val="accent6"/>
-          </a:lnRef>
-          <a:fillRef idx="1">
-            <a:schemeClr val="lt1"/>
-          </a:fillRef>
-          <a:effectRef idx="0">
-            <a:schemeClr val="accent6"/>
-          </a:effectRef>
-          <a:fontRef idx="minor">
-            <a:schemeClr val="dk1"/>
-          </a:fontRef>
-        </p:style>
-        <p:txBody>
-          <a:bodyPr rtlCol="0" anchor="ctr"/>
-          <a:lstStyle/>
-          <a:p>
-            <a:pPr algn="ctr"/>
-            <a:endParaRPr lang="en-US"/>
-          </a:p>
-        </p:txBody>
-      </p:sp>
-      <p:cxnSp>
-        <p:nvCxnSpPr>
-          <p:cNvPr id="32" name="Straight Connector 31">
-            <a:extLst>
-              <a:ext uri="{FF2B5EF4-FFF2-40B4-BE49-F238E27FC236}">
-                <a16:creationId xmlns:a16="http://schemas.microsoft.com/office/drawing/2014/main" id="{01E23664-7C9D-4778-70B2-487F5DA1C599}"/>
-              </a:ext>
-            </a:extLst>
-          </p:cNvPr>
-          <p:cNvCxnSpPr/>
-          <p:nvPr/>
-        </p:nvCxnSpPr>
-        <p:spPr>
-          <a:xfrm flipH="1">
-            <a:off x="119740" y="2527950"/>
-            <a:ext cx="1519433" cy="22066"/>
-          </a:xfrm>
-          <a:prstGeom prst="line">
-            <a:avLst/>
-          </a:prstGeom>
-        </p:spPr>
-        <p:style>
-          <a:lnRef idx="2">
-            <a:schemeClr val="accent1"/>
-          </a:lnRef>
-          <a:fillRef idx="0">
-            <a:schemeClr val="accent1"/>
-          </a:fillRef>
-          <a:effectRef idx="1">
-            <a:schemeClr val="accent1"/>
-          </a:effectRef>
-          <a:fontRef idx="minor">
-            <a:schemeClr val="tx1"/>
-          </a:fontRef>
-        </p:style>
-      </p:cxnSp>
-      <p:cxnSp>
-        <p:nvCxnSpPr>
-          <p:cNvPr id="38" name="Straight Connector 37">
-            <a:extLst>
-              <a:ext uri="{FF2B5EF4-FFF2-40B4-BE49-F238E27FC236}">
-                <a16:creationId xmlns:a16="http://schemas.microsoft.com/office/drawing/2014/main" id="{491E083B-C770-F54E-5D2C-A862E45A95A4}"/>
-              </a:ext>
-            </a:extLst>
-          </p:cNvPr>
-          <p:cNvCxnSpPr/>
-          <p:nvPr/>
-        </p:nvCxnSpPr>
-        <p:spPr>
-          <a:xfrm flipV="1">
-            <a:off x="140904" y="1963295"/>
-            <a:ext cx="15756" cy="586721"/>
-          </a:xfrm>
-          <a:prstGeom prst="line">
-            <a:avLst/>
-          </a:prstGeom>
-        </p:spPr>
-        <p:style>
-          <a:lnRef idx="2">
-            <a:schemeClr val="accent1"/>
-          </a:lnRef>
-          <a:fillRef idx="0">
-            <a:schemeClr val="accent1"/>
-          </a:fillRef>
-          <a:effectRef idx="1">
-            <a:schemeClr val="accent1"/>
-          </a:effectRef>
-          <a:fontRef idx="minor">
-            <a:schemeClr val="tx1"/>
-          </a:fontRef>
-        </p:style>
-      </p:cxnSp>
-      <p:cxnSp>
-        <p:nvCxnSpPr>
-          <p:cNvPr id="41" name="Straight Arrow Connector 40">
-            <a:extLst>
-              <a:ext uri="{FF2B5EF4-FFF2-40B4-BE49-F238E27FC236}">
-                <a16:creationId xmlns:a16="http://schemas.microsoft.com/office/drawing/2014/main" id="{68D93804-8A17-D220-CD5D-44E31DEBF2F4}"/>
-              </a:ext>
-            </a:extLst>
-          </p:cNvPr>
-          <p:cNvCxnSpPr>
-            <a:endCxn id="18" idx="1"/>
-          </p:cNvCxnSpPr>
-          <p:nvPr/>
-        </p:nvCxnSpPr>
-        <p:spPr>
-          <a:xfrm flipV="1">
-            <a:off x="148782" y="1941229"/>
-            <a:ext cx="765613" cy="36404"/>
-          </a:xfrm>
-          <a:prstGeom prst="straightConnector1">
-            <a:avLst/>
-          </a:prstGeom>
-          <a:ln>
-            <a:tailEnd type="triangle"/>
-          </a:ln>
-        </p:spPr>
-        <p:style>
-          <a:lnRef idx="2">
-            <a:schemeClr val="accent1"/>
-          </a:lnRef>
-          <a:fillRef idx="0">
-            <a:schemeClr val="accent1"/>
-          </a:fillRef>
-          <a:effectRef idx="1">
-            <a:schemeClr val="accent1"/>
-          </a:effectRef>
-          <a:fontRef idx="minor">
-            <a:schemeClr val="tx1"/>
-          </a:fontRef>
-        </p:style>
-      </p:cxnSp>
-      <p:sp>
-        <p:nvSpPr>
-          <p:cNvPr id="42" name="TextBox 41">
-            <a:extLst>
-              <a:ext uri="{FF2B5EF4-FFF2-40B4-BE49-F238E27FC236}">
-                <a16:creationId xmlns:a16="http://schemas.microsoft.com/office/drawing/2014/main" id="{1C6097AB-B3D3-22C7-C644-E96E39674D97}"/>
-              </a:ext>
-            </a:extLst>
-          </p:cNvPr>
-          <p:cNvSpPr txBox="1"/>
-          <p:nvPr/>
-        </p:nvSpPr>
-        <p:spPr>
-          <a:xfrm>
-            <a:off x="172112" y="2022558"/>
-            <a:ext cx="1127362" cy="523220"/>
-          </a:xfrm>
-          <a:prstGeom prst="rect">
-            <a:avLst/>
-          </a:prstGeom>
-          <a:noFill/>
-        </p:spPr>
-        <p:txBody>
-          <a:bodyPr wrap="square" rtlCol="0">
-            <a:spAutoFit/>
-          </a:bodyPr>
-          <a:lstStyle/>
-          <a:p>
-            <a:r>
-              <a:rPr lang="vi-VN" sz="1400" dirty="0">
-                <a:latin typeface="Times New Roman" panose="02020603050405020304" pitchFamily="18" charset="0"/>
-                <a:cs typeface="Times New Roman" panose="02020603050405020304" pitchFamily="18" charset="0"/>
-              </a:rPr>
-              <a:t>Chưa nhập nội dung </a:t>
-            </a:r>
-            <a:endParaRPr lang="en-US" sz="1400" dirty="0">
-              <a:latin typeface="Times New Roman" panose="02020603050405020304" pitchFamily="18" charset="0"/>
-              <a:cs typeface="Times New Roman" panose="02020603050405020304" pitchFamily="18" charset="0"/>
-            </a:endParaRPr>
-          </a:p>
-        </p:txBody>
-      </p:sp>
-      <p:cxnSp>
-        <p:nvCxnSpPr>
-          <p:cNvPr id="45" name="Straight Arrow Connector 44">
-            <a:extLst>
-              <a:ext uri="{FF2B5EF4-FFF2-40B4-BE49-F238E27FC236}">
-                <a16:creationId xmlns:a16="http://schemas.microsoft.com/office/drawing/2014/main" id="{B74226A5-19D4-F6ED-DE40-752F0E55D35D}"/>
-              </a:ext>
-            </a:extLst>
-          </p:cNvPr>
-          <p:cNvCxnSpPr>
-            <a:cxnSpLocks/>
-            <a:stCxn id="26" idx="2"/>
-          </p:cNvCxnSpPr>
-          <p:nvPr/>
-        </p:nvCxnSpPr>
-        <p:spPr>
-          <a:xfrm flipH="1">
-            <a:off x="1867856" y="2634026"/>
-            <a:ext cx="1" cy="396068"/>
-          </a:xfrm>
-          <a:prstGeom prst="straightConnector1">
-            <a:avLst/>
-          </a:prstGeom>
-          <a:ln>
-            <a:tailEnd type="triangle"/>
-          </a:ln>
-        </p:spPr>
-        <p:style>
-          <a:lnRef idx="2">
-            <a:schemeClr val="accent1"/>
-          </a:lnRef>
-          <a:fillRef idx="0">
-            <a:schemeClr val="accent1"/>
-          </a:fillRef>
-          <a:effectRef idx="1">
-            <a:schemeClr val="accent1"/>
-          </a:effectRef>
-          <a:fontRef idx="minor">
-            <a:schemeClr val="tx1"/>
-          </a:fontRef>
-        </p:style>
-      </p:cxnSp>
-      <p:sp>
-        <p:nvSpPr>
-          <p:cNvPr id="47" name="TextBox 46">
-            <a:extLst>
-              <a:ext uri="{FF2B5EF4-FFF2-40B4-BE49-F238E27FC236}">
-                <a16:creationId xmlns:a16="http://schemas.microsoft.com/office/drawing/2014/main" id="{98237C52-1D17-5544-9E25-E14B96126917}"/>
-              </a:ext>
-            </a:extLst>
-          </p:cNvPr>
-          <p:cNvSpPr txBox="1"/>
-          <p:nvPr/>
-        </p:nvSpPr>
-        <p:spPr>
-          <a:xfrm>
-            <a:off x="1910926" y="2658809"/>
-            <a:ext cx="1351652" cy="307777"/>
-          </a:xfrm>
-          <a:prstGeom prst="rect">
-            <a:avLst/>
-          </a:prstGeom>
-          <a:noFill/>
-        </p:spPr>
-        <p:txBody>
-          <a:bodyPr wrap="none" rtlCol="0">
-            <a:spAutoFit/>
-          </a:bodyPr>
-          <a:lstStyle/>
-          <a:p>
-            <a:r>
-              <a:rPr lang="vi-VN" sz="1400" dirty="0">
-                <a:latin typeface="Times New Roman" panose="02020603050405020304" pitchFamily="18" charset="0"/>
-                <a:cs typeface="Times New Roman" panose="02020603050405020304" pitchFamily="18" charset="0"/>
-              </a:rPr>
-              <a:t>Nội dung hợp lệ</a:t>
-            </a:r>
-            <a:endParaRPr lang="en-US" sz="1400" dirty="0">
-              <a:latin typeface="Times New Roman" panose="02020603050405020304" pitchFamily="18" charset="0"/>
-              <a:cs typeface="Times New Roman" panose="02020603050405020304" pitchFamily="18" charset="0"/>
-            </a:endParaRPr>
-          </a:p>
-        </p:txBody>
-      </p:sp>
-      <p:sp>
-        <p:nvSpPr>
-          <p:cNvPr id="52" name="Rectangle: Rounded Corners 51">
-            <a:extLst>
-              <a:ext uri="{FF2B5EF4-FFF2-40B4-BE49-F238E27FC236}">
-                <a16:creationId xmlns:a16="http://schemas.microsoft.com/office/drawing/2014/main" id="{D6E3F099-FB9F-5F7A-C77E-65863F15C013}"/>
-              </a:ext>
-            </a:extLst>
-          </p:cNvPr>
-          <p:cNvSpPr/>
-          <p:nvPr/>
-        </p:nvSpPr>
-        <p:spPr>
-          <a:xfrm>
-            <a:off x="914395" y="3044825"/>
-            <a:ext cx="1948543" cy="381000"/>
-          </a:xfrm>
-          <a:prstGeom prst="roundRect">
-            <a:avLst/>
-          </a:prstGeom>
-        </p:spPr>
-        <p:style>
-          <a:lnRef idx="2">
-            <a:schemeClr val="accent6"/>
-          </a:lnRef>
-          <a:fillRef idx="1">
-            <a:schemeClr val="lt1"/>
-          </a:fillRef>
-          <a:effectRef idx="0">
-            <a:schemeClr val="accent6"/>
-          </a:effectRef>
-          <a:fontRef idx="minor">
-            <a:schemeClr val="dk1"/>
-          </a:fontRef>
-        </p:style>
-        <p:txBody>
-          <a:bodyPr rtlCol="0" anchor="ctr"/>
-          <a:lstStyle/>
-          <a:p>
-            <a:pPr algn="ctr"/>
-            <a:r>
-              <a:rPr lang="vi-VN" sz="1400" dirty="0">
-                <a:latin typeface="Times New Roman" panose="02020603050405020304" pitchFamily="18" charset="0"/>
-                <a:cs typeface="Times New Roman" panose="02020603050405020304" pitchFamily="18" charset="0"/>
-              </a:rPr>
-              <a:t>Ấn đăng</a:t>
-            </a:r>
-            <a:endParaRPr lang="en-US" sz="1400" dirty="0">
-              <a:latin typeface="Times New Roman" panose="02020603050405020304" pitchFamily="18" charset="0"/>
-              <a:cs typeface="Times New Roman" panose="02020603050405020304" pitchFamily="18" charset="0"/>
-            </a:endParaRPr>
-          </a:p>
-        </p:txBody>
-      </p:sp>
-      <p:sp>
-        <p:nvSpPr>
-          <p:cNvPr id="54" name="Rectangle 53">
-            <a:extLst>
-              <a:ext uri="{FF2B5EF4-FFF2-40B4-BE49-F238E27FC236}">
-                <a16:creationId xmlns:a16="http://schemas.microsoft.com/office/drawing/2014/main" id="{6BA4EF27-0646-6E7B-2EC5-0642F5FF9BE4}"/>
-              </a:ext>
-            </a:extLst>
-          </p:cNvPr>
-          <p:cNvSpPr/>
-          <p:nvPr/>
-        </p:nvSpPr>
-        <p:spPr>
-          <a:xfrm>
-            <a:off x="4003403" y="990596"/>
-            <a:ext cx="4180720" cy="5867401"/>
-          </a:xfrm>
-          <a:prstGeom prst="rect">
-            <a:avLst/>
-          </a:prstGeom>
-        </p:spPr>
-        <p:style>
-          <a:lnRef idx="2">
-            <a:schemeClr val="accent6"/>
-          </a:lnRef>
-          <a:fillRef idx="1">
-            <a:schemeClr val="lt1"/>
-          </a:fillRef>
-          <a:effectRef idx="0">
-            <a:schemeClr val="accent6"/>
-          </a:effectRef>
-          <a:fontRef idx="minor">
-            <a:schemeClr val="dk1"/>
-          </a:fontRef>
-        </p:style>
-        <p:txBody>
-          <a:bodyPr rtlCol="0" anchor="ctr"/>
-          <a:lstStyle/>
-          <a:p>
-            <a:pPr algn="ctr"/>
-            <a:endParaRPr lang="en-US" sz="1400">
-              <a:latin typeface="Times New Roman" panose="02020603050405020304" pitchFamily="18" charset="0"/>
-              <a:cs typeface="Times New Roman" panose="02020603050405020304" pitchFamily="18" charset="0"/>
-            </a:endParaRPr>
-          </a:p>
-        </p:txBody>
-      </p:sp>
-      <p:cxnSp>
-        <p:nvCxnSpPr>
-          <p:cNvPr id="58" name="Straight Arrow Connector 57">
-            <a:extLst>
-              <a:ext uri="{FF2B5EF4-FFF2-40B4-BE49-F238E27FC236}">
-                <a16:creationId xmlns:a16="http://schemas.microsoft.com/office/drawing/2014/main" id="{FAAA50A7-5A70-1968-45A6-CA88A5780664}"/>
-              </a:ext>
-            </a:extLst>
-          </p:cNvPr>
-          <p:cNvCxnSpPr>
-            <a:cxnSpLocks/>
-          </p:cNvCxnSpPr>
-          <p:nvPr/>
-        </p:nvCxnSpPr>
-        <p:spPr>
-          <a:xfrm>
-            <a:off x="2884102" y="3214369"/>
-            <a:ext cx="501355" cy="0"/>
-          </a:xfrm>
-          <a:prstGeom prst="straightConnector1">
-            <a:avLst/>
-          </a:prstGeom>
-          <a:ln>
-            <a:prstDash val="sysDot"/>
-            <a:tailEnd type="triangle"/>
-          </a:ln>
-        </p:spPr>
-        <p:style>
-          <a:lnRef idx="2">
-            <a:schemeClr val="accent1"/>
-          </a:lnRef>
-          <a:fillRef idx="0">
-            <a:schemeClr val="accent1"/>
-          </a:fillRef>
-          <a:effectRef idx="1">
-            <a:schemeClr val="accent1"/>
-          </a:effectRef>
-          <a:fontRef idx="minor">
-            <a:schemeClr val="tx1"/>
-          </a:fontRef>
-        </p:style>
-      </p:cxnSp>
-      <p:sp>
-        <p:nvSpPr>
-          <p:cNvPr id="60" name="Rectangle 59">
-            <a:extLst>
-              <a:ext uri="{FF2B5EF4-FFF2-40B4-BE49-F238E27FC236}">
-                <a16:creationId xmlns:a16="http://schemas.microsoft.com/office/drawing/2014/main" id="{83321E16-CBAE-E40A-52D3-D80DCC735519}"/>
-              </a:ext>
-            </a:extLst>
-          </p:cNvPr>
-          <p:cNvSpPr/>
-          <p:nvPr/>
-        </p:nvSpPr>
-        <p:spPr>
-          <a:xfrm>
-            <a:off x="3385457" y="3023869"/>
-            <a:ext cx="1143608" cy="381000"/>
-          </a:xfrm>
-          <a:prstGeom prst="rect">
-            <a:avLst/>
-          </a:prstGeom>
-        </p:spPr>
-        <p:style>
-          <a:lnRef idx="2">
-            <a:schemeClr val="accent6"/>
-          </a:lnRef>
-          <a:fillRef idx="1">
-            <a:schemeClr val="lt1"/>
-          </a:fillRef>
-          <a:effectRef idx="0">
-            <a:schemeClr val="accent6"/>
-          </a:effectRef>
-          <a:fontRef idx="minor">
-            <a:schemeClr val="dk1"/>
-          </a:fontRef>
-        </p:style>
-        <p:txBody>
-          <a:bodyPr rtlCol="0" anchor="ctr"/>
-          <a:lstStyle/>
-          <a:p>
-            <a:pPr algn="ctr"/>
-            <a:r>
-              <a:rPr lang="vi-VN" sz="1400" dirty="0">
-                <a:latin typeface="Times New Roman" panose="02020603050405020304" pitchFamily="18" charset="0"/>
-                <a:cs typeface="Times New Roman" panose="02020603050405020304" pitchFamily="18" charset="0"/>
-              </a:rPr>
-              <a:t>Bài đăng</a:t>
-            </a:r>
-            <a:br>
-              <a:rPr lang="vi-VN" sz="1400" dirty="0">
-                <a:latin typeface="Times New Roman" panose="02020603050405020304" pitchFamily="18" charset="0"/>
-                <a:cs typeface="Times New Roman" panose="02020603050405020304" pitchFamily="18" charset="0"/>
-              </a:rPr>
-            </a:br>
-            <a:r>
-              <a:rPr lang="vi-VN" sz="1400" dirty="0">
-                <a:latin typeface="Times New Roman" panose="02020603050405020304" pitchFamily="18" charset="0"/>
-                <a:cs typeface="Times New Roman" panose="02020603050405020304" pitchFamily="18" charset="0"/>
-              </a:rPr>
-              <a:t>[đã tạo]</a:t>
-            </a:r>
-            <a:endParaRPr lang="en-US" sz="1400" dirty="0">
-              <a:latin typeface="Times New Roman" panose="02020603050405020304" pitchFamily="18" charset="0"/>
-              <a:cs typeface="Times New Roman" panose="02020603050405020304" pitchFamily="18" charset="0"/>
-            </a:endParaRPr>
-          </a:p>
-        </p:txBody>
-      </p:sp>
-      <p:sp>
-        <p:nvSpPr>
-          <p:cNvPr id="63" name="Rectangle: Rounded Corners 62">
-            <a:extLst>
-              <a:ext uri="{FF2B5EF4-FFF2-40B4-BE49-F238E27FC236}">
-                <a16:creationId xmlns:a16="http://schemas.microsoft.com/office/drawing/2014/main" id="{1A278449-EAA4-8D72-951A-F8F800E7F59D}"/>
-              </a:ext>
-            </a:extLst>
-          </p:cNvPr>
-          <p:cNvSpPr/>
-          <p:nvPr/>
-        </p:nvSpPr>
-        <p:spPr>
-          <a:xfrm>
-            <a:off x="5129096" y="3044825"/>
-            <a:ext cx="1948543" cy="381000"/>
-          </a:xfrm>
-          <a:prstGeom prst="roundRect">
-            <a:avLst/>
-          </a:prstGeom>
-        </p:spPr>
-        <p:style>
-          <a:lnRef idx="2">
-            <a:schemeClr val="accent6"/>
-          </a:lnRef>
-          <a:fillRef idx="1">
-            <a:schemeClr val="lt1"/>
-          </a:fillRef>
-          <a:effectRef idx="0">
-            <a:schemeClr val="accent6"/>
-          </a:effectRef>
-          <a:fontRef idx="minor">
-            <a:schemeClr val="dk1"/>
-          </a:fontRef>
-        </p:style>
-        <p:txBody>
-          <a:bodyPr rtlCol="0" anchor="ctr"/>
-          <a:lstStyle/>
-          <a:p>
-            <a:pPr algn="ctr"/>
-            <a:r>
-              <a:rPr lang="vi-VN" sz="1400" dirty="0">
-                <a:latin typeface="Times New Roman" panose="02020603050405020304" pitchFamily="18" charset="0"/>
-                <a:cs typeface="Times New Roman" panose="02020603050405020304" pitchFamily="18" charset="0"/>
-              </a:rPr>
-              <a:t>Kiểm tra cài dặt nhóm</a:t>
-            </a:r>
-            <a:endParaRPr lang="en-US" sz="1400" dirty="0">
-              <a:latin typeface="Times New Roman" panose="02020603050405020304" pitchFamily="18" charset="0"/>
-              <a:cs typeface="Times New Roman" panose="02020603050405020304" pitchFamily="18" charset="0"/>
-            </a:endParaRPr>
-          </a:p>
-        </p:txBody>
-      </p:sp>
-      <p:cxnSp>
-        <p:nvCxnSpPr>
-          <p:cNvPr id="64" name="Straight Arrow Connector 63">
-            <a:extLst>
-              <a:ext uri="{FF2B5EF4-FFF2-40B4-BE49-F238E27FC236}">
-                <a16:creationId xmlns:a16="http://schemas.microsoft.com/office/drawing/2014/main" id="{547517BE-D034-03A8-A24B-C50254BC2B9D}"/>
-              </a:ext>
-            </a:extLst>
-          </p:cNvPr>
-          <p:cNvCxnSpPr>
-            <a:cxnSpLocks/>
-          </p:cNvCxnSpPr>
-          <p:nvPr/>
-        </p:nvCxnSpPr>
-        <p:spPr>
-          <a:xfrm>
-            <a:off x="6093763" y="3449980"/>
-            <a:ext cx="0" cy="278693"/>
-          </a:xfrm>
-          <a:prstGeom prst="straightConnector1">
-            <a:avLst/>
-          </a:prstGeom>
-          <a:ln>
-            <a:tailEnd type="triangle"/>
-          </a:ln>
-        </p:spPr>
-        <p:style>
-          <a:lnRef idx="2">
-            <a:schemeClr val="accent1"/>
-          </a:lnRef>
-          <a:fillRef idx="0">
-            <a:schemeClr val="accent1"/>
-          </a:fillRef>
-          <a:effectRef idx="1">
-            <a:schemeClr val="accent1"/>
-          </a:effectRef>
-          <a:fontRef idx="minor">
-            <a:schemeClr val="tx1"/>
-          </a:fontRef>
-        </p:style>
-      </p:cxnSp>
-      <p:sp>
-        <p:nvSpPr>
-          <p:cNvPr id="66" name="Flowchart: Decision 65">
-            <a:extLst>
-              <a:ext uri="{FF2B5EF4-FFF2-40B4-BE49-F238E27FC236}">
-                <a16:creationId xmlns:a16="http://schemas.microsoft.com/office/drawing/2014/main" id="{61952A28-A80C-BA20-789D-FE2137C4A5F0}"/>
-              </a:ext>
-            </a:extLst>
-          </p:cNvPr>
-          <p:cNvSpPr/>
-          <p:nvPr/>
-        </p:nvSpPr>
-        <p:spPr>
-          <a:xfrm>
-            <a:off x="5812406" y="3728673"/>
-            <a:ext cx="522515" cy="228600"/>
-          </a:xfrm>
-          <a:prstGeom prst="flowChartDecision">
-            <a:avLst/>
-          </a:prstGeom>
-        </p:spPr>
-        <p:style>
-          <a:lnRef idx="2">
-            <a:schemeClr val="accent6"/>
-          </a:lnRef>
-          <a:fillRef idx="1">
-            <a:schemeClr val="lt1"/>
-          </a:fillRef>
-          <a:effectRef idx="0">
-            <a:schemeClr val="accent6"/>
-          </a:effectRef>
-          <a:fontRef idx="minor">
-            <a:schemeClr val="dk1"/>
-          </a:fontRef>
-        </p:style>
-        <p:txBody>
-          <a:bodyPr rtlCol="0" anchor="ctr"/>
-          <a:lstStyle/>
-          <a:p>
-            <a:pPr algn="ctr"/>
-            <a:endParaRPr lang="en-US"/>
-          </a:p>
-        </p:txBody>
-      </p:sp>
-      <p:cxnSp>
-        <p:nvCxnSpPr>
-          <p:cNvPr id="70" name="Straight Arrow Connector 69">
-            <a:extLst>
-              <a:ext uri="{FF2B5EF4-FFF2-40B4-BE49-F238E27FC236}">
-                <a16:creationId xmlns:a16="http://schemas.microsoft.com/office/drawing/2014/main" id="{6D3ED9FD-B605-745F-098D-1EDAD8BFF7E1}"/>
-              </a:ext>
-            </a:extLst>
-          </p:cNvPr>
-          <p:cNvCxnSpPr>
-            <a:cxnSpLocks/>
-            <a:endCxn id="126" idx="0"/>
-          </p:cNvCxnSpPr>
-          <p:nvPr/>
-        </p:nvCxnSpPr>
-        <p:spPr>
-          <a:xfrm>
-            <a:off x="6103367" y="3976080"/>
-            <a:ext cx="18315" cy="1103901"/>
-          </a:xfrm>
-          <a:prstGeom prst="straightConnector1">
-            <a:avLst/>
-          </a:prstGeom>
-          <a:ln>
-            <a:tailEnd type="triangle"/>
-          </a:ln>
-        </p:spPr>
-        <p:style>
-          <a:lnRef idx="2">
-            <a:schemeClr val="accent1"/>
-          </a:lnRef>
-          <a:fillRef idx="0">
-            <a:schemeClr val="accent1"/>
-          </a:fillRef>
-          <a:effectRef idx="1">
-            <a:schemeClr val="accent1"/>
-          </a:effectRef>
-          <a:fontRef idx="minor">
-            <a:schemeClr val="tx1"/>
-          </a:fontRef>
-        </p:style>
-      </p:cxnSp>
-      <p:cxnSp>
-        <p:nvCxnSpPr>
-          <p:cNvPr id="76" name="Straight Arrow Connector 75">
-            <a:extLst>
-              <a:ext uri="{FF2B5EF4-FFF2-40B4-BE49-F238E27FC236}">
-                <a16:creationId xmlns:a16="http://schemas.microsoft.com/office/drawing/2014/main" id="{BDC5FC85-7F2D-FCB9-DC60-6F238C7FC5ED}"/>
-              </a:ext>
-            </a:extLst>
-          </p:cNvPr>
-          <p:cNvCxnSpPr>
-            <a:cxnSpLocks/>
-          </p:cNvCxnSpPr>
-          <p:nvPr/>
-        </p:nvCxnSpPr>
-        <p:spPr>
-          <a:xfrm>
-            <a:off x="6274093" y="3866028"/>
-            <a:ext cx="1513461" cy="0"/>
-          </a:xfrm>
-          <a:prstGeom prst="straightConnector1">
-            <a:avLst/>
-          </a:prstGeom>
-          <a:ln>
-            <a:prstDash val="sysDot"/>
-            <a:tailEnd type="triangle"/>
-          </a:ln>
-        </p:spPr>
-        <p:style>
-          <a:lnRef idx="2">
-            <a:schemeClr val="accent1"/>
-          </a:lnRef>
-          <a:fillRef idx="0">
-            <a:schemeClr val="accent1"/>
-          </a:fillRef>
-          <a:effectRef idx="1">
-            <a:schemeClr val="accent1"/>
-          </a:effectRef>
-          <a:fontRef idx="minor">
-            <a:schemeClr val="tx1"/>
-          </a:fontRef>
-        </p:style>
-      </p:cxnSp>
-      <p:cxnSp>
-        <p:nvCxnSpPr>
-          <p:cNvPr id="83" name="Straight Arrow Connector 82">
-            <a:extLst>
-              <a:ext uri="{FF2B5EF4-FFF2-40B4-BE49-F238E27FC236}">
-                <a16:creationId xmlns:a16="http://schemas.microsoft.com/office/drawing/2014/main" id="{665949DD-3F6D-F7C4-F681-801AB1A73CB7}"/>
-              </a:ext>
-            </a:extLst>
-          </p:cNvPr>
-          <p:cNvCxnSpPr>
-            <a:cxnSpLocks/>
-          </p:cNvCxnSpPr>
-          <p:nvPr/>
-        </p:nvCxnSpPr>
-        <p:spPr>
-          <a:xfrm>
-            <a:off x="4550229" y="3235325"/>
-            <a:ext cx="564852" cy="0"/>
-          </a:xfrm>
-          <a:prstGeom prst="straightConnector1">
-            <a:avLst/>
-          </a:prstGeom>
-          <a:ln>
-            <a:prstDash val="sysDot"/>
-            <a:tailEnd type="triangle"/>
-          </a:ln>
-        </p:spPr>
-        <p:style>
-          <a:lnRef idx="2">
-            <a:schemeClr val="accent1"/>
-          </a:lnRef>
-          <a:fillRef idx="0">
-            <a:schemeClr val="accent1"/>
-          </a:fillRef>
-          <a:effectRef idx="1">
-            <a:schemeClr val="accent1"/>
-          </a:effectRef>
-          <a:fontRef idx="minor">
-            <a:schemeClr val="tx1"/>
-          </a:fontRef>
-        </p:style>
-      </p:cxnSp>
-      <p:sp>
-        <p:nvSpPr>
-          <p:cNvPr id="91" name="TextBox 90">
-            <a:extLst>
-              <a:ext uri="{FF2B5EF4-FFF2-40B4-BE49-F238E27FC236}">
-                <a16:creationId xmlns:a16="http://schemas.microsoft.com/office/drawing/2014/main" id="{2ED727F6-994D-17A9-FD85-41C1EE0507BC}"/>
-              </a:ext>
-            </a:extLst>
-          </p:cNvPr>
-          <p:cNvSpPr txBox="1"/>
-          <p:nvPr/>
-        </p:nvSpPr>
-        <p:spPr>
-          <a:xfrm>
-            <a:off x="4602889" y="4374142"/>
-            <a:ext cx="1644325" cy="307777"/>
-          </a:xfrm>
-          <a:prstGeom prst="rect">
-            <a:avLst/>
-          </a:prstGeom>
-          <a:noFill/>
-        </p:spPr>
-        <p:txBody>
-          <a:bodyPr wrap="square" rtlCol="0">
-            <a:spAutoFit/>
-          </a:bodyPr>
-          <a:lstStyle/>
-          <a:p>
-            <a:r>
-              <a:rPr lang="vi-VN" sz="1400" dirty="0">
-                <a:latin typeface="Times New Roman" panose="02020603050405020304" pitchFamily="18" charset="0"/>
-                <a:cs typeface="Times New Roman" panose="02020603050405020304" pitchFamily="18" charset="0"/>
-              </a:rPr>
-              <a:t>Không kiểm duyệt</a:t>
-            </a:r>
-            <a:endParaRPr lang="en-US" sz="1400" dirty="0">
-              <a:latin typeface="Times New Roman" panose="02020603050405020304" pitchFamily="18" charset="0"/>
-              <a:cs typeface="Times New Roman" panose="02020603050405020304" pitchFamily="18" charset="0"/>
-            </a:endParaRPr>
-          </a:p>
-        </p:txBody>
-      </p:sp>
-      <p:sp>
-        <p:nvSpPr>
-          <p:cNvPr id="92" name="Rectangle 91">
-            <a:extLst>
-              <a:ext uri="{FF2B5EF4-FFF2-40B4-BE49-F238E27FC236}">
-                <a16:creationId xmlns:a16="http://schemas.microsoft.com/office/drawing/2014/main" id="{CBEE1FF5-43A7-519D-690C-14822CE4A7C7}"/>
-              </a:ext>
-            </a:extLst>
-          </p:cNvPr>
-          <p:cNvSpPr/>
-          <p:nvPr/>
-        </p:nvSpPr>
-        <p:spPr>
-          <a:xfrm>
-            <a:off x="1345996" y="3696434"/>
-            <a:ext cx="1143608" cy="381000"/>
-          </a:xfrm>
-          <a:prstGeom prst="rect">
-            <a:avLst/>
-          </a:prstGeom>
-        </p:spPr>
-        <p:style>
-          <a:lnRef idx="2">
-            <a:schemeClr val="accent6"/>
-          </a:lnRef>
-          <a:fillRef idx="1">
-            <a:schemeClr val="lt1"/>
-          </a:fillRef>
-          <a:effectRef idx="0">
-            <a:schemeClr val="accent6"/>
-          </a:effectRef>
-          <a:fontRef idx="minor">
-            <a:schemeClr val="dk1"/>
-          </a:fontRef>
-        </p:style>
-        <p:txBody>
-          <a:bodyPr rtlCol="0" anchor="ctr"/>
-          <a:lstStyle/>
-          <a:p>
-            <a:pPr algn="ctr"/>
-            <a:r>
-              <a:rPr lang="vi-VN" sz="1400" dirty="0">
-                <a:latin typeface="Times New Roman" panose="02020603050405020304" pitchFamily="18" charset="0"/>
-                <a:cs typeface="Times New Roman" panose="02020603050405020304" pitchFamily="18" charset="0"/>
-              </a:rPr>
-              <a:t>Bài đăng</a:t>
-            </a:r>
-            <a:br>
-              <a:rPr lang="vi-VN" sz="1400" dirty="0">
-                <a:latin typeface="Times New Roman" panose="02020603050405020304" pitchFamily="18" charset="0"/>
-                <a:cs typeface="Times New Roman" panose="02020603050405020304" pitchFamily="18" charset="0"/>
-              </a:rPr>
-            </a:br>
-            <a:r>
-              <a:rPr lang="vi-VN" sz="1400" dirty="0">
-                <a:latin typeface="Times New Roman" panose="02020603050405020304" pitchFamily="18" charset="0"/>
-                <a:cs typeface="Times New Roman" panose="02020603050405020304" pitchFamily="18" charset="0"/>
-              </a:rPr>
-              <a:t>[đã đăng]</a:t>
-            </a:r>
-            <a:endParaRPr lang="en-US" sz="1400" dirty="0">
-              <a:latin typeface="Times New Roman" panose="02020603050405020304" pitchFamily="18" charset="0"/>
-              <a:cs typeface="Times New Roman" panose="02020603050405020304" pitchFamily="18" charset="0"/>
-            </a:endParaRPr>
-          </a:p>
-        </p:txBody>
-      </p:sp>
-      <p:cxnSp>
-        <p:nvCxnSpPr>
-          <p:cNvPr id="95" name="Straight Arrow Connector 94">
-            <a:extLst>
-              <a:ext uri="{FF2B5EF4-FFF2-40B4-BE49-F238E27FC236}">
-                <a16:creationId xmlns:a16="http://schemas.microsoft.com/office/drawing/2014/main" id="{2FA886E1-6BB5-29D5-40E1-376DD144606A}"/>
-              </a:ext>
-            </a:extLst>
-          </p:cNvPr>
-          <p:cNvCxnSpPr>
-            <a:cxnSpLocks/>
-          </p:cNvCxnSpPr>
-          <p:nvPr/>
-        </p:nvCxnSpPr>
-        <p:spPr>
-          <a:xfrm flipH="1">
-            <a:off x="1927253" y="4104201"/>
-            <a:ext cx="1" cy="396068"/>
-          </a:xfrm>
-          <a:prstGeom prst="straightConnector1">
-            <a:avLst/>
-          </a:prstGeom>
-          <a:ln>
-            <a:tailEnd type="triangle"/>
-          </a:ln>
-        </p:spPr>
-        <p:style>
-          <a:lnRef idx="2">
-            <a:schemeClr val="accent1"/>
-          </a:lnRef>
-          <a:fillRef idx="0">
-            <a:schemeClr val="accent1"/>
-          </a:fillRef>
-          <a:effectRef idx="1">
-            <a:schemeClr val="accent1"/>
-          </a:effectRef>
-          <a:fontRef idx="minor">
-            <a:schemeClr val="tx1"/>
-          </a:fontRef>
-        </p:style>
-      </p:cxnSp>
-      <p:sp>
-        <p:nvSpPr>
-          <p:cNvPr id="96" name="Rectangle: Rounded Corners 95">
-            <a:extLst>
-              <a:ext uri="{FF2B5EF4-FFF2-40B4-BE49-F238E27FC236}">
-                <a16:creationId xmlns:a16="http://schemas.microsoft.com/office/drawing/2014/main" id="{E5CD9C26-6326-8955-4454-5827112104B4}"/>
-              </a:ext>
-            </a:extLst>
-          </p:cNvPr>
-          <p:cNvSpPr/>
-          <p:nvPr/>
-        </p:nvSpPr>
-        <p:spPr>
-          <a:xfrm>
-            <a:off x="952981" y="4500269"/>
-            <a:ext cx="1948543" cy="381000"/>
-          </a:xfrm>
-          <a:prstGeom prst="roundRect">
-            <a:avLst/>
-          </a:prstGeom>
-        </p:spPr>
-        <p:style>
-          <a:lnRef idx="2">
-            <a:schemeClr val="accent6"/>
-          </a:lnRef>
-          <a:fillRef idx="1">
-            <a:schemeClr val="lt1"/>
-          </a:fillRef>
-          <a:effectRef idx="0">
-            <a:schemeClr val="accent6"/>
-          </a:effectRef>
-          <a:fontRef idx="minor">
-            <a:schemeClr val="dk1"/>
-          </a:fontRef>
-        </p:style>
-        <p:txBody>
-          <a:bodyPr rtlCol="0" anchor="ctr"/>
-          <a:lstStyle/>
-          <a:p>
-            <a:pPr algn="ctr"/>
-            <a:r>
-              <a:rPr lang="vi-VN" sz="1400" dirty="0">
-                <a:latin typeface="Times New Roman" panose="02020603050405020304" pitchFamily="18" charset="0"/>
-                <a:cs typeface="Times New Roman" panose="02020603050405020304" pitchFamily="18" charset="0"/>
-              </a:rPr>
-              <a:t>Thông báo đăng bài thành công</a:t>
-            </a:r>
-            <a:endParaRPr lang="en-US" sz="1400" dirty="0">
-              <a:latin typeface="Times New Roman" panose="02020603050405020304" pitchFamily="18" charset="0"/>
-              <a:cs typeface="Times New Roman" panose="02020603050405020304" pitchFamily="18" charset="0"/>
-            </a:endParaRPr>
-          </a:p>
-        </p:txBody>
-      </p:sp>
-      <p:sp>
-        <p:nvSpPr>
-          <p:cNvPr id="100" name="TextBox 99">
-            <a:extLst>
-              <a:ext uri="{FF2B5EF4-FFF2-40B4-BE49-F238E27FC236}">
-                <a16:creationId xmlns:a16="http://schemas.microsoft.com/office/drawing/2014/main" id="{6AC5795B-BDE7-7173-E8BA-E48E10330A73}"/>
-              </a:ext>
-            </a:extLst>
-          </p:cNvPr>
-          <p:cNvSpPr txBox="1"/>
-          <p:nvPr/>
-        </p:nvSpPr>
-        <p:spPr>
-          <a:xfrm>
-            <a:off x="6247214" y="3589326"/>
-            <a:ext cx="1386890" cy="307777"/>
-          </a:xfrm>
-          <a:prstGeom prst="rect">
-            <a:avLst/>
-          </a:prstGeom>
-          <a:noFill/>
-        </p:spPr>
-        <p:txBody>
-          <a:bodyPr wrap="square" rtlCol="0">
-            <a:spAutoFit/>
-          </a:bodyPr>
-          <a:lstStyle/>
-          <a:p>
-            <a:r>
-              <a:rPr lang="vi-VN" sz="1400" dirty="0">
-                <a:latin typeface="Times New Roman" panose="02020603050405020304" pitchFamily="18" charset="0"/>
-                <a:cs typeface="Times New Roman" panose="02020603050405020304" pitchFamily="18" charset="0"/>
-              </a:rPr>
-              <a:t>Cần kiểm duyệt</a:t>
-            </a:r>
-            <a:endParaRPr lang="en-US" sz="1400" dirty="0">
-              <a:latin typeface="Times New Roman" panose="02020603050405020304" pitchFamily="18" charset="0"/>
-              <a:cs typeface="Times New Roman" panose="02020603050405020304" pitchFamily="18" charset="0"/>
-            </a:endParaRPr>
-          </a:p>
-        </p:txBody>
-      </p:sp>
-      <p:sp>
-        <p:nvSpPr>
-          <p:cNvPr id="104" name="Rectangle 103">
-            <a:extLst>
-              <a:ext uri="{FF2B5EF4-FFF2-40B4-BE49-F238E27FC236}">
-                <a16:creationId xmlns:a16="http://schemas.microsoft.com/office/drawing/2014/main" id="{A10C12F8-E066-8E3A-2B58-66D415FE46C2}"/>
-              </a:ext>
-            </a:extLst>
-          </p:cNvPr>
-          <p:cNvSpPr/>
-          <p:nvPr/>
-        </p:nvSpPr>
-        <p:spPr>
-          <a:xfrm>
-            <a:off x="7765769" y="3652473"/>
-            <a:ext cx="1143608" cy="381000"/>
-          </a:xfrm>
-          <a:prstGeom prst="rect">
-            <a:avLst/>
-          </a:prstGeom>
-        </p:spPr>
-        <p:style>
-          <a:lnRef idx="2">
-            <a:schemeClr val="accent6"/>
-          </a:lnRef>
-          <a:fillRef idx="1">
-            <a:schemeClr val="lt1"/>
-          </a:fillRef>
-          <a:effectRef idx="0">
-            <a:schemeClr val="accent6"/>
-          </a:effectRef>
-          <a:fontRef idx="minor">
-            <a:schemeClr val="dk1"/>
-          </a:fontRef>
-        </p:style>
-        <p:txBody>
-          <a:bodyPr rtlCol="0" anchor="ctr"/>
-          <a:lstStyle/>
-          <a:p>
-            <a:pPr algn="ctr"/>
-            <a:r>
-              <a:rPr lang="vi-VN" sz="1400" dirty="0">
-                <a:latin typeface="Times New Roman" panose="02020603050405020304" pitchFamily="18" charset="0"/>
-                <a:cs typeface="Times New Roman" panose="02020603050405020304" pitchFamily="18" charset="0"/>
-              </a:rPr>
-              <a:t>Bài đăng</a:t>
-            </a:r>
-            <a:br>
-              <a:rPr lang="vi-VN" sz="1400" dirty="0">
-                <a:latin typeface="Times New Roman" panose="02020603050405020304" pitchFamily="18" charset="0"/>
-                <a:cs typeface="Times New Roman" panose="02020603050405020304" pitchFamily="18" charset="0"/>
-              </a:rPr>
-            </a:br>
-            <a:r>
-              <a:rPr lang="vi-VN" sz="1400" dirty="0">
-                <a:latin typeface="Times New Roman" panose="02020603050405020304" pitchFamily="18" charset="0"/>
-                <a:cs typeface="Times New Roman" panose="02020603050405020304" pitchFamily="18" charset="0"/>
-              </a:rPr>
-              <a:t>[đang chờ]</a:t>
-            </a:r>
-            <a:endParaRPr lang="en-US" sz="1400" dirty="0">
-              <a:latin typeface="Times New Roman" panose="02020603050405020304" pitchFamily="18" charset="0"/>
-              <a:cs typeface="Times New Roman" panose="02020603050405020304" pitchFamily="18" charset="0"/>
-            </a:endParaRPr>
-          </a:p>
-        </p:txBody>
-      </p:sp>
-      <p:sp>
-        <p:nvSpPr>
-          <p:cNvPr id="106" name="Rectangle: Rounded Corners 105">
-            <a:extLst>
-              <a:ext uri="{FF2B5EF4-FFF2-40B4-BE49-F238E27FC236}">
-                <a16:creationId xmlns:a16="http://schemas.microsoft.com/office/drawing/2014/main" id="{6C4BB66E-D86E-E634-D658-A6BF1A6305CF}"/>
-              </a:ext>
-            </a:extLst>
-          </p:cNvPr>
-          <p:cNvSpPr/>
-          <p:nvPr/>
-        </p:nvSpPr>
-        <p:spPr>
-          <a:xfrm>
-            <a:off x="9372645" y="1941229"/>
-            <a:ext cx="1948543" cy="381000"/>
-          </a:xfrm>
-          <a:prstGeom prst="roundRect">
-            <a:avLst/>
-          </a:prstGeom>
-        </p:spPr>
-        <p:style>
-          <a:lnRef idx="2">
-            <a:schemeClr val="accent6"/>
-          </a:lnRef>
-          <a:fillRef idx="1">
-            <a:schemeClr val="lt1"/>
-          </a:fillRef>
-          <a:effectRef idx="0">
-            <a:schemeClr val="accent6"/>
-          </a:effectRef>
-          <a:fontRef idx="minor">
-            <a:schemeClr val="dk1"/>
-          </a:fontRef>
-        </p:style>
-        <p:txBody>
-          <a:bodyPr rtlCol="0" anchor="ctr"/>
-          <a:lstStyle/>
-          <a:p>
-            <a:pPr algn="ctr"/>
-            <a:r>
-              <a:rPr lang="vi-VN" sz="1400" dirty="0">
-                <a:latin typeface="Times New Roman" panose="02020603050405020304" pitchFamily="18" charset="0"/>
-                <a:cs typeface="Times New Roman" panose="02020603050405020304" pitchFamily="18" charset="0"/>
-              </a:rPr>
-              <a:t>Mở danh sách các bài viết cần duyệt</a:t>
-            </a:r>
-            <a:endParaRPr lang="en-US" sz="1400" dirty="0">
-              <a:latin typeface="Times New Roman" panose="02020603050405020304" pitchFamily="18" charset="0"/>
-              <a:cs typeface="Times New Roman" panose="02020603050405020304" pitchFamily="18" charset="0"/>
-            </a:endParaRPr>
-          </a:p>
-        </p:txBody>
-      </p:sp>
-      <p:cxnSp>
-        <p:nvCxnSpPr>
-          <p:cNvPr id="110" name="Straight Arrow Connector 109">
-            <a:extLst>
-              <a:ext uri="{FF2B5EF4-FFF2-40B4-BE49-F238E27FC236}">
-                <a16:creationId xmlns:a16="http://schemas.microsoft.com/office/drawing/2014/main" id="{214868E5-F97A-B952-6139-40C36E01D23C}"/>
-              </a:ext>
-            </a:extLst>
-          </p:cNvPr>
-          <p:cNvCxnSpPr>
-            <a:cxnSpLocks/>
-            <a:stCxn id="104" idx="3"/>
-          </p:cNvCxnSpPr>
-          <p:nvPr/>
-        </p:nvCxnSpPr>
-        <p:spPr>
-          <a:xfrm flipV="1">
-            <a:off x="8909377" y="3820805"/>
-            <a:ext cx="419672" cy="22168"/>
-          </a:xfrm>
-          <a:prstGeom prst="straightConnector1">
-            <a:avLst/>
-          </a:prstGeom>
-          <a:ln>
-            <a:prstDash val="sysDot"/>
-            <a:tailEnd type="triangle"/>
-          </a:ln>
-        </p:spPr>
-        <p:style>
-          <a:lnRef idx="2">
-            <a:schemeClr val="accent1"/>
-          </a:lnRef>
-          <a:fillRef idx="0">
-            <a:schemeClr val="accent1"/>
-          </a:fillRef>
-          <a:effectRef idx="1">
-            <a:schemeClr val="accent1"/>
-          </a:effectRef>
-          <a:fontRef idx="minor">
-            <a:schemeClr val="tx1"/>
-          </a:fontRef>
-        </p:style>
-      </p:cxnSp>
-      <p:sp>
-        <p:nvSpPr>
-          <p:cNvPr id="111" name="Rectangle: Rounded Corners 110">
-            <a:extLst>
-              <a:ext uri="{FF2B5EF4-FFF2-40B4-BE49-F238E27FC236}">
-                <a16:creationId xmlns:a16="http://schemas.microsoft.com/office/drawing/2014/main" id="{31685775-922F-8978-8E3B-ECB826D026B2}"/>
-              </a:ext>
-            </a:extLst>
-          </p:cNvPr>
-          <p:cNvSpPr/>
-          <p:nvPr/>
-        </p:nvSpPr>
-        <p:spPr>
-          <a:xfrm>
-            <a:off x="9329049" y="3630305"/>
-            <a:ext cx="1948543" cy="381000"/>
-          </a:xfrm>
-          <a:prstGeom prst="roundRect">
-            <a:avLst/>
-          </a:prstGeom>
-        </p:spPr>
-        <p:style>
-          <a:lnRef idx="2">
-            <a:schemeClr val="accent6"/>
-          </a:lnRef>
-          <a:fillRef idx="1">
-            <a:schemeClr val="lt1"/>
-          </a:fillRef>
-          <a:effectRef idx="0">
-            <a:schemeClr val="accent6"/>
-          </a:effectRef>
-          <a:fontRef idx="minor">
-            <a:schemeClr val="dk1"/>
-          </a:fontRef>
-        </p:style>
-        <p:txBody>
-          <a:bodyPr rtlCol="0" anchor="ctr"/>
-          <a:lstStyle/>
-          <a:p>
-            <a:pPr algn="ctr"/>
-            <a:r>
-              <a:rPr lang="vi-VN" sz="1400" dirty="0">
-                <a:latin typeface="Times New Roman" panose="02020603050405020304" pitchFamily="18" charset="0"/>
-                <a:cs typeface="Times New Roman" panose="02020603050405020304" pitchFamily="18" charset="0"/>
-              </a:rPr>
-              <a:t>Xét duyệt bài viết</a:t>
-            </a:r>
-            <a:endParaRPr lang="en-US" sz="1400" dirty="0">
-              <a:latin typeface="Times New Roman" panose="02020603050405020304" pitchFamily="18" charset="0"/>
-              <a:cs typeface="Times New Roman" panose="02020603050405020304" pitchFamily="18" charset="0"/>
-            </a:endParaRPr>
-          </a:p>
-        </p:txBody>
-      </p:sp>
-      <p:sp>
-        <p:nvSpPr>
-          <p:cNvPr id="113" name="Flowchart: Decision 112">
-            <a:extLst>
-              <a:ext uri="{FF2B5EF4-FFF2-40B4-BE49-F238E27FC236}">
-                <a16:creationId xmlns:a16="http://schemas.microsoft.com/office/drawing/2014/main" id="{E58EC210-7CB8-E19B-F852-7FA9370C2D29}"/>
-              </a:ext>
-            </a:extLst>
-          </p:cNvPr>
-          <p:cNvSpPr/>
-          <p:nvPr/>
-        </p:nvSpPr>
-        <p:spPr>
-          <a:xfrm>
-            <a:off x="10085658" y="4358266"/>
-            <a:ext cx="522515" cy="228600"/>
-          </a:xfrm>
-          <a:prstGeom prst="flowChartDecision">
-            <a:avLst/>
-          </a:prstGeom>
-        </p:spPr>
-        <p:style>
-          <a:lnRef idx="2">
-            <a:schemeClr val="accent6"/>
-          </a:lnRef>
-          <a:fillRef idx="1">
-            <a:schemeClr val="lt1"/>
-          </a:fillRef>
-          <a:effectRef idx="0">
-            <a:schemeClr val="accent6"/>
-          </a:effectRef>
-          <a:fontRef idx="minor">
-            <a:schemeClr val="dk1"/>
-          </a:fontRef>
-        </p:style>
-        <p:txBody>
-          <a:bodyPr rtlCol="0" anchor="ctr"/>
-          <a:lstStyle/>
-          <a:p>
-            <a:pPr algn="ctr"/>
-            <a:endParaRPr lang="en-US"/>
-          </a:p>
-        </p:txBody>
-      </p:sp>
-      <p:cxnSp>
-        <p:nvCxnSpPr>
-          <p:cNvPr id="115" name="Straight Arrow Connector 114">
-            <a:extLst>
-              <a:ext uri="{FF2B5EF4-FFF2-40B4-BE49-F238E27FC236}">
-                <a16:creationId xmlns:a16="http://schemas.microsoft.com/office/drawing/2014/main" id="{0D34E236-2231-2E3C-50FB-5A5215C7D775}"/>
-              </a:ext>
-            </a:extLst>
-          </p:cNvPr>
-          <p:cNvCxnSpPr>
-            <a:stCxn id="111" idx="2"/>
-            <a:endCxn id="113" idx="0"/>
-          </p:cNvCxnSpPr>
-          <p:nvPr/>
-        </p:nvCxnSpPr>
-        <p:spPr>
-          <a:xfrm>
-            <a:off x="10303321" y="4011305"/>
-            <a:ext cx="43595" cy="346961"/>
-          </a:xfrm>
-          <a:prstGeom prst="straightConnector1">
-            <a:avLst/>
-          </a:prstGeom>
-          <a:ln>
-            <a:tailEnd type="triangle"/>
-          </a:ln>
-        </p:spPr>
-        <p:style>
-          <a:lnRef idx="2">
-            <a:schemeClr val="accent1"/>
-          </a:lnRef>
-          <a:fillRef idx="0">
-            <a:schemeClr val="accent1"/>
-          </a:fillRef>
-          <a:effectRef idx="1">
-            <a:schemeClr val="accent1"/>
-          </a:effectRef>
-          <a:fontRef idx="minor">
-            <a:schemeClr val="tx1"/>
-          </a:fontRef>
-        </p:style>
-      </p:cxnSp>
-      <p:sp>
-        <p:nvSpPr>
-          <p:cNvPr id="117" name="Rectangle: Rounded Corners 116">
-            <a:extLst>
-              <a:ext uri="{FF2B5EF4-FFF2-40B4-BE49-F238E27FC236}">
-                <a16:creationId xmlns:a16="http://schemas.microsoft.com/office/drawing/2014/main" id="{32170D2E-FC30-87B6-653A-F5702116C00E}"/>
-              </a:ext>
-            </a:extLst>
-          </p:cNvPr>
-          <p:cNvSpPr/>
-          <p:nvPr/>
-        </p:nvSpPr>
-        <p:spPr>
-          <a:xfrm>
-            <a:off x="8184123" y="5145883"/>
-            <a:ext cx="1094013" cy="381000"/>
-          </a:xfrm>
-          <a:prstGeom prst="roundRect">
-            <a:avLst/>
-          </a:prstGeom>
-        </p:spPr>
-        <p:style>
-          <a:lnRef idx="2">
-            <a:schemeClr val="accent6"/>
-          </a:lnRef>
-          <a:fillRef idx="1">
-            <a:schemeClr val="lt1"/>
-          </a:fillRef>
-          <a:effectRef idx="0">
-            <a:schemeClr val="accent6"/>
-          </a:effectRef>
-          <a:fontRef idx="minor">
-            <a:schemeClr val="dk1"/>
-          </a:fontRef>
-        </p:style>
-        <p:txBody>
-          <a:bodyPr rtlCol="0" anchor="ctr"/>
-          <a:lstStyle/>
-          <a:p>
-            <a:pPr algn="ctr"/>
-            <a:r>
-              <a:rPr lang="vi-VN" sz="1400" dirty="0">
-                <a:latin typeface="Times New Roman" panose="02020603050405020304" pitchFamily="18" charset="0"/>
-                <a:cs typeface="Times New Roman" panose="02020603050405020304" pitchFamily="18" charset="0"/>
-              </a:rPr>
-              <a:t>Phê duyệt</a:t>
-            </a:r>
-            <a:endParaRPr lang="en-US" sz="1400" dirty="0">
-              <a:latin typeface="Times New Roman" panose="02020603050405020304" pitchFamily="18" charset="0"/>
-              <a:cs typeface="Times New Roman" panose="02020603050405020304" pitchFamily="18" charset="0"/>
-            </a:endParaRPr>
-          </a:p>
-        </p:txBody>
-      </p:sp>
-      <p:cxnSp>
-        <p:nvCxnSpPr>
-          <p:cNvPr id="119" name="Straight Arrow Connector 118">
-            <a:extLst>
-              <a:ext uri="{FF2B5EF4-FFF2-40B4-BE49-F238E27FC236}">
-                <a16:creationId xmlns:a16="http://schemas.microsoft.com/office/drawing/2014/main" id="{65E699EF-6124-E80D-FDF2-F4996F5484A1}"/>
-              </a:ext>
-            </a:extLst>
-          </p:cNvPr>
-          <p:cNvCxnSpPr>
-            <a:stCxn id="113" idx="2"/>
-          </p:cNvCxnSpPr>
-          <p:nvPr/>
-        </p:nvCxnSpPr>
-        <p:spPr>
-          <a:xfrm flipH="1">
-            <a:off x="8731129" y="4586866"/>
-            <a:ext cx="1615787" cy="559017"/>
-          </a:xfrm>
-          <a:prstGeom prst="straightConnector1">
-            <a:avLst/>
-          </a:prstGeom>
-          <a:ln>
-            <a:tailEnd type="triangle"/>
-          </a:ln>
-        </p:spPr>
-        <p:style>
-          <a:lnRef idx="2">
-            <a:schemeClr val="accent1"/>
-          </a:lnRef>
-          <a:fillRef idx="0">
-            <a:schemeClr val="accent1"/>
-          </a:fillRef>
-          <a:effectRef idx="1">
-            <a:schemeClr val="accent1"/>
-          </a:effectRef>
-          <a:fontRef idx="minor">
-            <a:schemeClr val="tx1"/>
-          </a:fontRef>
-        </p:style>
-      </p:cxnSp>
-      <p:cxnSp>
-        <p:nvCxnSpPr>
-          <p:cNvPr id="121" name="Straight Arrow Connector 120">
-            <a:extLst>
-              <a:ext uri="{FF2B5EF4-FFF2-40B4-BE49-F238E27FC236}">
-                <a16:creationId xmlns:a16="http://schemas.microsoft.com/office/drawing/2014/main" id="{CFF078B5-FCDE-BCD8-EF09-25B1E669ED6D}"/>
-              </a:ext>
-            </a:extLst>
-          </p:cNvPr>
-          <p:cNvCxnSpPr>
-            <a:stCxn id="113" idx="2"/>
-            <a:endCxn id="33" idx="0"/>
-          </p:cNvCxnSpPr>
-          <p:nvPr/>
-        </p:nvCxnSpPr>
-        <p:spPr>
-          <a:xfrm flipH="1">
-            <a:off x="10194467" y="4586866"/>
-            <a:ext cx="152449" cy="559017"/>
-          </a:xfrm>
-          <a:prstGeom prst="straightConnector1">
-            <a:avLst/>
-          </a:prstGeom>
-          <a:ln>
-            <a:tailEnd type="triangle"/>
-          </a:ln>
-        </p:spPr>
-        <p:style>
-          <a:lnRef idx="2">
-            <a:schemeClr val="accent1"/>
-          </a:lnRef>
-          <a:fillRef idx="0">
-            <a:schemeClr val="accent1"/>
-          </a:fillRef>
-          <a:effectRef idx="1">
-            <a:schemeClr val="accent1"/>
-          </a:effectRef>
-          <a:fontRef idx="minor">
-            <a:schemeClr val="tx1"/>
-          </a:fontRef>
-        </p:style>
-      </p:cxnSp>
-      <p:cxnSp>
-        <p:nvCxnSpPr>
-          <p:cNvPr id="123" name="Straight Arrow Connector 122">
-            <a:extLst>
-              <a:ext uri="{FF2B5EF4-FFF2-40B4-BE49-F238E27FC236}">
-                <a16:creationId xmlns:a16="http://schemas.microsoft.com/office/drawing/2014/main" id="{7171C78F-47C5-1A7D-17D8-609162CD7EF6}"/>
-              </a:ext>
-            </a:extLst>
-          </p:cNvPr>
-          <p:cNvCxnSpPr>
-            <a:stCxn id="113" idx="2"/>
-            <a:endCxn id="34" idx="0"/>
-          </p:cNvCxnSpPr>
-          <p:nvPr/>
-        </p:nvCxnSpPr>
-        <p:spPr>
-          <a:xfrm>
-            <a:off x="10346916" y="4586866"/>
-            <a:ext cx="1298078" cy="559017"/>
-          </a:xfrm>
-          <a:prstGeom prst="straightConnector1">
-            <a:avLst/>
-          </a:prstGeom>
-          <a:ln>
-            <a:tailEnd type="triangle"/>
-          </a:ln>
-        </p:spPr>
-        <p:style>
-          <a:lnRef idx="2">
-            <a:schemeClr val="accent1"/>
-          </a:lnRef>
-          <a:fillRef idx="0">
-            <a:schemeClr val="accent1"/>
-          </a:fillRef>
-          <a:effectRef idx="1">
-            <a:schemeClr val="accent1"/>
-          </a:effectRef>
-          <a:fontRef idx="minor">
-            <a:schemeClr val="tx1"/>
-          </a:fontRef>
-        </p:style>
-      </p:cxnSp>
-      <p:sp>
-        <p:nvSpPr>
-          <p:cNvPr id="126" name="Flowchart: Decision 125">
-            <a:extLst>
-              <a:ext uri="{FF2B5EF4-FFF2-40B4-BE49-F238E27FC236}">
-                <a16:creationId xmlns:a16="http://schemas.microsoft.com/office/drawing/2014/main" id="{64928D94-E861-22CF-55BE-2443F07A4415}"/>
-              </a:ext>
-            </a:extLst>
-          </p:cNvPr>
-          <p:cNvSpPr/>
-          <p:nvPr/>
-        </p:nvSpPr>
-        <p:spPr>
-          <a:xfrm>
-            <a:off x="5860424" y="5079981"/>
-            <a:ext cx="522515" cy="228600"/>
-          </a:xfrm>
-          <a:prstGeom prst="flowChartDecision">
-            <a:avLst/>
-          </a:prstGeom>
-        </p:spPr>
-        <p:style>
-          <a:lnRef idx="2">
-            <a:schemeClr val="accent6"/>
-          </a:lnRef>
-          <a:fillRef idx="1">
-            <a:schemeClr val="lt1"/>
-          </a:fillRef>
-          <a:effectRef idx="0">
-            <a:schemeClr val="accent6"/>
-          </a:effectRef>
-          <a:fontRef idx="minor">
-            <a:schemeClr val="dk1"/>
-          </a:fontRef>
-        </p:style>
-        <p:txBody>
-          <a:bodyPr rtlCol="0" anchor="ctr"/>
-          <a:lstStyle/>
-          <a:p>
-            <a:pPr algn="ctr"/>
-            <a:endParaRPr lang="en-US"/>
-          </a:p>
-        </p:txBody>
-      </p:sp>
-      <p:cxnSp>
-        <p:nvCxnSpPr>
-          <p:cNvPr id="131" name="Straight Arrow Connector 130">
-            <a:extLst>
-              <a:ext uri="{FF2B5EF4-FFF2-40B4-BE49-F238E27FC236}">
-                <a16:creationId xmlns:a16="http://schemas.microsoft.com/office/drawing/2014/main" id="{28A24DA5-5716-2BB3-3385-34CB5B8177A3}"/>
-              </a:ext>
-            </a:extLst>
-          </p:cNvPr>
-          <p:cNvCxnSpPr>
-            <a:stCxn id="117" idx="1"/>
-            <a:endCxn id="126" idx="3"/>
-          </p:cNvCxnSpPr>
-          <p:nvPr/>
-        </p:nvCxnSpPr>
-        <p:spPr>
-          <a:xfrm flipH="1" flipV="1">
-            <a:off x="6417783" y="5194281"/>
-            <a:ext cx="1766340" cy="142102"/>
-          </a:xfrm>
-          <a:prstGeom prst="straightConnector1">
-            <a:avLst/>
-          </a:prstGeom>
-          <a:ln>
-            <a:tailEnd type="triangle"/>
-          </a:ln>
-        </p:spPr>
-        <p:style>
-          <a:lnRef idx="2">
-            <a:schemeClr val="accent1"/>
-          </a:lnRef>
-          <a:fillRef idx="0">
-            <a:schemeClr val="accent1"/>
-          </a:fillRef>
-          <a:effectRef idx="1">
-            <a:schemeClr val="accent1"/>
-          </a:effectRef>
-          <a:fontRef idx="minor">
-            <a:schemeClr val="tx1"/>
-          </a:fontRef>
-        </p:style>
-      </p:cxnSp>
-      <p:cxnSp>
-        <p:nvCxnSpPr>
-          <p:cNvPr id="133" name="Straight Arrow Connector 132">
-            <a:extLst>
-              <a:ext uri="{FF2B5EF4-FFF2-40B4-BE49-F238E27FC236}">
-                <a16:creationId xmlns:a16="http://schemas.microsoft.com/office/drawing/2014/main" id="{8A15015E-4D4C-4900-D41D-E12B370D5053}"/>
-              </a:ext>
-            </a:extLst>
-          </p:cNvPr>
-          <p:cNvCxnSpPr>
-            <a:stCxn id="126" idx="1"/>
-            <a:endCxn id="92" idx="3"/>
-          </p:cNvCxnSpPr>
-          <p:nvPr/>
-        </p:nvCxnSpPr>
-        <p:spPr>
-          <a:xfrm flipH="1" flipV="1">
-            <a:off x="2510768" y="3886934"/>
-            <a:ext cx="3349656" cy="1307347"/>
-          </a:xfrm>
-          <a:prstGeom prst="straightConnector1">
-            <a:avLst/>
-          </a:prstGeom>
-          <a:ln>
-            <a:prstDash val="sysDot"/>
-            <a:tailEnd type="triangle"/>
-          </a:ln>
-        </p:spPr>
-        <p:style>
-          <a:lnRef idx="2">
-            <a:schemeClr val="accent1"/>
-          </a:lnRef>
-          <a:fillRef idx="0">
-            <a:schemeClr val="accent1"/>
-          </a:fillRef>
-          <a:effectRef idx="1">
-            <a:schemeClr val="accent1"/>
-          </a:effectRef>
-          <a:fontRef idx="minor">
-            <a:schemeClr val="tx1"/>
-          </a:fontRef>
-        </p:style>
-      </p:cxnSp>
-      <p:cxnSp>
-        <p:nvCxnSpPr>
-          <p:cNvPr id="135" name="Straight Connector 134">
-            <a:extLst>
-              <a:ext uri="{FF2B5EF4-FFF2-40B4-BE49-F238E27FC236}">
-                <a16:creationId xmlns:a16="http://schemas.microsoft.com/office/drawing/2014/main" id="{5D9CFBC2-1A43-F823-5A44-0B7AAF93195B}"/>
-              </a:ext>
-            </a:extLst>
-          </p:cNvPr>
-          <p:cNvCxnSpPr/>
-          <p:nvPr/>
-        </p:nvCxnSpPr>
-        <p:spPr>
-          <a:xfrm>
-            <a:off x="10194466" y="5526883"/>
-            <a:ext cx="0" cy="525574"/>
-          </a:xfrm>
-          <a:prstGeom prst="line">
-            <a:avLst/>
-          </a:prstGeom>
-        </p:spPr>
-        <p:style>
-          <a:lnRef idx="2">
-            <a:schemeClr val="accent1"/>
-          </a:lnRef>
-          <a:fillRef idx="0">
-            <a:schemeClr val="accent1"/>
-          </a:fillRef>
-          <a:effectRef idx="1">
-            <a:schemeClr val="accent1"/>
-          </a:effectRef>
-          <a:fontRef idx="minor">
-            <a:schemeClr val="tx1"/>
-          </a:fontRef>
-        </p:style>
-      </p:cxnSp>
-      <p:cxnSp>
-        <p:nvCxnSpPr>
-          <p:cNvPr id="137" name="Straight Arrow Connector 136">
-            <a:extLst>
-              <a:ext uri="{FF2B5EF4-FFF2-40B4-BE49-F238E27FC236}">
-                <a16:creationId xmlns:a16="http://schemas.microsoft.com/office/drawing/2014/main" id="{659E594E-2618-8B68-7F27-0F8CA52B7EFB}"/>
-              </a:ext>
-            </a:extLst>
-          </p:cNvPr>
-          <p:cNvCxnSpPr>
-            <a:cxnSpLocks/>
-          </p:cNvCxnSpPr>
-          <p:nvPr/>
-        </p:nvCxnSpPr>
-        <p:spPr>
-          <a:xfrm flipH="1">
-            <a:off x="2906509" y="6052457"/>
-            <a:ext cx="7287957" cy="0"/>
-          </a:xfrm>
-          <a:prstGeom prst="straightConnector1">
-            <a:avLst/>
-          </a:prstGeom>
-          <a:ln>
-            <a:tailEnd type="triangle"/>
-          </a:ln>
-        </p:spPr>
-        <p:style>
-          <a:lnRef idx="2">
-            <a:schemeClr val="accent1"/>
-          </a:lnRef>
-          <a:fillRef idx="0">
-            <a:schemeClr val="accent1"/>
-          </a:fillRef>
-          <a:effectRef idx="1">
-            <a:schemeClr val="accent1"/>
-          </a:effectRef>
-          <a:fontRef idx="minor">
-            <a:schemeClr val="tx1"/>
-          </a:fontRef>
-        </p:style>
-      </p:cxnSp>
-      <p:sp>
-        <p:nvSpPr>
-          <p:cNvPr id="139" name="Rectangle: Rounded Corners 138">
-            <a:extLst>
-              <a:ext uri="{FF2B5EF4-FFF2-40B4-BE49-F238E27FC236}">
-                <a16:creationId xmlns:a16="http://schemas.microsoft.com/office/drawing/2014/main" id="{80CDCE29-478F-61D4-E3D9-81513B33080A}"/>
-              </a:ext>
-            </a:extLst>
-          </p:cNvPr>
-          <p:cNvSpPr/>
-          <p:nvPr/>
-        </p:nvSpPr>
-        <p:spPr>
-          <a:xfrm>
-            <a:off x="952981" y="5862920"/>
-            <a:ext cx="1948543" cy="381000"/>
-          </a:xfrm>
-          <a:prstGeom prst="roundRect">
-            <a:avLst/>
-          </a:prstGeom>
-        </p:spPr>
-        <p:style>
-          <a:lnRef idx="2">
-            <a:schemeClr val="accent6"/>
-          </a:lnRef>
-          <a:fillRef idx="1">
-            <a:schemeClr val="lt1"/>
-          </a:fillRef>
-          <a:effectRef idx="0">
-            <a:schemeClr val="accent6"/>
-          </a:effectRef>
-          <a:fontRef idx="minor">
-            <a:schemeClr val="dk1"/>
-          </a:fontRef>
-        </p:style>
-        <p:txBody>
-          <a:bodyPr rtlCol="0" anchor="ctr"/>
-          <a:lstStyle/>
-          <a:p>
-            <a:pPr algn="ctr"/>
-            <a:r>
-              <a:rPr lang="vi-VN" sz="1400" dirty="0">
-                <a:latin typeface="Times New Roman" panose="02020603050405020304" pitchFamily="18" charset="0"/>
-                <a:cs typeface="Times New Roman" panose="02020603050405020304" pitchFamily="18" charset="0"/>
-              </a:rPr>
-              <a:t>Thông báo đăng bài thất bại</a:t>
-            </a:r>
-            <a:endParaRPr lang="en-US" sz="1400" dirty="0">
-              <a:latin typeface="Times New Roman" panose="02020603050405020304" pitchFamily="18" charset="0"/>
-              <a:cs typeface="Times New Roman" panose="02020603050405020304" pitchFamily="18" charset="0"/>
-            </a:endParaRPr>
-          </a:p>
-        </p:txBody>
-      </p:sp>
-      <p:sp>
-        <p:nvSpPr>
-          <p:cNvPr id="141" name="Flowchart: Connector 140">
-            <a:extLst>
-              <a:ext uri="{FF2B5EF4-FFF2-40B4-BE49-F238E27FC236}">
-                <a16:creationId xmlns:a16="http://schemas.microsoft.com/office/drawing/2014/main" id="{E27B40AE-00DF-3098-E4A7-794694B5DF72}"/>
-              </a:ext>
-            </a:extLst>
-          </p:cNvPr>
-          <p:cNvSpPr/>
-          <p:nvPr/>
-        </p:nvSpPr>
-        <p:spPr>
-          <a:xfrm>
-            <a:off x="288507" y="5256912"/>
-            <a:ext cx="206828" cy="239485"/>
-          </a:xfrm>
-          <a:prstGeom prst="flowChartConnector">
-            <a:avLst/>
-          </a:prstGeom>
-        </p:spPr>
-        <p:style>
-          <a:lnRef idx="2">
-            <a:schemeClr val="dk1">
-              <a:shade val="15000"/>
-            </a:schemeClr>
-          </a:lnRef>
-          <a:fillRef idx="1">
-            <a:schemeClr val="dk1"/>
-          </a:fillRef>
-          <a:effectRef idx="0">
-            <a:schemeClr val="dk1"/>
-          </a:effectRef>
-          <a:fontRef idx="minor">
-            <a:schemeClr val="lt1"/>
-          </a:fontRef>
-        </p:style>
-        <p:txBody>
-          <a:bodyPr rtlCol="0" anchor="ctr"/>
-          <a:lstStyle/>
-          <a:p>
-            <a:pPr algn="ctr"/>
-            <a:endParaRPr lang="en-US" sz="1400">
-              <a:latin typeface="Times New Roman" panose="02020603050405020304" pitchFamily="18" charset="0"/>
-              <a:cs typeface="Times New Roman" panose="02020603050405020304" pitchFamily="18" charset="0"/>
-            </a:endParaRPr>
-          </a:p>
-        </p:txBody>
-      </p:sp>
-      <p:sp>
-        <p:nvSpPr>
-          <p:cNvPr id="142" name="Flowchart: Decision 141">
-            <a:extLst>
-              <a:ext uri="{FF2B5EF4-FFF2-40B4-BE49-F238E27FC236}">
-                <a16:creationId xmlns:a16="http://schemas.microsoft.com/office/drawing/2014/main" id="{E962C8A3-F04F-8DA1-72D3-A69D01D429B0}"/>
-              </a:ext>
-            </a:extLst>
-          </p:cNvPr>
-          <p:cNvSpPr/>
-          <p:nvPr/>
-        </p:nvSpPr>
-        <p:spPr>
-          <a:xfrm>
-            <a:off x="1606598" y="5277337"/>
-            <a:ext cx="522515" cy="228600"/>
-          </a:xfrm>
-          <a:prstGeom prst="flowChartDecision">
-            <a:avLst/>
-          </a:prstGeom>
-        </p:spPr>
-        <p:style>
-          <a:lnRef idx="2">
-            <a:schemeClr val="accent6"/>
-          </a:lnRef>
-          <a:fillRef idx="1">
-            <a:schemeClr val="lt1"/>
-          </a:fillRef>
-          <a:effectRef idx="0">
-            <a:schemeClr val="accent6"/>
-          </a:effectRef>
-          <a:fontRef idx="minor">
-            <a:schemeClr val="dk1"/>
-          </a:fontRef>
-        </p:style>
-        <p:txBody>
-          <a:bodyPr rtlCol="0" anchor="ctr"/>
-          <a:lstStyle/>
-          <a:p>
-            <a:pPr algn="ctr"/>
-            <a:endParaRPr lang="en-US"/>
-          </a:p>
-        </p:txBody>
-      </p:sp>
-      <p:cxnSp>
-        <p:nvCxnSpPr>
-          <p:cNvPr id="146" name="Straight Arrow Connector 145">
-            <a:extLst>
-              <a:ext uri="{FF2B5EF4-FFF2-40B4-BE49-F238E27FC236}">
-                <a16:creationId xmlns:a16="http://schemas.microsoft.com/office/drawing/2014/main" id="{AE9FCF23-C91D-59B9-00D2-A4AF663727F3}"/>
-              </a:ext>
-            </a:extLst>
-          </p:cNvPr>
-          <p:cNvCxnSpPr>
-            <a:stCxn id="96" idx="2"/>
-            <a:endCxn id="142" idx="0"/>
-          </p:cNvCxnSpPr>
-          <p:nvPr/>
-        </p:nvCxnSpPr>
-        <p:spPr>
-          <a:xfrm flipH="1">
-            <a:off x="1867856" y="4881269"/>
-            <a:ext cx="59397" cy="396068"/>
-          </a:xfrm>
-          <a:prstGeom prst="straightConnector1">
-            <a:avLst/>
-          </a:prstGeom>
-          <a:ln>
-            <a:tailEnd type="triangle"/>
-          </a:ln>
-        </p:spPr>
-        <p:style>
-          <a:lnRef idx="2">
-            <a:schemeClr val="accent1"/>
-          </a:lnRef>
-          <a:fillRef idx="0">
-            <a:schemeClr val="accent1"/>
-          </a:fillRef>
-          <a:effectRef idx="1">
-            <a:schemeClr val="accent1"/>
-          </a:effectRef>
-          <a:fontRef idx="minor">
-            <a:schemeClr val="tx1"/>
-          </a:fontRef>
-        </p:style>
-      </p:cxnSp>
-      <p:cxnSp>
-        <p:nvCxnSpPr>
-          <p:cNvPr id="148" name="Straight Arrow Connector 147">
-            <a:extLst>
-              <a:ext uri="{FF2B5EF4-FFF2-40B4-BE49-F238E27FC236}">
-                <a16:creationId xmlns:a16="http://schemas.microsoft.com/office/drawing/2014/main" id="{3F0E1457-CF26-A056-3955-71D2D93A488B}"/>
-              </a:ext>
-            </a:extLst>
-          </p:cNvPr>
-          <p:cNvCxnSpPr>
-            <a:stCxn id="139" idx="0"/>
-            <a:endCxn id="142" idx="2"/>
-          </p:cNvCxnSpPr>
-          <p:nvPr/>
-        </p:nvCxnSpPr>
-        <p:spPr>
-          <a:xfrm flipH="1" flipV="1">
-            <a:off x="1867856" y="5505937"/>
-            <a:ext cx="59397" cy="356983"/>
-          </a:xfrm>
-          <a:prstGeom prst="straightConnector1">
-            <a:avLst/>
-          </a:prstGeom>
-          <a:ln>
-            <a:tailEnd type="triangle"/>
-          </a:ln>
-        </p:spPr>
-        <p:style>
-          <a:lnRef idx="2">
-            <a:schemeClr val="accent1"/>
-          </a:lnRef>
-          <a:fillRef idx="0">
-            <a:schemeClr val="accent1"/>
-          </a:fillRef>
-          <a:effectRef idx="1">
-            <a:schemeClr val="accent1"/>
-          </a:effectRef>
-          <a:fontRef idx="minor">
-            <a:schemeClr val="tx1"/>
-          </a:fontRef>
-        </p:style>
-      </p:cxnSp>
-      <p:cxnSp>
-        <p:nvCxnSpPr>
-          <p:cNvPr id="150" name="Straight Arrow Connector 149">
-            <a:extLst>
-              <a:ext uri="{FF2B5EF4-FFF2-40B4-BE49-F238E27FC236}">
-                <a16:creationId xmlns:a16="http://schemas.microsoft.com/office/drawing/2014/main" id="{AD7270A2-1903-620E-4EBF-CE684A62346F}"/>
-              </a:ext>
-            </a:extLst>
-          </p:cNvPr>
-          <p:cNvCxnSpPr>
-            <a:cxnSpLocks/>
-            <a:stCxn id="142" idx="1"/>
-            <a:endCxn id="141" idx="6"/>
-          </p:cNvCxnSpPr>
-          <p:nvPr/>
-        </p:nvCxnSpPr>
-        <p:spPr>
-          <a:xfrm flipH="1" flipV="1">
-            <a:off x="495335" y="5376655"/>
-            <a:ext cx="1111263" cy="14982"/>
+          <a:xfrm>
+            <a:off x="7395409" y="4732064"/>
+            <a:ext cx="8061" cy="218507"/>
           </a:xfrm>
           <a:prstGeom prst="straightConnector1">
             <a:avLst/>
@@ -9699,7 +6143,7 @@
     </p:spTree>
     <p:extLst>
       <p:ext uri="{BB962C8B-B14F-4D97-AF65-F5344CB8AC3E}">
-        <p14:creationId xmlns:p14="http://schemas.microsoft.com/office/powerpoint/2010/main" val="1874166197"/>
+        <p14:creationId xmlns:p14="http://schemas.microsoft.com/office/powerpoint/2010/main" val="1985618883"/>
       </p:ext>
     </p:extLst>
   </p:cSld>
@@ -10025,6 +6469,23 @@
 </file>
 
 <file path=customXml/item1.xml><?xml version="1.0" encoding="utf-8"?>
+<?mso-contentType ?>
+<FormTemplates xmlns="http://schemas.microsoft.com/sharepoint/v3/contenttype/forms">
+  <Display>DocumentLibraryForm</Display>
+  <Edit>DocumentLibraryForm</Edit>
+  <New>DocumentLibraryForm</New>
+</FormTemplates>
+</file>
+
+<file path=customXml/item2.xml><?xml version="1.0" encoding="utf-8"?>
+<p:properties xmlns:p="http://schemas.microsoft.com/office/2006/metadata/properties" xmlns:xsi="http://www.w3.org/2001/XMLSchema-instance" xmlns:pc="http://schemas.microsoft.com/office/infopath/2007/PartnerControls">
+  <documentManagement>
+    <_activity xmlns="c80d803b-ee30-4cf1-8997-d5dbef288d47" xsi:nil="true"/>
+  </documentManagement>
+</p:properties>
+</file>
+
+<file path=customXml/item3.xml><?xml version="1.0" encoding="utf-8"?>
 <ct:contentTypeSchema xmlns:ct="http://schemas.microsoft.com/office/2006/metadata/contentType" xmlns:ma="http://schemas.microsoft.com/office/2006/metadata/properties/metaAttributes" ct:_="" ma:_="" ma:contentTypeName="Document" ma:contentTypeID="0x01010091885E8D135CD643938305DEC3E1B53E" ma:contentTypeVersion="15" ma:contentTypeDescription="Create a new document." ma:contentTypeScope="" ma:versionID="a6814ea74d3fb77b5ad977a3843b2846">
   <xsd:schema xmlns:xsd="http://www.w3.org/2001/XMLSchema" xmlns:xs="http://www.w3.org/2001/XMLSchema" xmlns:p="http://schemas.microsoft.com/office/2006/metadata/properties" xmlns:ns3="c80d803b-ee30-4cf1-8997-d5dbef288d47" xmlns:ns4="1c1e4822-5b82-4cb4-a39e-28e929ec74cb" targetNamespace="http://schemas.microsoft.com/office/2006/metadata/properties" ma:root="true" ma:fieldsID="20e89a6ac46c5aeb3e918dc78faa7076" ns3:_="" ns4:_="">
     <xsd:import namespace="c80d803b-ee30-4cf1-8997-d5dbef288d47"/>
@@ -10257,38 +6718,10 @@
 </ct:contentTypeSchema>
 </file>
 
-<file path=customXml/item2.xml><?xml version="1.0" encoding="utf-8"?>
-<p:properties xmlns:p="http://schemas.microsoft.com/office/2006/metadata/properties" xmlns:xsi="http://www.w3.org/2001/XMLSchema-instance" xmlns:pc="http://schemas.microsoft.com/office/infopath/2007/PartnerControls">
-  <documentManagement>
-    <_activity xmlns="c80d803b-ee30-4cf1-8997-d5dbef288d47" xsi:nil="true"/>
-  </documentManagement>
-</p:properties>
-</file>
-
-<file path=customXml/item3.xml><?xml version="1.0" encoding="utf-8"?>
-<?mso-contentType ?>
-<FormTemplates xmlns="http://schemas.microsoft.com/sharepoint/v3/contenttype/forms">
-  <Display>DocumentLibraryForm</Display>
-  <Edit>DocumentLibraryForm</Edit>
-  <New>DocumentLibraryForm</New>
-</FormTemplates>
-</file>
-
 <file path=customXml/itemProps1.xml><?xml version="1.0" encoding="utf-8"?>
-<ds:datastoreItem xmlns:ds="http://schemas.openxmlformats.org/officeDocument/2006/customXml" ds:itemID="{BEEA7200-2846-4DF0-8F54-4E012AB88C86}">
+<ds:datastoreItem xmlns:ds="http://schemas.openxmlformats.org/officeDocument/2006/customXml" ds:itemID="{368385C8-0F30-4715-A3AB-3C95C147C3E9}">
   <ds:schemaRefs>
-    <ds:schemaRef ds:uri="http://schemas.microsoft.com/office/2006/metadata/contentType"/>
-    <ds:schemaRef ds:uri="http://schemas.microsoft.com/office/2006/metadata/properties/metaAttributes"/>
-    <ds:schemaRef ds:uri="http://www.w3.org/2001/XMLSchema"/>
-    <ds:schemaRef ds:uri="http://schemas.microsoft.com/office/2006/metadata/properties"/>
-    <ds:schemaRef ds:uri="c80d803b-ee30-4cf1-8997-d5dbef288d47"/>
-    <ds:schemaRef ds:uri="1c1e4822-5b82-4cb4-a39e-28e929ec74cb"/>
-    <ds:schemaRef ds:uri="http://schemas.microsoft.com/office/2006/documentManagement/types"/>
-    <ds:schemaRef ds:uri="http://schemas.microsoft.com/office/infopath/2007/PartnerControls"/>
-    <ds:schemaRef ds:uri="http://schemas.openxmlformats.org/package/2006/metadata/core-properties"/>
-    <ds:schemaRef ds:uri="http://purl.org/dc/elements/1.1/"/>
-    <ds:schemaRef ds:uri="http://purl.org/dc/terms/"/>
-    <ds:schemaRef ds:uri="http://schemas.microsoft.com/internal/obd"/>
+    <ds:schemaRef ds:uri="http://schemas.microsoft.com/sharepoint/v3/contenttype/forms"/>
   </ds:schemaRefs>
 </ds:datastoreItem>
 </file>
@@ -10311,9 +6744,20 @@
 </file>
 
 <file path=customXml/itemProps3.xml><?xml version="1.0" encoding="utf-8"?>
-<ds:datastoreItem xmlns:ds="http://schemas.openxmlformats.org/officeDocument/2006/customXml" ds:itemID="{368385C8-0F30-4715-A3AB-3C95C147C3E9}">
+<ds:datastoreItem xmlns:ds="http://schemas.openxmlformats.org/officeDocument/2006/customXml" ds:itemID="{BEEA7200-2846-4DF0-8F54-4E012AB88C86}">
   <ds:schemaRefs>
-    <ds:schemaRef ds:uri="http://schemas.microsoft.com/sharepoint/v3/contenttype/forms"/>
+    <ds:schemaRef ds:uri="http://schemas.microsoft.com/office/2006/metadata/contentType"/>
+    <ds:schemaRef ds:uri="http://schemas.microsoft.com/office/2006/metadata/properties/metaAttributes"/>
+    <ds:schemaRef ds:uri="http://www.w3.org/2001/XMLSchema"/>
+    <ds:schemaRef ds:uri="http://schemas.microsoft.com/office/2006/metadata/properties"/>
+    <ds:schemaRef ds:uri="c80d803b-ee30-4cf1-8997-d5dbef288d47"/>
+    <ds:schemaRef ds:uri="1c1e4822-5b82-4cb4-a39e-28e929ec74cb"/>
+    <ds:schemaRef ds:uri="http://schemas.microsoft.com/office/2006/documentManagement/types"/>
+    <ds:schemaRef ds:uri="http://schemas.microsoft.com/office/infopath/2007/PartnerControls"/>
+    <ds:schemaRef ds:uri="http://schemas.openxmlformats.org/package/2006/metadata/core-properties"/>
+    <ds:schemaRef ds:uri="http://purl.org/dc/elements/1.1/"/>
+    <ds:schemaRef ds:uri="http://purl.org/dc/terms/"/>
+    <ds:schemaRef ds:uri="http://schemas.microsoft.com/internal/obd"/>
   </ds:schemaRefs>
 </ds:datastoreItem>
 </file>
--- a/Activity Diagram/AD_group.pptx
+++ b/Activity Diagram/AD_group.pptx
@@ -267,7 +267,7 @@
           <a:p>
             <a:fld id="{AA431702-9E4C-4E97-8392-A5D8F2F0B9DA}" type="datetimeFigureOut">
               <a:rPr lang="en-US" smtClean="0"/>
-              <a:t>5/8/2025</a:t>
+              <a:t>5/10/2025</a:t>
             </a:fld>
             <a:endParaRPr lang="en-US"/>
           </a:p>
@@ -465,7 +465,7 @@
           <a:p>
             <a:fld id="{AA431702-9E4C-4E97-8392-A5D8F2F0B9DA}" type="datetimeFigureOut">
               <a:rPr lang="en-US" smtClean="0"/>
-              <a:t>5/8/2025</a:t>
+              <a:t>5/10/2025</a:t>
             </a:fld>
             <a:endParaRPr lang="en-US"/>
           </a:p>
@@ -673,7 +673,7 @@
           <a:p>
             <a:fld id="{AA431702-9E4C-4E97-8392-A5D8F2F0B9DA}" type="datetimeFigureOut">
               <a:rPr lang="en-US" smtClean="0"/>
-              <a:t>5/8/2025</a:t>
+              <a:t>5/10/2025</a:t>
             </a:fld>
             <a:endParaRPr lang="en-US"/>
           </a:p>
@@ -871,7 +871,7 @@
           <a:p>
             <a:fld id="{AA431702-9E4C-4E97-8392-A5D8F2F0B9DA}" type="datetimeFigureOut">
               <a:rPr lang="en-US" smtClean="0"/>
-              <a:t>5/8/2025</a:t>
+              <a:t>5/10/2025</a:t>
             </a:fld>
             <a:endParaRPr lang="en-US"/>
           </a:p>
@@ -1146,7 +1146,7 @@
           <a:p>
             <a:fld id="{AA431702-9E4C-4E97-8392-A5D8F2F0B9DA}" type="datetimeFigureOut">
               <a:rPr lang="en-US" smtClean="0"/>
-              <a:t>5/8/2025</a:t>
+              <a:t>5/10/2025</a:t>
             </a:fld>
             <a:endParaRPr lang="en-US"/>
           </a:p>
@@ -1411,7 +1411,7 @@
           <a:p>
             <a:fld id="{AA431702-9E4C-4E97-8392-A5D8F2F0B9DA}" type="datetimeFigureOut">
               <a:rPr lang="en-US" smtClean="0"/>
-              <a:t>5/8/2025</a:t>
+              <a:t>5/10/2025</a:t>
             </a:fld>
             <a:endParaRPr lang="en-US"/>
           </a:p>
@@ -1823,7 +1823,7 @@
           <a:p>
             <a:fld id="{AA431702-9E4C-4E97-8392-A5D8F2F0B9DA}" type="datetimeFigureOut">
               <a:rPr lang="en-US" smtClean="0"/>
-              <a:t>5/8/2025</a:t>
+              <a:t>5/10/2025</a:t>
             </a:fld>
             <a:endParaRPr lang="en-US"/>
           </a:p>
@@ -1964,7 +1964,7 @@
           <a:p>
             <a:fld id="{AA431702-9E4C-4E97-8392-A5D8F2F0B9DA}" type="datetimeFigureOut">
               <a:rPr lang="en-US" smtClean="0"/>
-              <a:t>5/8/2025</a:t>
+              <a:t>5/10/2025</a:t>
             </a:fld>
             <a:endParaRPr lang="en-US"/>
           </a:p>
@@ -2077,7 +2077,7 @@
           <a:p>
             <a:fld id="{AA431702-9E4C-4E97-8392-A5D8F2F0B9DA}" type="datetimeFigureOut">
               <a:rPr lang="en-US" smtClean="0"/>
-              <a:t>5/8/2025</a:t>
+              <a:t>5/10/2025</a:t>
             </a:fld>
             <a:endParaRPr lang="en-US"/>
           </a:p>
@@ -2388,7 +2388,7 @@
           <a:p>
             <a:fld id="{AA431702-9E4C-4E97-8392-A5D8F2F0B9DA}" type="datetimeFigureOut">
               <a:rPr lang="en-US" smtClean="0"/>
-              <a:t>5/8/2025</a:t>
+              <a:t>5/10/2025</a:t>
             </a:fld>
             <a:endParaRPr lang="en-US"/>
           </a:p>
@@ -2676,7 +2676,7 @@
           <a:p>
             <a:fld id="{AA431702-9E4C-4E97-8392-A5D8F2F0B9DA}" type="datetimeFigureOut">
               <a:rPr lang="en-US" smtClean="0"/>
-              <a:t>5/8/2025</a:t>
+              <a:t>5/10/2025</a:t>
             </a:fld>
             <a:endParaRPr lang="en-US"/>
           </a:p>
@@ -2917,7 +2917,7 @@
           <a:p>
             <a:fld id="{AA431702-9E4C-4E97-8392-A5D8F2F0B9DA}" type="datetimeFigureOut">
               <a:rPr lang="en-US" smtClean="0"/>
-              <a:t>5/8/2025</a:t>
+              <a:t>5/10/2025</a:t>
             </a:fld>
             <a:endParaRPr lang="en-US"/>
           </a:p>
@@ -4106,10 +4106,10 @@
       </p:sp>
       <p:sp>
         <p:nvSpPr>
-          <p:cNvPr id="25" name="Rectangle: Rounded Corners 24">
-            <a:extLst>
-              <a:ext uri="{FF2B5EF4-FFF2-40B4-BE49-F238E27FC236}">
-                <a16:creationId xmlns:a16="http://schemas.microsoft.com/office/drawing/2014/main" id="{28F4A98C-7356-10D7-9E84-838762F58AE5}"/>
+          <p:cNvPr id="27" name="Rectangle: Rounded Corners 26">
+            <a:extLst>
+              <a:ext uri="{FF2B5EF4-FFF2-40B4-BE49-F238E27FC236}">
+                <a16:creationId xmlns:a16="http://schemas.microsoft.com/office/drawing/2014/main" id="{0ADE601C-36EF-1869-29F0-8D4D584EBAEA}"/>
               </a:ext>
             </a:extLst>
           </p:cNvPr>
@@ -4118,8 +4118,8 @@
         </p:nvSpPr>
         <p:spPr>
           <a:xfrm>
-            <a:off x="6700330" y="4950571"/>
-            <a:ext cx="1406279" cy="381000"/>
+            <a:off x="9189553" y="3901478"/>
+            <a:ext cx="1948543" cy="381000"/>
           </a:xfrm>
           <a:prstGeom prst="roundRect">
             <a:avLst/>
@@ -4149,7 +4149,7 @@
                 <a:latin typeface="Times New Roman" panose="02020603050405020304" pitchFamily="18" charset="0"/>
                 <a:cs typeface="Times New Roman" panose="02020603050405020304" pitchFamily="18" charset="0"/>
               </a:rPr>
-              <a:t>Tạo yêu cầu tham gia</a:t>
+              <a:t>Mở trang duyệt yêu cầu</a:t>
             </a:r>
             <a:endParaRPr lang="en-US" sz="1400" dirty="0">
               <a:latin typeface="Times New Roman" panose="02020603050405020304" pitchFamily="18" charset="0"/>
@@ -4160,10 +4160,10 @@
       </p:sp>
       <p:sp>
         <p:nvSpPr>
-          <p:cNvPr id="27" name="Rectangle: Rounded Corners 26">
-            <a:extLst>
-              <a:ext uri="{FF2B5EF4-FFF2-40B4-BE49-F238E27FC236}">
-                <a16:creationId xmlns:a16="http://schemas.microsoft.com/office/drawing/2014/main" id="{0ADE601C-36EF-1869-29F0-8D4D584EBAEA}"/>
+          <p:cNvPr id="28" name="Flowchart: Decision 27">
+            <a:extLst>
+              <a:ext uri="{FF2B5EF4-FFF2-40B4-BE49-F238E27FC236}">
+                <a16:creationId xmlns:a16="http://schemas.microsoft.com/office/drawing/2014/main" id="{0799C5EF-0446-8302-4E0B-AE5DDC02844A}"/>
               </a:ext>
             </a:extLst>
           </p:cNvPr>
@@ -4171,11 +4171,11 @@
           <p:nvPr/>
         </p:nvSpPr>
         <p:spPr>
-          <a:xfrm>
-            <a:off x="9189553" y="3901478"/>
-            <a:ext cx="1948543" cy="381000"/>
-          </a:xfrm>
-          <a:prstGeom prst="roundRect">
+          <a:xfrm flipV="1">
+            <a:off x="9933208" y="4759961"/>
+            <a:ext cx="522515" cy="264240"/>
+          </a:xfrm>
+          <a:prstGeom prst="flowChartDecision">
             <a:avLst/>
           </a:prstGeom>
         </p:spPr>
@@ -4198,26 +4198,16 @@
           <a:lstStyle/>
           <a:p>
             <a:pPr algn="ctr"/>
-            <a:r>
-              <a:rPr lang="vi-VN" sz="1400" dirty="0">
-                <a:latin typeface="Times New Roman" panose="02020603050405020304" pitchFamily="18" charset="0"/>
-                <a:cs typeface="Times New Roman" panose="02020603050405020304" pitchFamily="18" charset="0"/>
-              </a:rPr>
-              <a:t>Mở trang duyệt yêu cầu</a:t>
-            </a:r>
-            <a:endParaRPr lang="en-US" sz="1400" dirty="0">
-              <a:latin typeface="Times New Roman" panose="02020603050405020304" pitchFamily="18" charset="0"/>
-              <a:cs typeface="Times New Roman" panose="02020603050405020304" pitchFamily="18" charset="0"/>
-            </a:endParaRPr>
-          </a:p>
-        </p:txBody>
-      </p:sp>
-      <p:sp>
-        <p:nvSpPr>
-          <p:cNvPr id="28" name="Flowchart: Decision 27">
-            <a:extLst>
-              <a:ext uri="{FF2B5EF4-FFF2-40B4-BE49-F238E27FC236}">
-                <a16:creationId xmlns:a16="http://schemas.microsoft.com/office/drawing/2014/main" id="{0799C5EF-0446-8302-4E0B-AE5DDC02844A}"/>
+            <a:endParaRPr lang="en-US"/>
+          </a:p>
+        </p:txBody>
+      </p:sp>
+      <p:sp>
+        <p:nvSpPr>
+          <p:cNvPr id="30" name="Rectangle: Rounded Corners 29">
+            <a:extLst>
+              <a:ext uri="{FF2B5EF4-FFF2-40B4-BE49-F238E27FC236}">
+                <a16:creationId xmlns:a16="http://schemas.microsoft.com/office/drawing/2014/main" id="{64308BB6-E9AC-457E-02A6-DC06B9A7764E}"/>
               </a:ext>
             </a:extLst>
           </p:cNvPr>
@@ -4225,11 +4215,11 @@
           <p:nvPr/>
         </p:nvSpPr>
         <p:spPr>
-          <a:xfrm flipV="1">
-            <a:off x="9933208" y="4759961"/>
-            <a:ext cx="522515" cy="264240"/>
-          </a:xfrm>
-          <a:prstGeom prst="flowChartDecision">
+          <a:xfrm>
+            <a:off x="8197449" y="5470465"/>
+            <a:ext cx="1094013" cy="381000"/>
+          </a:xfrm>
+          <a:prstGeom prst="roundRect">
             <a:avLst/>
           </a:prstGeom>
         </p:spPr>
@@ -4252,16 +4242,26 @@
           <a:lstStyle/>
           <a:p>
             <a:pPr algn="ctr"/>
-            <a:endParaRPr lang="en-US"/>
-          </a:p>
-        </p:txBody>
-      </p:sp>
-      <p:sp>
-        <p:nvSpPr>
-          <p:cNvPr id="30" name="Rectangle: Rounded Corners 29">
-            <a:extLst>
-              <a:ext uri="{FF2B5EF4-FFF2-40B4-BE49-F238E27FC236}">
-                <a16:creationId xmlns:a16="http://schemas.microsoft.com/office/drawing/2014/main" id="{64308BB6-E9AC-457E-02A6-DC06B9A7764E}"/>
+            <a:r>
+              <a:rPr lang="vi-VN" sz="1400" dirty="0">
+                <a:latin typeface="Times New Roman" panose="02020603050405020304" pitchFamily="18" charset="0"/>
+                <a:cs typeface="Times New Roman" panose="02020603050405020304" pitchFamily="18" charset="0"/>
+              </a:rPr>
+              <a:t>Chấp nhận</a:t>
+            </a:r>
+            <a:endParaRPr lang="en-US" sz="1400" dirty="0">
+              <a:latin typeface="Times New Roman" panose="02020603050405020304" pitchFamily="18" charset="0"/>
+              <a:cs typeface="Times New Roman" panose="02020603050405020304" pitchFamily="18" charset="0"/>
+            </a:endParaRPr>
+          </a:p>
+        </p:txBody>
+      </p:sp>
+      <p:sp>
+        <p:nvSpPr>
+          <p:cNvPr id="33" name="Rectangle: Rounded Corners 32">
+            <a:extLst>
+              <a:ext uri="{FF2B5EF4-FFF2-40B4-BE49-F238E27FC236}">
+                <a16:creationId xmlns:a16="http://schemas.microsoft.com/office/drawing/2014/main" id="{C4D47FF1-6893-28B4-71B7-4F16FA542717}"/>
               </a:ext>
             </a:extLst>
           </p:cNvPr>
@@ -4270,7 +4270,7 @@
         </p:nvSpPr>
         <p:spPr>
           <a:xfrm>
-            <a:off x="8197449" y="5470465"/>
+            <a:off x="9647460" y="5489828"/>
             <a:ext cx="1094013" cy="381000"/>
           </a:xfrm>
           <a:prstGeom prst="roundRect">
@@ -4301,7 +4301,7 @@
                 <a:latin typeface="Times New Roman" panose="02020603050405020304" pitchFamily="18" charset="0"/>
                 <a:cs typeface="Times New Roman" panose="02020603050405020304" pitchFamily="18" charset="0"/>
               </a:rPr>
-              <a:t>Chấp nhận</a:t>
+              <a:t>Từ chối</a:t>
             </a:r>
             <a:endParaRPr lang="en-US" sz="1400" dirty="0">
               <a:latin typeface="Times New Roman" panose="02020603050405020304" pitchFamily="18" charset="0"/>
@@ -4312,10 +4312,10 @@
       </p:sp>
       <p:sp>
         <p:nvSpPr>
-          <p:cNvPr id="33" name="Rectangle: Rounded Corners 32">
-            <a:extLst>
-              <a:ext uri="{FF2B5EF4-FFF2-40B4-BE49-F238E27FC236}">
-                <a16:creationId xmlns:a16="http://schemas.microsoft.com/office/drawing/2014/main" id="{C4D47FF1-6893-28B4-71B7-4F16FA542717}"/>
+          <p:cNvPr id="34" name="Rectangle: Rounded Corners 33">
+            <a:extLst>
+              <a:ext uri="{FF2B5EF4-FFF2-40B4-BE49-F238E27FC236}">
+                <a16:creationId xmlns:a16="http://schemas.microsoft.com/office/drawing/2014/main" id="{F51A18B9-6C0C-4B2D-C45D-F406CD11CBE1}"/>
               </a:ext>
             </a:extLst>
           </p:cNvPr>
@@ -4324,7 +4324,7 @@
         </p:nvSpPr>
         <p:spPr>
           <a:xfrm>
-            <a:off x="9647460" y="5489828"/>
+            <a:off x="11097987" y="5470465"/>
             <a:ext cx="1094013" cy="381000"/>
           </a:xfrm>
           <a:prstGeom prst="roundRect">
@@ -4355,7 +4355,7 @@
                 <a:latin typeface="Times New Roman" panose="02020603050405020304" pitchFamily="18" charset="0"/>
                 <a:cs typeface="Times New Roman" panose="02020603050405020304" pitchFamily="18" charset="0"/>
               </a:rPr>
-              <a:t>Từ chối</a:t>
+              <a:t>Không phản hồi</a:t>
             </a:r>
             <a:endParaRPr lang="en-US" sz="1400" dirty="0">
               <a:latin typeface="Times New Roman" panose="02020603050405020304" pitchFamily="18" charset="0"/>
@@ -4366,10 +4366,10 @@
       </p:sp>
       <p:sp>
         <p:nvSpPr>
-          <p:cNvPr id="34" name="Rectangle: Rounded Corners 33">
-            <a:extLst>
-              <a:ext uri="{FF2B5EF4-FFF2-40B4-BE49-F238E27FC236}">
-                <a16:creationId xmlns:a16="http://schemas.microsoft.com/office/drawing/2014/main" id="{F51A18B9-6C0C-4B2D-C45D-F406CD11CBE1}"/>
+          <p:cNvPr id="36" name="Rectangle: Rounded Corners 35">
+            <a:extLst>
+              <a:ext uri="{FF2B5EF4-FFF2-40B4-BE49-F238E27FC236}">
+                <a16:creationId xmlns:a16="http://schemas.microsoft.com/office/drawing/2014/main" id="{BBF1AEA3-E633-43EE-7943-2FDC3B34AA68}"/>
               </a:ext>
             </a:extLst>
           </p:cNvPr>
@@ -4378,8 +4378,8 @@
         </p:nvSpPr>
         <p:spPr>
           <a:xfrm>
-            <a:off x="11097987" y="5470465"/>
-            <a:ext cx="1094013" cy="381000"/>
+            <a:off x="2650439" y="5124182"/>
+            <a:ext cx="1331800" cy="858483"/>
           </a:xfrm>
           <a:prstGeom prst="roundRect">
             <a:avLst/>
@@ -4409,7 +4409,7 @@
                 <a:latin typeface="Times New Roman" panose="02020603050405020304" pitchFamily="18" charset="0"/>
                 <a:cs typeface="Times New Roman" panose="02020603050405020304" pitchFamily="18" charset="0"/>
               </a:rPr>
-              <a:t>Không phản hồi</a:t>
+              <a:t>Thông báo thêm người dùng thành công</a:t>
             </a:r>
             <a:endParaRPr lang="en-US" sz="1400" dirty="0">
               <a:latin typeface="Times New Roman" panose="02020603050405020304" pitchFamily="18" charset="0"/>
@@ -4420,10 +4420,10 @@
       </p:sp>
       <p:sp>
         <p:nvSpPr>
-          <p:cNvPr id="36" name="Rectangle: Rounded Corners 35">
-            <a:extLst>
-              <a:ext uri="{FF2B5EF4-FFF2-40B4-BE49-F238E27FC236}">
-                <a16:creationId xmlns:a16="http://schemas.microsoft.com/office/drawing/2014/main" id="{BBF1AEA3-E633-43EE-7943-2FDC3B34AA68}"/>
+          <p:cNvPr id="37" name="Rectangle: Rounded Corners 36">
+            <a:extLst>
+              <a:ext uri="{FF2B5EF4-FFF2-40B4-BE49-F238E27FC236}">
+                <a16:creationId xmlns:a16="http://schemas.microsoft.com/office/drawing/2014/main" id="{80361E63-22F9-20E6-8EE2-DB278C316B88}"/>
               </a:ext>
             </a:extLst>
           </p:cNvPr>
@@ -4432,7 +4432,7 @@
         </p:nvSpPr>
         <p:spPr>
           <a:xfrm>
-            <a:off x="2650439" y="5124182"/>
+            <a:off x="12134" y="5124182"/>
             <a:ext cx="1331800" cy="858483"/>
           </a:xfrm>
           <a:prstGeom prst="roundRect">
@@ -4463,60 +4463,6 @@
                 <a:latin typeface="Times New Roman" panose="02020603050405020304" pitchFamily="18" charset="0"/>
                 <a:cs typeface="Times New Roman" panose="02020603050405020304" pitchFamily="18" charset="0"/>
               </a:rPr>
-              <a:t>Thông báo thêm người dùng thành công</a:t>
-            </a:r>
-            <a:endParaRPr lang="en-US" sz="1400" dirty="0">
-              <a:latin typeface="Times New Roman" panose="02020603050405020304" pitchFamily="18" charset="0"/>
-              <a:cs typeface="Times New Roman" panose="02020603050405020304" pitchFamily="18" charset="0"/>
-            </a:endParaRPr>
-          </a:p>
-        </p:txBody>
-      </p:sp>
-      <p:sp>
-        <p:nvSpPr>
-          <p:cNvPr id="37" name="Rectangle: Rounded Corners 36">
-            <a:extLst>
-              <a:ext uri="{FF2B5EF4-FFF2-40B4-BE49-F238E27FC236}">
-                <a16:creationId xmlns:a16="http://schemas.microsoft.com/office/drawing/2014/main" id="{80361E63-22F9-20E6-8EE2-DB278C316B88}"/>
-              </a:ext>
-            </a:extLst>
-          </p:cNvPr>
-          <p:cNvSpPr/>
-          <p:nvPr/>
-        </p:nvSpPr>
-        <p:spPr>
-          <a:xfrm>
-            <a:off x="12134" y="5124182"/>
-            <a:ext cx="1331800" cy="858483"/>
-          </a:xfrm>
-          <a:prstGeom prst="roundRect">
-            <a:avLst/>
-          </a:prstGeom>
-        </p:spPr>
-        <p:style>
-          <a:lnRef idx="2">
-            <a:schemeClr val="accent6"/>
-          </a:lnRef>
-          <a:fillRef idx="1">
-            <a:schemeClr val="lt1"/>
-          </a:fillRef>
-          <a:effectRef idx="0">
-            <a:schemeClr val="accent6"/>
-          </a:effectRef>
-          <a:fontRef idx="minor">
-            <a:schemeClr val="dk1"/>
-          </a:fontRef>
-        </p:style>
-        <p:txBody>
-          <a:bodyPr rtlCol="0" anchor="ctr"/>
-          <a:lstStyle/>
-          <a:p>
-            <a:pPr algn="ctr"/>
-            <a:r>
-              <a:rPr lang="vi-VN" sz="1400" dirty="0">
-                <a:latin typeface="Times New Roman" panose="02020603050405020304" pitchFamily="18" charset="0"/>
-                <a:cs typeface="Times New Roman" panose="02020603050405020304" pitchFamily="18" charset="0"/>
-              </a:rPr>
               <a:t>Thông báo thêm người dùng thất bại</a:t>
             </a:r>
             <a:endParaRPr lang="en-US" sz="1400" dirty="0">
@@ -4872,15 +4818,16 @@
             </a:extLst>
           </p:cNvPr>
           <p:cNvCxnSpPr>
-            <a:stCxn id="25" idx="3"/>
+            <a:cxnSpLocks/>
+            <a:stCxn id="5" idx="3"/>
             <a:endCxn id="27" idx="1"/>
           </p:cNvCxnSpPr>
           <p:nvPr/>
         </p:nvCxnSpPr>
         <p:spPr>
           <a:xfrm flipV="1">
-            <a:off x="8106609" y="4091978"/>
-            <a:ext cx="1082944" cy="1049093"/>
+            <a:off x="8192918" y="4091978"/>
+            <a:ext cx="996635" cy="1051961"/>
           </a:xfrm>
           <a:prstGeom prst="straightConnector1">
             <a:avLst/>
@@ -5803,14 +5750,13 @@
           </p:cNvPr>
           <p:cNvCxnSpPr>
             <a:cxnSpLocks/>
-            <a:endCxn id="72" idx="0"/>
           </p:cNvCxnSpPr>
           <p:nvPr/>
         </p:nvCxnSpPr>
         <p:spPr>
-          <a:xfrm flipH="1">
-            <a:off x="7395409" y="3974315"/>
-            <a:ext cx="8061" cy="529149"/>
+          <a:xfrm>
+            <a:off x="7403470" y="3974315"/>
+            <a:ext cx="0" cy="413478"/>
           </a:xfrm>
           <a:prstGeom prst="straightConnector1">
             <a:avLst/>
@@ -6013,12 +5959,55 @@
           </a:p>
         </p:txBody>
       </p:sp>
-      <p:sp>
-        <p:nvSpPr>
-          <p:cNvPr id="72" name="Flowchart: Decision 71">
-            <a:extLst>
-              <a:ext uri="{FF2B5EF4-FFF2-40B4-BE49-F238E27FC236}">
-                <a16:creationId xmlns:a16="http://schemas.microsoft.com/office/drawing/2014/main" id="{591A14E2-F8E9-6041-057E-50B061DA8DC8}"/>
+      <p:cxnSp>
+        <p:nvCxnSpPr>
+          <p:cNvPr id="76" name="Straight Arrow Connector 75">
+            <a:extLst>
+              <a:ext uri="{FF2B5EF4-FFF2-40B4-BE49-F238E27FC236}">
+                <a16:creationId xmlns:a16="http://schemas.microsoft.com/office/drawing/2014/main" id="{C4517C2B-E8A9-B63F-ABA4-3C5ABB7FA9AC}"/>
+              </a:ext>
+            </a:extLst>
+          </p:cNvPr>
+          <p:cNvCxnSpPr>
+            <a:cxnSpLocks/>
+            <a:stCxn id="3" idx="2"/>
+            <a:endCxn id="32" idx="1"/>
+          </p:cNvCxnSpPr>
+          <p:nvPr/>
+        </p:nvCxnSpPr>
+        <p:spPr>
+          <a:xfrm>
+            <a:off x="2938276" y="4028313"/>
+            <a:ext cx="4228018" cy="509479"/>
+          </a:xfrm>
+          <a:prstGeom prst="straightConnector1">
+            <a:avLst/>
+          </a:prstGeom>
+          <a:ln>
+            <a:tailEnd type="triangle"/>
+          </a:ln>
+        </p:spPr>
+        <p:style>
+          <a:lnRef idx="2">
+            <a:schemeClr val="accent1"/>
+          </a:lnRef>
+          <a:fillRef idx="0">
+            <a:schemeClr val="accent1"/>
+          </a:fillRef>
+          <a:effectRef idx="1">
+            <a:schemeClr val="accent1"/>
+          </a:effectRef>
+          <a:fontRef idx="minor">
+            <a:schemeClr val="tx1"/>
+          </a:fontRef>
+        </p:style>
+      </p:cxnSp>
+      <p:sp>
+        <p:nvSpPr>
+          <p:cNvPr id="32" name="Flowchart: Decision 31">
+            <a:extLst>
+              <a:ext uri="{FF2B5EF4-FFF2-40B4-BE49-F238E27FC236}">
+                <a16:creationId xmlns:a16="http://schemas.microsoft.com/office/drawing/2014/main" id="{22BDBE44-945C-A2D0-EEC2-9CBDFF922815}"/>
               </a:ext>
             </a:extLst>
           </p:cNvPr>
@@ -6027,7 +6016,7 @@
         </p:nvSpPr>
         <p:spPr>
           <a:xfrm>
-            <a:off x="7134151" y="4503464"/>
+            <a:off x="7166294" y="4423492"/>
             <a:ext cx="522515" cy="228600"/>
           </a:xfrm>
           <a:prstGeom prst="flowChartDecision">
@@ -6057,66 +6046,79 @@
           </a:p>
         </p:txBody>
       </p:sp>
+      <p:sp>
+        <p:nvSpPr>
+          <p:cNvPr id="5" name="Rectangle: Rounded Corners 4">
+            <a:extLst>
+              <a:ext uri="{FF2B5EF4-FFF2-40B4-BE49-F238E27FC236}">
+                <a16:creationId xmlns:a16="http://schemas.microsoft.com/office/drawing/2014/main" id="{9B30CD53-49EA-6CA9-A9DA-0FD3186DBBAF}"/>
+              </a:ext>
+            </a:extLst>
+          </p:cNvPr>
+          <p:cNvSpPr/>
+          <p:nvPr/>
+        </p:nvSpPr>
+        <p:spPr>
+          <a:xfrm>
+            <a:off x="6786639" y="4953439"/>
+            <a:ext cx="1406279" cy="381000"/>
+          </a:xfrm>
+          <a:prstGeom prst="roundRect">
+            <a:avLst/>
+          </a:prstGeom>
+        </p:spPr>
+        <p:style>
+          <a:lnRef idx="2">
+            <a:schemeClr val="accent6"/>
+          </a:lnRef>
+          <a:fillRef idx="1">
+            <a:schemeClr val="lt1"/>
+          </a:fillRef>
+          <a:effectRef idx="0">
+            <a:schemeClr val="accent6"/>
+          </a:effectRef>
+          <a:fontRef idx="minor">
+            <a:schemeClr val="dk1"/>
+          </a:fontRef>
+        </p:style>
+        <p:txBody>
+          <a:bodyPr rtlCol="0" anchor="ctr"/>
+          <a:lstStyle/>
+          <a:p>
+            <a:pPr algn="ctr"/>
+            <a:r>
+              <a:rPr lang="vi-VN" sz="1400" dirty="0">
+                <a:latin typeface="Times New Roman" panose="02020603050405020304" pitchFamily="18" charset="0"/>
+                <a:cs typeface="Times New Roman" panose="02020603050405020304" pitchFamily="18" charset="0"/>
+              </a:rPr>
+              <a:t>Yêu cầu tham gia</a:t>
+            </a:r>
+            <a:endParaRPr lang="en-US" sz="1400" dirty="0">
+              <a:latin typeface="Times New Roman" panose="02020603050405020304" pitchFamily="18" charset="0"/>
+              <a:cs typeface="Times New Roman" panose="02020603050405020304" pitchFamily="18" charset="0"/>
+            </a:endParaRPr>
+          </a:p>
+        </p:txBody>
+      </p:sp>
       <p:cxnSp>
         <p:nvCxnSpPr>
-          <p:cNvPr id="76" name="Straight Arrow Connector 75">
-            <a:extLst>
-              <a:ext uri="{FF2B5EF4-FFF2-40B4-BE49-F238E27FC236}">
-                <a16:creationId xmlns:a16="http://schemas.microsoft.com/office/drawing/2014/main" id="{C4517C2B-E8A9-B63F-ABA4-3C5ABB7FA9AC}"/>
+          <p:cNvPr id="7" name="Straight Arrow Connector 6">
+            <a:extLst>
+              <a:ext uri="{FF2B5EF4-FFF2-40B4-BE49-F238E27FC236}">
+                <a16:creationId xmlns:a16="http://schemas.microsoft.com/office/drawing/2014/main" id="{ACB73226-E723-93F3-BB17-6F26BD3A89F1}"/>
               </a:ext>
             </a:extLst>
           </p:cNvPr>
           <p:cNvCxnSpPr>
-            <a:stCxn id="3" idx="2"/>
+            <a:cxnSpLocks/>
+            <a:endCxn id="5" idx="0"/>
           </p:cNvCxnSpPr>
           <p:nvPr/>
         </p:nvCxnSpPr>
         <p:spPr>
           <a:xfrm>
-            <a:off x="2938276" y="4028313"/>
-            <a:ext cx="4195875" cy="588080"/>
-          </a:xfrm>
-          <a:prstGeom prst="straightConnector1">
-            <a:avLst/>
-          </a:prstGeom>
-          <a:ln>
-            <a:tailEnd type="triangle"/>
-          </a:ln>
-        </p:spPr>
-        <p:style>
-          <a:lnRef idx="2">
-            <a:schemeClr val="accent1"/>
-          </a:lnRef>
-          <a:fillRef idx="0">
-            <a:schemeClr val="accent1"/>
-          </a:fillRef>
-          <a:effectRef idx="1">
-            <a:schemeClr val="accent1"/>
-          </a:effectRef>
-          <a:fontRef idx="minor">
-            <a:schemeClr val="tx1"/>
-          </a:fontRef>
-        </p:style>
-      </p:cxnSp>
-      <p:cxnSp>
-        <p:nvCxnSpPr>
-          <p:cNvPr id="81" name="Straight Arrow Connector 80">
-            <a:extLst>
-              <a:ext uri="{FF2B5EF4-FFF2-40B4-BE49-F238E27FC236}">
-                <a16:creationId xmlns:a16="http://schemas.microsoft.com/office/drawing/2014/main" id="{F36D26AF-5EF2-AE6D-A06E-670904FBBAFC}"/>
-              </a:ext>
-            </a:extLst>
-          </p:cNvPr>
-          <p:cNvCxnSpPr>
-            <a:stCxn id="72" idx="2"/>
-            <a:endCxn id="25" idx="0"/>
-          </p:cNvCxnSpPr>
-          <p:nvPr/>
-        </p:nvCxnSpPr>
-        <p:spPr>
-          <a:xfrm>
-            <a:off x="7395409" y="4732064"/>
-            <a:ext cx="8061" cy="218507"/>
+            <a:off x="7427551" y="4652092"/>
+            <a:ext cx="62228" cy="301347"/>
           </a:xfrm>
           <a:prstGeom prst="straightConnector1">
             <a:avLst/>

--- a/Activity Diagram/AD_group.pptx
+++ b/Activity Diagram/AD_group.pptx
@@ -267,7 +267,7 @@
           <a:p>
             <a:fld id="{AA431702-9E4C-4E97-8392-A5D8F2F0B9DA}" type="datetimeFigureOut">
               <a:rPr lang="en-US" smtClean="0"/>
-              <a:t>5/10/2025</a:t>
+              <a:t>5/17/2025</a:t>
             </a:fld>
             <a:endParaRPr lang="en-US"/>
           </a:p>
@@ -465,7 +465,7 @@
           <a:p>
             <a:fld id="{AA431702-9E4C-4E97-8392-A5D8F2F0B9DA}" type="datetimeFigureOut">
               <a:rPr lang="en-US" smtClean="0"/>
-              <a:t>5/10/2025</a:t>
+              <a:t>5/17/2025</a:t>
             </a:fld>
             <a:endParaRPr lang="en-US"/>
           </a:p>
@@ -673,7 +673,7 @@
           <a:p>
             <a:fld id="{AA431702-9E4C-4E97-8392-A5D8F2F0B9DA}" type="datetimeFigureOut">
               <a:rPr lang="en-US" smtClean="0"/>
-              <a:t>5/10/2025</a:t>
+              <a:t>5/17/2025</a:t>
             </a:fld>
             <a:endParaRPr lang="en-US"/>
           </a:p>
@@ -871,7 +871,7 @@
           <a:p>
             <a:fld id="{AA431702-9E4C-4E97-8392-A5D8F2F0B9DA}" type="datetimeFigureOut">
               <a:rPr lang="en-US" smtClean="0"/>
-              <a:t>5/10/2025</a:t>
+              <a:t>5/17/2025</a:t>
             </a:fld>
             <a:endParaRPr lang="en-US"/>
           </a:p>
@@ -1146,7 +1146,7 @@
           <a:p>
             <a:fld id="{AA431702-9E4C-4E97-8392-A5D8F2F0B9DA}" type="datetimeFigureOut">
               <a:rPr lang="en-US" smtClean="0"/>
-              <a:t>5/10/2025</a:t>
+              <a:t>5/17/2025</a:t>
             </a:fld>
             <a:endParaRPr lang="en-US"/>
           </a:p>
@@ -1411,7 +1411,7 @@
           <a:p>
             <a:fld id="{AA431702-9E4C-4E97-8392-A5D8F2F0B9DA}" type="datetimeFigureOut">
               <a:rPr lang="en-US" smtClean="0"/>
-              <a:t>5/10/2025</a:t>
+              <a:t>5/17/2025</a:t>
             </a:fld>
             <a:endParaRPr lang="en-US"/>
           </a:p>
@@ -1823,7 +1823,7 @@
           <a:p>
             <a:fld id="{AA431702-9E4C-4E97-8392-A5D8F2F0B9DA}" type="datetimeFigureOut">
               <a:rPr lang="en-US" smtClean="0"/>
-              <a:t>5/10/2025</a:t>
+              <a:t>5/17/2025</a:t>
             </a:fld>
             <a:endParaRPr lang="en-US"/>
           </a:p>
@@ -1964,7 +1964,7 @@
           <a:p>
             <a:fld id="{AA431702-9E4C-4E97-8392-A5D8F2F0B9DA}" type="datetimeFigureOut">
               <a:rPr lang="en-US" smtClean="0"/>
-              <a:t>5/10/2025</a:t>
+              <a:t>5/17/2025</a:t>
             </a:fld>
             <a:endParaRPr lang="en-US"/>
           </a:p>
@@ -2077,7 +2077,7 @@
           <a:p>
             <a:fld id="{AA431702-9E4C-4E97-8392-A5D8F2F0B9DA}" type="datetimeFigureOut">
               <a:rPr lang="en-US" smtClean="0"/>
-              <a:t>5/10/2025</a:t>
+              <a:t>5/17/2025</a:t>
             </a:fld>
             <a:endParaRPr lang="en-US"/>
           </a:p>
@@ -2388,7 +2388,7 @@
           <a:p>
             <a:fld id="{AA431702-9E4C-4E97-8392-A5D8F2F0B9DA}" type="datetimeFigureOut">
               <a:rPr lang="en-US" smtClean="0"/>
-              <a:t>5/10/2025</a:t>
+              <a:t>5/17/2025</a:t>
             </a:fld>
             <a:endParaRPr lang="en-US"/>
           </a:p>
@@ -2676,7 +2676,7 @@
           <a:p>
             <a:fld id="{AA431702-9E4C-4E97-8392-A5D8F2F0B9DA}" type="datetimeFigureOut">
               <a:rPr lang="en-US" smtClean="0"/>
-              <a:t>5/10/2025</a:t>
+              <a:t>5/17/2025</a:t>
             </a:fld>
             <a:endParaRPr lang="en-US"/>
           </a:p>
@@ -2917,7 +2917,7 @@
           <a:p>
             <a:fld id="{AA431702-9E4C-4E97-8392-A5D8F2F0B9DA}" type="datetimeFigureOut">
               <a:rPr lang="en-US" smtClean="0"/>
-              <a:t>5/10/2025</a:t>
+              <a:t>5/17/2025</a:t>
             </a:fld>
             <a:endParaRPr lang="en-US"/>
           </a:p>
@@ -3607,7 +3607,7 @@
         </p:nvSpPr>
         <p:spPr>
           <a:xfrm>
-            <a:off x="3978719" y="1001272"/>
+            <a:off x="3975305" y="988885"/>
             <a:ext cx="4201889" cy="5867400"/>
           </a:xfrm>
           <a:prstGeom prst="rect">
@@ -4216,7 +4216,7 @@
         </p:nvSpPr>
         <p:spPr>
           <a:xfrm>
-            <a:off x="8197449" y="5470465"/>
+            <a:off x="8177697" y="5797275"/>
             <a:ext cx="1094013" cy="381000"/>
           </a:xfrm>
           <a:prstGeom prst="roundRect">
@@ -4270,7 +4270,7 @@
         </p:nvSpPr>
         <p:spPr>
           <a:xfrm>
-            <a:off x="9647460" y="5489828"/>
+            <a:off x="9627708" y="5816638"/>
             <a:ext cx="1094013" cy="381000"/>
           </a:xfrm>
           <a:prstGeom prst="roundRect">
@@ -4324,7 +4324,7 @@
         </p:nvSpPr>
         <p:spPr>
           <a:xfrm>
-            <a:off x="11097987" y="5470465"/>
+            <a:off x="11078235" y="5797275"/>
             <a:ext cx="1094013" cy="381000"/>
           </a:xfrm>
           <a:prstGeom prst="roundRect">
@@ -4784,50 +4784,7 @@
         <p:spPr>
           <a:xfrm>
             <a:off x="4741180" y="3409949"/>
-            <a:ext cx="76446" cy="2136716"/>
-          </a:xfrm>
-          <a:prstGeom prst="straightConnector1">
-            <a:avLst/>
-          </a:prstGeom>
-          <a:ln>
-            <a:tailEnd type="triangle"/>
-          </a:ln>
-        </p:spPr>
-        <p:style>
-          <a:lnRef idx="2">
-            <a:schemeClr val="accent1"/>
-          </a:lnRef>
-          <a:fillRef idx="0">
-            <a:schemeClr val="accent1"/>
-          </a:fillRef>
-          <a:effectRef idx="1">
-            <a:schemeClr val="accent1"/>
-          </a:effectRef>
-          <a:fontRef idx="minor">
-            <a:schemeClr val="tx1"/>
-          </a:fontRef>
-        </p:style>
-      </p:cxnSp>
-      <p:cxnSp>
-        <p:nvCxnSpPr>
-          <p:cNvPr id="67" name="Straight Arrow Connector 66">
-            <a:extLst>
-              <a:ext uri="{FF2B5EF4-FFF2-40B4-BE49-F238E27FC236}">
-                <a16:creationId xmlns:a16="http://schemas.microsoft.com/office/drawing/2014/main" id="{A302BC37-D40A-9653-55AB-3376C0F4D2FF}"/>
-              </a:ext>
-            </a:extLst>
-          </p:cNvPr>
-          <p:cNvCxnSpPr>
-            <a:cxnSpLocks/>
-            <a:stCxn id="5" idx="3"/>
-            <a:endCxn id="27" idx="1"/>
-          </p:cNvCxnSpPr>
-          <p:nvPr/>
-        </p:nvCxnSpPr>
-        <p:spPr>
-          <a:xfrm flipV="1">
-            <a:off x="8192918" y="4091978"/>
-            <a:ext cx="996635" cy="1051961"/>
+            <a:ext cx="53619" cy="2459166"/>
           </a:xfrm>
           <a:prstGeom prst="straightConnector1">
             <a:avLst/>
@@ -4986,13 +4943,16 @@
               </a:ext>
             </a:extLst>
           </p:cNvPr>
-          <p:cNvCxnSpPr/>
+          <p:cNvCxnSpPr>
+            <a:cxnSpLocks/>
+            <a:endCxn id="30" idx="0"/>
+          </p:cNvCxnSpPr>
           <p:nvPr/>
         </p:nvCxnSpPr>
         <p:spPr>
           <a:xfrm flipH="1">
-            <a:off x="8724407" y="5024201"/>
-            <a:ext cx="1525940" cy="446264"/>
+            <a:off x="8724704" y="5024201"/>
+            <a:ext cx="1525643" cy="773074"/>
           </a:xfrm>
           <a:prstGeom prst="straightConnector1">
             <a:avLst/>
@@ -5032,9 +4992,9 @@
           <p:nvPr/>
         </p:nvCxnSpPr>
         <p:spPr>
-          <a:xfrm>
-            <a:off x="10194466" y="5024201"/>
-            <a:ext cx="1" cy="465627"/>
+          <a:xfrm flipH="1">
+            <a:off x="10174715" y="5024201"/>
+            <a:ext cx="19751" cy="792437"/>
           </a:xfrm>
           <a:prstGeom prst="straightConnector1">
             <a:avLst/>
@@ -5076,7 +5036,7 @@
         <p:spPr>
           <a:xfrm>
             <a:off x="10194466" y="5024201"/>
-            <a:ext cx="1450528" cy="446264"/>
+            <a:ext cx="1430776" cy="773074"/>
           </a:xfrm>
           <a:prstGeom prst="straightConnector1">
             <a:avLst/>
@@ -5114,7 +5074,7 @@
         </p:nvSpPr>
         <p:spPr>
           <a:xfrm>
-            <a:off x="4556368" y="5546665"/>
+            <a:off x="4533541" y="5869115"/>
             <a:ext cx="522515" cy="228600"/>
           </a:xfrm>
           <a:prstGeom prst="flowChartDecision">
@@ -5154,13 +5114,13 @@
             </a:extLst>
           </p:cNvPr>
           <p:cNvCxnSpPr>
-            <a:endCxn id="84" idx="3"/>
+            <a:cxnSpLocks/>
           </p:cNvCxnSpPr>
           <p:nvPr/>
         </p:nvCxnSpPr>
         <p:spPr>
           <a:xfrm flipH="1">
-            <a:off x="5078883" y="5660965"/>
+            <a:off x="5059131" y="5987775"/>
             <a:ext cx="3070520" cy="0"/>
           </a:xfrm>
           <a:prstGeom prst="straightConnector1">
@@ -5202,8 +5162,8 @@
         </p:nvCxnSpPr>
         <p:spPr>
           <a:xfrm flipH="1" flipV="1">
-            <a:off x="4007870" y="5546665"/>
-            <a:ext cx="548498" cy="114300"/>
+            <a:off x="3982239" y="5553424"/>
+            <a:ext cx="551302" cy="429991"/>
           </a:xfrm>
           <a:prstGeom prst="straightConnector1">
             <a:avLst/>
@@ -5237,14 +5197,15 @@
             </a:extLst>
           </p:cNvPr>
           <p:cNvCxnSpPr>
+            <a:cxnSpLocks/>
             <a:stCxn id="33" idx="2"/>
           </p:cNvCxnSpPr>
           <p:nvPr/>
         </p:nvCxnSpPr>
         <p:spPr>
           <a:xfrm flipH="1">
-            <a:off x="10194460" y="5870828"/>
-            <a:ext cx="7" cy="570537"/>
+            <a:off x="10163824" y="6197638"/>
+            <a:ext cx="10891" cy="243727"/>
           </a:xfrm>
           <a:prstGeom prst="line">
             <a:avLst/>
@@ -5756,7 +5717,7 @@
         <p:spPr>
           <a:xfrm>
             <a:off x="7403470" y="3974315"/>
-            <a:ext cx="0" cy="413478"/>
+            <a:ext cx="24081" cy="207886"/>
           </a:xfrm>
           <a:prstGeom prst="straightConnector1">
             <a:avLst/>
@@ -5978,7 +5939,7 @@
         <p:spPr>
           <a:xfrm>
             <a:off x="2938276" y="4028313"/>
-            <a:ext cx="4228018" cy="509479"/>
+            <a:ext cx="4252877" cy="259027"/>
           </a:xfrm>
           <a:prstGeom prst="straightConnector1">
             <a:avLst/>
@@ -6016,7 +5977,7 @@
         </p:nvSpPr>
         <p:spPr>
           <a:xfrm>
-            <a:off x="7166294" y="4423492"/>
+            <a:off x="7191153" y="4173040"/>
             <a:ext cx="522515" cy="228600"/>
           </a:xfrm>
           <a:prstGeom prst="flowChartDecision">
@@ -6042,7 +6003,7 @@
           <a:lstStyle/>
           <a:p>
             <a:pPr algn="ctr"/>
-            <a:endParaRPr lang="en-US"/>
+            <a:endParaRPr lang="en-US" dirty="0"/>
           </a:p>
         </p:txBody>
       </p:sp>
@@ -6060,7 +6021,7 @@
         </p:nvSpPr>
         <p:spPr>
           <a:xfrm>
-            <a:off x="6786639" y="4953439"/>
+            <a:off x="6784511" y="4660768"/>
             <a:ext cx="1406279" cy="381000"/>
           </a:xfrm>
           <a:prstGeom prst="roundRect">
@@ -6111,14 +6072,265 @@
           </p:cNvPr>
           <p:cNvCxnSpPr>
             <a:cxnSpLocks/>
-            <a:endCxn id="5" idx="0"/>
           </p:cNvCxnSpPr>
           <p:nvPr/>
         </p:nvCxnSpPr>
         <p:spPr>
           <a:xfrm>
-            <a:off x="7427551" y="4652092"/>
+            <a:off x="7427551" y="4386133"/>
             <a:ext cx="62228" cy="301347"/>
+          </a:xfrm>
+          <a:prstGeom prst="straightConnector1">
+            <a:avLst/>
+          </a:prstGeom>
+          <a:ln>
+            <a:tailEnd type="triangle"/>
+          </a:ln>
+        </p:spPr>
+        <p:style>
+          <a:lnRef idx="2">
+            <a:schemeClr val="accent1"/>
+          </a:lnRef>
+          <a:fillRef idx="0">
+            <a:schemeClr val="accent1"/>
+          </a:fillRef>
+          <a:effectRef idx="1">
+            <a:schemeClr val="accent1"/>
+          </a:effectRef>
+          <a:fontRef idx="minor">
+            <a:schemeClr val="tx1"/>
+          </a:fontRef>
+        </p:style>
+      </p:cxnSp>
+      <p:sp>
+        <p:nvSpPr>
+          <p:cNvPr id="38" name="Flowchart: Decision 37">
+            <a:extLst>
+              <a:ext uri="{FF2B5EF4-FFF2-40B4-BE49-F238E27FC236}">
+                <a16:creationId xmlns:a16="http://schemas.microsoft.com/office/drawing/2014/main" id="{0043E13A-ED10-A079-BE22-C5F5EB0F39CA}"/>
+              </a:ext>
+            </a:extLst>
+          </p:cNvPr>
+          <p:cNvSpPr/>
+          <p:nvPr/>
+        </p:nvSpPr>
+        <p:spPr>
+          <a:xfrm>
+            <a:off x="7250605" y="5292448"/>
+            <a:ext cx="522515" cy="228600"/>
+          </a:xfrm>
+          <a:prstGeom prst="flowChartDecision">
+            <a:avLst/>
+          </a:prstGeom>
+        </p:spPr>
+        <p:style>
+          <a:lnRef idx="2">
+            <a:schemeClr val="accent6"/>
+          </a:lnRef>
+          <a:fillRef idx="1">
+            <a:schemeClr val="lt1"/>
+          </a:fillRef>
+          <a:effectRef idx="0">
+            <a:schemeClr val="accent6"/>
+          </a:effectRef>
+          <a:fontRef idx="minor">
+            <a:schemeClr val="dk1"/>
+          </a:fontRef>
+        </p:style>
+        <p:txBody>
+          <a:bodyPr rtlCol="0" anchor="ctr"/>
+          <a:lstStyle/>
+          <a:p>
+            <a:pPr algn="ctr"/>
+            <a:endParaRPr lang="en-US" dirty="0"/>
+          </a:p>
+        </p:txBody>
+      </p:sp>
+      <p:cxnSp>
+        <p:nvCxnSpPr>
+          <p:cNvPr id="40" name="Straight Arrow Connector 39">
+            <a:extLst>
+              <a:ext uri="{FF2B5EF4-FFF2-40B4-BE49-F238E27FC236}">
+                <a16:creationId xmlns:a16="http://schemas.microsoft.com/office/drawing/2014/main" id="{DE3013D4-5B7E-EFA9-1431-E7D75BF0BB83}"/>
+              </a:ext>
+            </a:extLst>
+          </p:cNvPr>
+          <p:cNvCxnSpPr>
+            <a:cxnSpLocks/>
+          </p:cNvCxnSpPr>
+          <p:nvPr/>
+        </p:nvCxnSpPr>
+        <p:spPr>
+          <a:xfrm>
+            <a:off x="7452410" y="5024201"/>
+            <a:ext cx="62228" cy="301347"/>
+          </a:xfrm>
+          <a:prstGeom prst="straightConnector1">
+            <a:avLst/>
+          </a:prstGeom>
+          <a:ln>
+            <a:tailEnd type="triangle"/>
+          </a:ln>
+        </p:spPr>
+        <p:style>
+          <a:lnRef idx="2">
+            <a:schemeClr val="accent1"/>
+          </a:lnRef>
+          <a:fillRef idx="0">
+            <a:schemeClr val="accent1"/>
+          </a:fillRef>
+          <a:effectRef idx="1">
+            <a:schemeClr val="accent1"/>
+          </a:effectRef>
+          <a:fontRef idx="minor">
+            <a:schemeClr val="tx1"/>
+          </a:fontRef>
+        </p:style>
+      </p:cxnSp>
+      <p:sp>
+        <p:nvSpPr>
+          <p:cNvPr id="48" name="TextBox 47">
+            <a:extLst>
+              <a:ext uri="{FF2B5EF4-FFF2-40B4-BE49-F238E27FC236}">
+                <a16:creationId xmlns:a16="http://schemas.microsoft.com/office/drawing/2014/main" id="{E5285FA3-830B-8513-8847-B4818ABE5C77}"/>
+              </a:ext>
+            </a:extLst>
+          </p:cNvPr>
+          <p:cNvSpPr txBox="1"/>
+          <p:nvPr/>
+        </p:nvSpPr>
+        <p:spPr>
+          <a:xfrm>
+            <a:off x="6410177" y="5025293"/>
+            <a:ext cx="1107130" cy="400110"/>
+          </a:xfrm>
+          <a:prstGeom prst="rect">
+            <a:avLst/>
+          </a:prstGeom>
+          <a:noFill/>
+        </p:spPr>
+        <p:txBody>
+          <a:bodyPr wrap="square" rtlCol="0">
+            <a:spAutoFit/>
+          </a:bodyPr>
+          <a:lstStyle/>
+          <a:p>
+            <a:r>
+              <a:rPr lang="vi-VN" sz="1000" dirty="0">
+                <a:latin typeface="Times New Roman" panose="02020603050405020304" pitchFamily="18" charset="0"/>
+                <a:cs typeface="Times New Roman" panose="02020603050405020304" pitchFamily="18" charset="0"/>
+              </a:rPr>
+              <a:t>Người dùng hủy yêu cầu tham gia</a:t>
+            </a:r>
+            <a:endParaRPr lang="en-US" sz="1000" dirty="0">
+              <a:latin typeface="Times New Roman" panose="02020603050405020304" pitchFamily="18" charset="0"/>
+              <a:cs typeface="Times New Roman" panose="02020603050405020304" pitchFamily="18" charset="0"/>
+            </a:endParaRPr>
+          </a:p>
+        </p:txBody>
+      </p:sp>
+      <p:sp>
+        <p:nvSpPr>
+          <p:cNvPr id="49" name="TextBox 48">
+            <a:extLst>
+              <a:ext uri="{FF2B5EF4-FFF2-40B4-BE49-F238E27FC236}">
+                <a16:creationId xmlns:a16="http://schemas.microsoft.com/office/drawing/2014/main" id="{DED0DE10-6CB4-47F7-2FED-702F57889736}"/>
+              </a:ext>
+            </a:extLst>
+          </p:cNvPr>
+          <p:cNvSpPr txBox="1"/>
+          <p:nvPr/>
+        </p:nvSpPr>
+        <p:spPr>
+          <a:xfrm rot="638882">
+            <a:off x="5187994" y="4805429"/>
+            <a:ext cx="584615" cy="307777"/>
+          </a:xfrm>
+          <a:prstGeom prst="rect">
+            <a:avLst/>
+          </a:prstGeom>
+          <a:noFill/>
+        </p:spPr>
+        <p:txBody>
+          <a:bodyPr wrap="square" rtlCol="0">
+            <a:spAutoFit/>
+          </a:bodyPr>
+          <a:lstStyle/>
+          <a:p>
+            <a:r>
+              <a:rPr lang="vi-VN" sz="1400" dirty="0">
+                <a:latin typeface="Times New Roman" panose="02020603050405020304" pitchFamily="18" charset="0"/>
+                <a:cs typeface="Times New Roman" panose="02020603050405020304" pitchFamily="18" charset="0"/>
+              </a:rPr>
+              <a:t>yes</a:t>
+            </a:r>
+            <a:endParaRPr lang="en-US" sz="1400" dirty="0">
+              <a:latin typeface="Times New Roman" panose="02020603050405020304" pitchFamily="18" charset="0"/>
+              <a:cs typeface="Times New Roman" panose="02020603050405020304" pitchFamily="18" charset="0"/>
+            </a:endParaRPr>
+          </a:p>
+        </p:txBody>
+      </p:sp>
+      <p:cxnSp>
+        <p:nvCxnSpPr>
+          <p:cNvPr id="51" name="Straight Arrow Connector 50">
+            <a:extLst>
+              <a:ext uri="{FF2B5EF4-FFF2-40B4-BE49-F238E27FC236}">
+                <a16:creationId xmlns:a16="http://schemas.microsoft.com/office/drawing/2014/main" id="{6436F67F-E62F-822A-568B-5B55A62090FE}"/>
+              </a:ext>
+            </a:extLst>
+          </p:cNvPr>
+          <p:cNvCxnSpPr>
+            <a:cxnSpLocks/>
+          </p:cNvCxnSpPr>
+          <p:nvPr/>
+        </p:nvCxnSpPr>
+        <p:spPr>
+          <a:xfrm flipH="1" flipV="1">
+            <a:off x="2017215" y="4630990"/>
+            <a:ext cx="5258847" cy="783784"/>
+          </a:xfrm>
+          <a:prstGeom prst="straightConnector1">
+            <a:avLst/>
+          </a:prstGeom>
+          <a:ln>
+            <a:tailEnd type="triangle"/>
+          </a:ln>
+        </p:spPr>
+        <p:style>
+          <a:lnRef idx="2">
+            <a:schemeClr val="accent1"/>
+          </a:lnRef>
+          <a:fillRef idx="0">
+            <a:schemeClr val="accent1"/>
+          </a:fillRef>
+          <a:effectRef idx="1">
+            <a:schemeClr val="accent1"/>
+          </a:effectRef>
+          <a:fontRef idx="minor">
+            <a:schemeClr val="tx1"/>
+          </a:fontRef>
+        </p:style>
+      </p:cxnSp>
+      <p:cxnSp>
+        <p:nvCxnSpPr>
+          <p:cNvPr id="55" name="Straight Arrow Connector 54">
+            <a:extLst>
+              <a:ext uri="{FF2B5EF4-FFF2-40B4-BE49-F238E27FC236}">
+                <a16:creationId xmlns:a16="http://schemas.microsoft.com/office/drawing/2014/main" id="{ADA4857C-DE0B-09F1-D880-6180D10BFF30}"/>
+              </a:ext>
+            </a:extLst>
+          </p:cNvPr>
+          <p:cNvCxnSpPr>
+            <a:cxnSpLocks/>
+            <a:endCxn id="27" idx="1"/>
+          </p:cNvCxnSpPr>
+          <p:nvPr/>
+        </p:nvCxnSpPr>
+        <p:spPr>
+          <a:xfrm flipV="1">
+            <a:off x="7776686" y="4091978"/>
+            <a:ext cx="1412867" cy="1294957"/>
           </a:xfrm>
           <a:prstGeom prst="straightConnector1">
             <a:avLst/>
@@ -6471,23 +6683,6 @@
 </file>
 
 <file path=customXml/item1.xml><?xml version="1.0" encoding="utf-8"?>
-<?mso-contentType ?>
-<FormTemplates xmlns="http://schemas.microsoft.com/sharepoint/v3/contenttype/forms">
-  <Display>DocumentLibraryForm</Display>
-  <Edit>DocumentLibraryForm</Edit>
-  <New>DocumentLibraryForm</New>
-</FormTemplates>
-</file>
-
-<file path=customXml/item2.xml><?xml version="1.0" encoding="utf-8"?>
-<p:properties xmlns:p="http://schemas.microsoft.com/office/2006/metadata/properties" xmlns:xsi="http://www.w3.org/2001/XMLSchema-instance" xmlns:pc="http://schemas.microsoft.com/office/infopath/2007/PartnerControls">
-  <documentManagement>
-    <_activity xmlns="c80d803b-ee30-4cf1-8997-d5dbef288d47" xsi:nil="true"/>
-  </documentManagement>
-</p:properties>
-</file>
-
-<file path=customXml/item3.xml><?xml version="1.0" encoding="utf-8"?>
 <ct:contentTypeSchema xmlns:ct="http://schemas.microsoft.com/office/2006/metadata/contentType" xmlns:ma="http://schemas.microsoft.com/office/2006/metadata/properties/metaAttributes" ct:_="" ma:_="" ma:contentTypeName="Document" ma:contentTypeID="0x01010091885E8D135CD643938305DEC3E1B53E" ma:contentTypeVersion="15" ma:contentTypeDescription="Create a new document." ma:contentTypeScope="" ma:versionID="a6814ea74d3fb77b5ad977a3843b2846">
   <xsd:schema xmlns:xsd="http://www.w3.org/2001/XMLSchema" xmlns:xs="http://www.w3.org/2001/XMLSchema" xmlns:p="http://schemas.microsoft.com/office/2006/metadata/properties" xmlns:ns3="c80d803b-ee30-4cf1-8997-d5dbef288d47" xmlns:ns4="1c1e4822-5b82-4cb4-a39e-28e929ec74cb" targetNamespace="http://schemas.microsoft.com/office/2006/metadata/properties" ma:root="true" ma:fieldsID="20e89a6ac46c5aeb3e918dc78faa7076" ns3:_="" ns4:_="">
     <xsd:import namespace="c80d803b-ee30-4cf1-8997-d5dbef288d47"/>
@@ -6720,10 +6915,38 @@
 </ct:contentTypeSchema>
 </file>
 
+<file path=customXml/item2.xml><?xml version="1.0" encoding="utf-8"?>
+<p:properties xmlns:p="http://schemas.microsoft.com/office/2006/metadata/properties" xmlns:xsi="http://www.w3.org/2001/XMLSchema-instance" xmlns:pc="http://schemas.microsoft.com/office/infopath/2007/PartnerControls">
+  <documentManagement>
+    <_activity xmlns="c80d803b-ee30-4cf1-8997-d5dbef288d47" xsi:nil="true"/>
+  </documentManagement>
+</p:properties>
+</file>
+
+<file path=customXml/item3.xml><?xml version="1.0" encoding="utf-8"?>
+<?mso-contentType ?>
+<FormTemplates xmlns="http://schemas.microsoft.com/sharepoint/v3/contenttype/forms">
+  <Display>DocumentLibraryForm</Display>
+  <Edit>DocumentLibraryForm</Edit>
+  <New>DocumentLibraryForm</New>
+</FormTemplates>
+</file>
+
 <file path=customXml/itemProps1.xml><?xml version="1.0" encoding="utf-8"?>
-<ds:datastoreItem xmlns:ds="http://schemas.openxmlformats.org/officeDocument/2006/customXml" ds:itemID="{368385C8-0F30-4715-A3AB-3C95C147C3E9}">
+<ds:datastoreItem xmlns:ds="http://schemas.openxmlformats.org/officeDocument/2006/customXml" ds:itemID="{BEEA7200-2846-4DF0-8F54-4E012AB88C86}">
   <ds:schemaRefs>
-    <ds:schemaRef ds:uri="http://schemas.microsoft.com/sharepoint/v3/contenttype/forms"/>
+    <ds:schemaRef ds:uri="http://schemas.microsoft.com/office/2006/metadata/contentType"/>
+    <ds:schemaRef ds:uri="http://schemas.microsoft.com/office/2006/metadata/properties/metaAttributes"/>
+    <ds:schemaRef ds:uri="http://www.w3.org/2001/XMLSchema"/>
+    <ds:schemaRef ds:uri="http://schemas.microsoft.com/office/2006/metadata/properties"/>
+    <ds:schemaRef ds:uri="c80d803b-ee30-4cf1-8997-d5dbef288d47"/>
+    <ds:schemaRef ds:uri="1c1e4822-5b82-4cb4-a39e-28e929ec74cb"/>
+    <ds:schemaRef ds:uri="http://schemas.microsoft.com/office/2006/documentManagement/types"/>
+    <ds:schemaRef ds:uri="http://schemas.microsoft.com/office/infopath/2007/PartnerControls"/>
+    <ds:schemaRef ds:uri="http://schemas.openxmlformats.org/package/2006/metadata/core-properties"/>
+    <ds:schemaRef ds:uri="http://purl.org/dc/elements/1.1/"/>
+    <ds:schemaRef ds:uri="http://purl.org/dc/terms/"/>
+    <ds:schemaRef ds:uri="http://schemas.microsoft.com/internal/obd"/>
   </ds:schemaRefs>
 </ds:datastoreItem>
 </file>
@@ -6746,20 +6969,9 @@
 </file>
 
 <file path=customXml/itemProps3.xml><?xml version="1.0" encoding="utf-8"?>
-<ds:datastoreItem xmlns:ds="http://schemas.openxmlformats.org/officeDocument/2006/customXml" ds:itemID="{BEEA7200-2846-4DF0-8F54-4E012AB88C86}">
+<ds:datastoreItem xmlns:ds="http://schemas.openxmlformats.org/officeDocument/2006/customXml" ds:itemID="{368385C8-0F30-4715-A3AB-3C95C147C3E9}">
   <ds:schemaRefs>
-    <ds:schemaRef ds:uri="http://schemas.microsoft.com/office/2006/metadata/contentType"/>
-    <ds:schemaRef ds:uri="http://schemas.microsoft.com/office/2006/metadata/properties/metaAttributes"/>
-    <ds:schemaRef ds:uri="http://www.w3.org/2001/XMLSchema"/>
-    <ds:schemaRef ds:uri="http://schemas.microsoft.com/office/2006/metadata/properties"/>
-    <ds:schemaRef ds:uri="c80d803b-ee30-4cf1-8997-d5dbef288d47"/>
-    <ds:schemaRef ds:uri="1c1e4822-5b82-4cb4-a39e-28e929ec74cb"/>
-    <ds:schemaRef ds:uri="http://schemas.microsoft.com/office/2006/documentManagement/types"/>
-    <ds:schemaRef ds:uri="http://schemas.microsoft.com/office/infopath/2007/PartnerControls"/>
-    <ds:schemaRef ds:uri="http://schemas.openxmlformats.org/package/2006/metadata/core-properties"/>
-    <ds:schemaRef ds:uri="http://purl.org/dc/elements/1.1/"/>
-    <ds:schemaRef ds:uri="http://purl.org/dc/terms/"/>
-    <ds:schemaRef ds:uri="http://schemas.microsoft.com/internal/obd"/>
+    <ds:schemaRef ds:uri="http://schemas.microsoft.com/sharepoint/v3/contenttype/forms"/>
   </ds:schemaRefs>
 </ds:datastoreItem>
 </file>